--- a/modélisation/mercure-galant-thésaurus-ancien-régime/Ecrans.pptx
+++ b/modélisation/mercure-galant-thésaurus-ancien-régime/Ecrans.pptx
@@ -5,15 +5,17 @@
     <p:sldMasterId id="2147483648" r:id="rId1"/>
   </p:sldMasterIdLst>
   <p:sldIdLst>
-    <p:sldId id="256" r:id="rId2"/>
-    <p:sldId id="259" r:id="rId3"/>
-    <p:sldId id="269" r:id="rId4"/>
-    <p:sldId id="270" r:id="rId5"/>
-    <p:sldId id="271" r:id="rId6"/>
-    <p:sldId id="263" r:id="rId7"/>
-    <p:sldId id="265" r:id="rId8"/>
-    <p:sldId id="258" r:id="rId9"/>
-    <p:sldId id="262" r:id="rId10"/>
+    <p:sldId id="272" r:id="rId2"/>
+    <p:sldId id="274" r:id="rId3"/>
+    <p:sldId id="273" r:id="rId4"/>
+    <p:sldId id="259" r:id="rId5"/>
+    <p:sldId id="269" r:id="rId6"/>
+    <p:sldId id="270" r:id="rId7"/>
+    <p:sldId id="271" r:id="rId8"/>
+    <p:sldId id="263" r:id="rId9"/>
+    <p:sldId id="265" r:id="rId10"/>
+    <p:sldId id="258" r:id="rId11"/>
+    <p:sldId id="262" r:id="rId12"/>
   </p:sldIdLst>
   <p:sldSz cx="12192000" cy="6858000"/>
   <p:notesSz cx="6858000" cy="9144000"/>
@@ -279,7 +281,7 @@
           <a:p>
             <a:fld id="{D77287C8-E55E-4FA0-B705-E340A46EFEF0}" type="datetimeFigureOut">
               <a:rPr lang="fr-FR" smtClean="0"/>
-              <a:t>10/11/2020</a:t>
+              <a:t>13/11/2020</a:t>
             </a:fld>
             <a:endParaRPr lang="fr-FR"/>
           </a:p>
@@ -477,7 +479,7 @@
           <a:p>
             <a:fld id="{D77287C8-E55E-4FA0-B705-E340A46EFEF0}" type="datetimeFigureOut">
               <a:rPr lang="fr-FR" smtClean="0"/>
-              <a:t>10/11/2020</a:t>
+              <a:t>13/11/2020</a:t>
             </a:fld>
             <a:endParaRPr lang="fr-FR"/>
           </a:p>
@@ -685,7 +687,7 @@
           <a:p>
             <a:fld id="{D77287C8-E55E-4FA0-B705-E340A46EFEF0}" type="datetimeFigureOut">
               <a:rPr lang="fr-FR" smtClean="0"/>
-              <a:t>10/11/2020</a:t>
+              <a:t>13/11/2020</a:t>
             </a:fld>
             <a:endParaRPr lang="fr-FR"/>
           </a:p>
@@ -883,7 +885,7 @@
           <a:p>
             <a:fld id="{D77287C8-E55E-4FA0-B705-E340A46EFEF0}" type="datetimeFigureOut">
               <a:rPr lang="fr-FR" smtClean="0"/>
-              <a:t>10/11/2020</a:t>
+              <a:t>13/11/2020</a:t>
             </a:fld>
             <a:endParaRPr lang="fr-FR"/>
           </a:p>
@@ -1158,7 +1160,7 @@
           <a:p>
             <a:fld id="{D77287C8-E55E-4FA0-B705-E340A46EFEF0}" type="datetimeFigureOut">
               <a:rPr lang="fr-FR" smtClean="0"/>
-              <a:t>10/11/2020</a:t>
+              <a:t>13/11/2020</a:t>
             </a:fld>
             <a:endParaRPr lang="fr-FR"/>
           </a:p>
@@ -1423,7 +1425,7 @@
           <a:p>
             <a:fld id="{D77287C8-E55E-4FA0-B705-E340A46EFEF0}" type="datetimeFigureOut">
               <a:rPr lang="fr-FR" smtClean="0"/>
-              <a:t>10/11/2020</a:t>
+              <a:t>13/11/2020</a:t>
             </a:fld>
             <a:endParaRPr lang="fr-FR"/>
           </a:p>
@@ -1835,7 +1837,7 @@
           <a:p>
             <a:fld id="{D77287C8-E55E-4FA0-B705-E340A46EFEF0}" type="datetimeFigureOut">
               <a:rPr lang="fr-FR" smtClean="0"/>
-              <a:t>10/11/2020</a:t>
+              <a:t>13/11/2020</a:t>
             </a:fld>
             <a:endParaRPr lang="fr-FR"/>
           </a:p>
@@ -1976,7 +1978,7 @@
           <a:p>
             <a:fld id="{D77287C8-E55E-4FA0-B705-E340A46EFEF0}" type="datetimeFigureOut">
               <a:rPr lang="fr-FR" smtClean="0"/>
-              <a:t>10/11/2020</a:t>
+              <a:t>13/11/2020</a:t>
             </a:fld>
             <a:endParaRPr lang="fr-FR"/>
           </a:p>
@@ -2089,7 +2091,7 @@
           <a:p>
             <a:fld id="{D77287C8-E55E-4FA0-B705-E340A46EFEF0}" type="datetimeFigureOut">
               <a:rPr lang="fr-FR" smtClean="0"/>
-              <a:t>10/11/2020</a:t>
+              <a:t>13/11/2020</a:t>
             </a:fld>
             <a:endParaRPr lang="fr-FR"/>
           </a:p>
@@ -2400,7 +2402,7 @@
           <a:p>
             <a:fld id="{D77287C8-E55E-4FA0-B705-E340A46EFEF0}" type="datetimeFigureOut">
               <a:rPr lang="fr-FR" smtClean="0"/>
-              <a:t>10/11/2020</a:t>
+              <a:t>13/11/2020</a:t>
             </a:fld>
             <a:endParaRPr lang="fr-FR"/>
           </a:p>
@@ -2688,7 +2690,7 @@
           <a:p>
             <a:fld id="{D77287C8-E55E-4FA0-B705-E340A46EFEF0}" type="datetimeFigureOut">
               <a:rPr lang="fr-FR" smtClean="0"/>
-              <a:t>10/11/2020</a:t>
+              <a:t>13/11/2020</a:t>
             </a:fld>
             <a:endParaRPr lang="fr-FR"/>
           </a:p>
@@ -2929,7 +2931,7 @@
           <a:p>
             <a:fld id="{D77287C8-E55E-4FA0-B705-E340A46EFEF0}" type="datetimeFigureOut">
               <a:rPr lang="fr-FR" smtClean="0"/>
-              <a:t>10/11/2020</a:t>
+              <a:t>13/11/2020</a:t>
             </a:fld>
             <a:endParaRPr lang="fr-FR"/>
           </a:p>
@@ -3639,7 +3641,7 @@
                 </a:solidFill>
                 <a:cs typeface="Iskoola Pota" panose="020B0502040204020203" pitchFamily="34" charset="0"/>
               </a:rPr>
-              <a:t>			Editeur de thésaurus			A propos</a:t>
+              <a:t>			Editeur de thésaurus			 Explorer</a:t>
             </a:r>
           </a:p>
         </p:txBody>
@@ -3852,9 +3854,18 @@
                     <a:lumMod val="65000"/>
                   </a:schemeClr>
                 </a:solidFill>
-                <a:latin typeface="Gill Sans Nova Light" panose="020B0302020104020203" pitchFamily="34" charset="0"/>
-              </a:rPr>
-              <a:t>Recherche</a:t>
+                <a:latin typeface="+mj-lt"/>
+              </a:rPr>
+              <a:t>Recherche			   </a:t>
+            </a:r>
+            <a:r>
+              <a:rPr lang="fr-FR" sz="1200" dirty="0">
+                <a:solidFill>
+                  <a:srgbClr val="C00000"/>
+                </a:solidFill>
+                <a:latin typeface="+mj-lt"/>
+              </a:rPr>
+              <a:t>Filtrer</a:t>
             </a:r>
           </a:p>
         </p:txBody>
@@ -4059,7 +4070,7 @@
         <p:spPr>
           <a:xfrm>
             <a:off x="2066460" y="1400176"/>
-            <a:ext cx="1533990" cy="1495359"/>
+            <a:ext cx="1533990" cy="1029757"/>
           </a:xfrm>
           <a:prstGeom prst="rect">
             <a:avLst/>
@@ -4094,11 +4105,22 @@
           </a:fontRef>
         </p:style>
         <p:txBody>
-          <a:bodyPr rtlCol="0" anchor="ctr"/>
+          <a:bodyPr rtlCol="0" anchor="b"/>
           <a:lstStyle/>
           <a:p>
             <a:pPr algn="ctr"/>
-            <a:endParaRPr lang="fr-FR" dirty="0"/>
+            <a:r>
+              <a:rPr lang="fr-FR" sz="900" b="1" dirty="0">
+                <a:solidFill>
+                  <a:schemeClr val="bg2">
+                    <a:lumMod val="25000"/>
+                  </a:schemeClr>
+                </a:solidFill>
+                <a:cs typeface="Iskoola Pota" panose="020B0502040204020203" pitchFamily="34" charset="0"/>
+              </a:rPr>
+              <a:t>Terminologie des instruments de musique</a:t>
+            </a:r>
+            <a:endParaRPr lang="fr-FR" sz="900" b="1" dirty="0"/>
           </a:p>
         </p:txBody>
       </p:sp>
@@ -4240,60 +4262,6 @@
       </p:sp>
       <p:sp>
         <p:nvSpPr>
-          <p:cNvPr id="48" name="Rectangle 47">
-            <a:extLst>
-              <a:ext uri="{FF2B5EF4-FFF2-40B4-BE49-F238E27FC236}">
-                <a16:creationId xmlns:a16="http://schemas.microsoft.com/office/drawing/2014/main" id="{77C5713A-692E-48CF-B744-F1D9DACAA0D2}"/>
-              </a:ext>
-            </a:extLst>
-          </p:cNvPr>
-          <p:cNvSpPr/>
-          <p:nvPr/>
-        </p:nvSpPr>
-        <p:spPr>
-          <a:xfrm>
-            <a:off x="2066460" y="2303079"/>
-            <a:ext cx="1533990" cy="295173"/>
-          </a:xfrm>
-          <a:prstGeom prst="rect">
-            <a:avLst/>
-          </a:prstGeom>
-          <a:solidFill>
-            <a:schemeClr val="bg1">
-              <a:lumMod val="85000"/>
-            </a:schemeClr>
-          </a:solidFill>
-          <a:ln>
-            <a:noFill/>
-          </a:ln>
-        </p:spPr>
-        <p:style>
-          <a:lnRef idx="2">
-            <a:schemeClr val="accent1">
-              <a:shade val="50000"/>
-            </a:schemeClr>
-          </a:lnRef>
-          <a:fillRef idx="1">
-            <a:schemeClr val="accent1"/>
-          </a:fillRef>
-          <a:effectRef idx="0">
-            <a:schemeClr val="accent1"/>
-          </a:effectRef>
-          <a:fontRef idx="minor">
-            <a:schemeClr val="lt1"/>
-          </a:fontRef>
-        </p:style>
-        <p:txBody>
-          <a:bodyPr rtlCol="0" anchor="ctr"/>
-          <a:lstStyle/>
-          <a:p>
-            <a:pPr algn="ctr"/>
-            <a:endParaRPr lang="fr-FR" dirty="0"/>
-          </a:p>
-        </p:txBody>
-      </p:sp>
-      <p:sp>
-        <p:nvSpPr>
           <p:cNvPr id="49" name="Rectangle 48">
             <a:extLst>
               <a:ext uri="{FF2B5EF4-FFF2-40B4-BE49-F238E27FC236}">
@@ -4350,7 +4318,7 @@
                   </a:schemeClr>
                 </a:solidFill>
               </a:rPr>
-              <a:t>Projets</a:t>
+              <a:t>Corpus</a:t>
             </a:r>
           </a:p>
         </p:txBody>
@@ -4460,7 +4428,7 @@
     </p:spTree>
     <p:extLst>
       <p:ext uri="{BB962C8B-B14F-4D97-AF65-F5344CB8AC3E}">
-        <p14:creationId xmlns:p14="http://schemas.microsoft.com/office/powerpoint/2010/main" val="3749210223"/>
+        <p14:creationId xmlns:p14="http://schemas.microsoft.com/office/powerpoint/2010/main" val="4052029591"/>
       </p:ext>
     </p:extLst>
   </p:cSld>
@@ -4470,7 +4438,7 @@
 </p:sld>
 </file>
 
-<file path=ppt/slides/slide2.xml><?xml version="1.0" encoding="utf-8"?>
+<file path=ppt/slides/slide10.xml><?xml version="1.0" encoding="utf-8"?>
 <p:sld xmlns:a="http://schemas.openxmlformats.org/drawingml/2006/main" xmlns:r="http://schemas.openxmlformats.org/officeDocument/2006/relationships" xmlns:p="http://schemas.openxmlformats.org/presentationml/2006/main">
   <p:cSld>
     <p:spTree>
@@ -4763,15 +4731,25 @@
           </a:lstStyle>
           <a:p>
             <a:r>
-              <a:rPr lang="fr-FR" sz="1200" b="1" spc="70" dirty="0">
+              <a:rPr lang="fr-FR" sz="1200" b="1" dirty="0">
                 <a:solidFill>
                   <a:schemeClr val="bg2">
                     <a:lumMod val="25000"/>
                   </a:schemeClr>
                 </a:solidFill>
+              </a:rPr>
+              <a:t>Corpus </a:t>
+            </a:r>
+            <a:r>
+              <a:rPr lang="fr-FR" sz="1200" b="1" spc="70" dirty="0">
+                <a:solidFill>
+                  <a:schemeClr val="bg2">
+                    <a:lumMod val="25000"/>
+                  </a:schemeClr>
+                </a:solidFill>
                 <a:cs typeface="Iskoola Pota" panose="020B0502040204020203" pitchFamily="34" charset="0"/>
               </a:rPr>
-              <a:t>Projets			Editeur de thésaurus			A propos</a:t>
+              <a:t>			Editeur de thésaurus			 Explorer</a:t>
             </a:r>
           </a:p>
         </p:txBody>
@@ -4983,7 +4961,16 @@
                 </a:solidFill>
                 <a:latin typeface="Gill Sans Nova Light" panose="020B0302020104020203" pitchFamily="34" charset="0"/>
               </a:rPr>
-              <a:t>Recherche</a:t>
+              <a:t>Recherche			   </a:t>
+            </a:r>
+            <a:r>
+              <a:rPr lang="fr-FR" sz="1200" dirty="0">
+                <a:solidFill>
+                  <a:srgbClr val="C00000"/>
+                </a:solidFill>
+                <a:latin typeface="Gill Sans Nova Light" panose="020B0302020104020203" pitchFamily="34" charset="0"/>
+              </a:rPr>
+              <a:t>Filtrer</a:t>
             </a:r>
           </a:p>
         </p:txBody>
@@ -5042,10 +5029,10 @@
       </p:sp>
       <p:sp>
         <p:nvSpPr>
-          <p:cNvPr id="3" name="Rectangle : coins arrondis 2">
-            <a:extLst>
-              <a:ext uri="{FF2B5EF4-FFF2-40B4-BE49-F238E27FC236}">
-                <a16:creationId xmlns:a16="http://schemas.microsoft.com/office/drawing/2014/main" id="{D3CC8BFE-59E3-47B4-B8F7-1F663F16431C}"/>
+          <p:cNvPr id="4" name="Rectangle : coins arrondis 3">
+            <a:extLst>
+              <a:ext uri="{FF2B5EF4-FFF2-40B4-BE49-F238E27FC236}">
+                <a16:creationId xmlns:a16="http://schemas.microsoft.com/office/drawing/2014/main" id="{36973AC9-62DE-443A-803A-401548AE53F7}"/>
               </a:ext>
             </a:extLst>
           </p:cNvPr>
@@ -5054,64 +5041,8 @@
         </p:nvSpPr>
         <p:spPr>
           <a:xfrm>
-            <a:off x="876300" y="2552700"/>
-            <a:ext cx="1981200" cy="4848225"/>
-          </a:xfrm>
-          <a:prstGeom prst="roundRect">
-            <a:avLst/>
-          </a:prstGeom>
-          <a:solidFill>
-            <a:srgbClr val="F2F2F2"/>
-          </a:solidFill>
-          <a:ln>
-            <a:noFill/>
-          </a:ln>
-        </p:spPr>
-        <p:style>
-          <a:lnRef idx="2">
-            <a:schemeClr val="accent1">
-              <a:shade val="50000"/>
-            </a:schemeClr>
-          </a:lnRef>
-          <a:fillRef idx="1">
-            <a:schemeClr val="accent1"/>
-          </a:fillRef>
-          <a:effectRef idx="0">
-            <a:schemeClr val="accent1"/>
-          </a:effectRef>
-          <a:fontRef idx="minor">
-            <a:schemeClr val="lt1"/>
-          </a:fontRef>
-        </p:style>
-        <p:txBody>
-          <a:bodyPr rtlCol="0" anchor="t"/>
-          <a:lstStyle/>
-          <a:p>
-            <a:pPr algn="ctr"/>
-            <a:endParaRPr lang="fr-FR" sz="1400" b="1" spc="70" dirty="0">
-              <a:solidFill>
-                <a:schemeClr val="bg1"/>
-              </a:solidFill>
-            </a:endParaRPr>
-          </a:p>
-        </p:txBody>
-      </p:sp>
-      <p:sp>
-        <p:nvSpPr>
-          <p:cNvPr id="4" name="Rectangle : coins arrondis 3">
-            <a:extLst>
-              <a:ext uri="{FF2B5EF4-FFF2-40B4-BE49-F238E27FC236}">
-                <a16:creationId xmlns:a16="http://schemas.microsoft.com/office/drawing/2014/main" id="{36973AC9-62DE-443A-803A-401548AE53F7}"/>
-              </a:ext>
-            </a:extLst>
-          </p:cNvPr>
-          <p:cNvSpPr/>
-          <p:nvPr/>
-        </p:nvSpPr>
-        <p:spPr>
-          <a:xfrm>
-            <a:off x="3086100" y="2552700"/>
-            <a:ext cx="8305800" cy="4927225"/>
+            <a:off x="778933" y="2552700"/>
+            <a:ext cx="10612967" cy="4927225"/>
           </a:xfrm>
           <a:prstGeom prst="roundRect">
             <a:avLst>
@@ -5142,20 +5073,59 @@
           </a:fontRef>
         </p:style>
         <p:txBody>
-          <a:bodyPr rtlCol="0" anchor="ctr"/>
+          <a:bodyPr rtlCol="0" anchor="t"/>
           <a:lstStyle/>
           <a:p>
-            <a:pPr algn="ctr"/>
-            <a:endParaRPr lang="fr-FR" dirty="0"/>
+            <a:pPr algn="just"/>
+            <a:r>
+              <a:rPr lang="fr-FR" dirty="0">
+                <a:solidFill>
+                  <a:schemeClr val="bg2">
+                    <a:lumMod val="25000"/>
+                  </a:schemeClr>
+                </a:solidFill>
+              </a:rPr>
+              <a:t>	</a:t>
+            </a:r>
+          </a:p>
+          <a:p>
+            <a:pPr algn="just"/>
+            <a:r>
+              <a:rPr lang="fr-FR" sz="1600" dirty="0">
+                <a:solidFill>
+                  <a:schemeClr val="bg2">
+                    <a:lumMod val="25000"/>
+                  </a:schemeClr>
+                </a:solidFill>
+              </a:rPr>
+              <a:t>	</a:t>
+            </a:r>
+            <a:r>
+              <a:rPr lang="fr-FR" sz="1600" b="1" dirty="0">
+                <a:solidFill>
+                  <a:schemeClr val="bg2">
+                    <a:lumMod val="25000"/>
+                  </a:schemeClr>
+                </a:solidFill>
+              </a:rPr>
+              <a:t>Créer un nouveau terme</a:t>
+            </a:r>
+            <a:endParaRPr lang="fr-FR" b="1" dirty="0">
+              <a:solidFill>
+                <a:schemeClr val="bg2">
+                  <a:lumMod val="25000"/>
+                </a:schemeClr>
+              </a:solidFill>
+            </a:endParaRPr>
           </a:p>
         </p:txBody>
       </p:sp>
       <p:sp>
         <p:nvSpPr>
-          <p:cNvPr id="5" name="Rectangle 4">
-            <a:extLst>
-              <a:ext uri="{FF2B5EF4-FFF2-40B4-BE49-F238E27FC236}">
-                <a16:creationId xmlns:a16="http://schemas.microsoft.com/office/drawing/2014/main" id="{6365D34E-90F7-4A4F-87E8-3C828EA19A9D}"/>
+          <p:cNvPr id="68" name="Rectangle 67">
+            <a:extLst>
+              <a:ext uri="{FF2B5EF4-FFF2-40B4-BE49-F238E27FC236}">
+                <a16:creationId xmlns:a16="http://schemas.microsoft.com/office/drawing/2014/main" id="{B2F56EBC-DDB7-4723-9A0D-51ED0524AD7D}"/>
               </a:ext>
             </a:extLst>
           </p:cNvPr>
@@ -5164,860 +5134,7 @@
         </p:nvSpPr>
         <p:spPr>
           <a:xfrm>
-            <a:off x="876300" y="3000375"/>
-            <a:ext cx="1981200" cy="400050"/>
-          </a:xfrm>
-          <a:prstGeom prst="rect">
-            <a:avLst/>
-          </a:prstGeom>
-          <a:solidFill>
-            <a:schemeClr val="bg1">
-              <a:lumMod val="85000"/>
-            </a:schemeClr>
-          </a:solidFill>
-          <a:ln>
-            <a:noFill/>
-          </a:ln>
-        </p:spPr>
-        <p:style>
-          <a:lnRef idx="2">
-            <a:schemeClr val="accent1">
-              <a:shade val="50000"/>
-            </a:schemeClr>
-          </a:lnRef>
-          <a:fillRef idx="1">
-            <a:schemeClr val="accent1"/>
-          </a:fillRef>
-          <a:effectRef idx="0">
-            <a:schemeClr val="accent1"/>
-          </a:effectRef>
-          <a:fontRef idx="minor">
-            <a:schemeClr val="lt1"/>
-          </a:fontRef>
-        </p:style>
-        <p:txBody>
-          <a:bodyPr rtlCol="0" anchor="ctr"/>
-          <a:lstStyle/>
-          <a:p>
-            <a:pPr algn="ctr"/>
-            <a:r>
-              <a:rPr lang="fr-FR" sz="1200" spc="70" dirty="0">
-                <a:solidFill>
-                  <a:schemeClr val="bg2">
-                    <a:lumMod val="25000"/>
-                  </a:schemeClr>
-                </a:solidFill>
-              </a:rPr>
-              <a:t>Ancien Régime</a:t>
-            </a:r>
-          </a:p>
-        </p:txBody>
-      </p:sp>
-      <p:sp>
-        <p:nvSpPr>
-          <p:cNvPr id="6" name="Rectangle 5">
-            <a:extLst>
-              <a:ext uri="{FF2B5EF4-FFF2-40B4-BE49-F238E27FC236}">
-                <a16:creationId xmlns:a16="http://schemas.microsoft.com/office/drawing/2014/main" id="{ABE26F6C-E9F6-4B74-AD50-8E3EF1F959BE}"/>
-              </a:ext>
-            </a:extLst>
-          </p:cNvPr>
-          <p:cNvSpPr/>
-          <p:nvPr/>
-        </p:nvSpPr>
-        <p:spPr>
-          <a:xfrm>
-            <a:off x="876298" y="4469021"/>
-            <a:ext cx="1981200" cy="660192"/>
-          </a:xfrm>
-          <a:prstGeom prst="rect">
-            <a:avLst/>
-          </a:prstGeom>
-          <a:solidFill>
-            <a:schemeClr val="bg1">
-              <a:lumMod val="85000"/>
-            </a:schemeClr>
-          </a:solidFill>
-          <a:ln>
-            <a:noFill/>
-          </a:ln>
-        </p:spPr>
-        <p:style>
-          <a:lnRef idx="2">
-            <a:schemeClr val="accent1">
-              <a:shade val="50000"/>
-            </a:schemeClr>
-          </a:lnRef>
-          <a:fillRef idx="1">
-            <a:schemeClr val="accent1"/>
-          </a:fillRef>
-          <a:effectRef idx="0">
-            <a:schemeClr val="accent1"/>
-          </a:effectRef>
-          <a:fontRef idx="minor">
-            <a:schemeClr val="lt1"/>
-          </a:fontRef>
-        </p:style>
-        <p:txBody>
-          <a:bodyPr rtlCol="0" anchor="ctr"/>
-          <a:lstStyle/>
-          <a:p>
-            <a:pPr algn="ctr"/>
-            <a:r>
-              <a:rPr lang="fr-FR" sz="1200" spc="70" dirty="0">
-                <a:solidFill>
-                  <a:schemeClr val="bg2">
-                    <a:lumMod val="25000"/>
-                  </a:schemeClr>
-                </a:solidFill>
-              </a:rPr>
-              <a:t>Instruments de </a:t>
-            </a:r>
-          </a:p>
-          <a:p>
-            <a:pPr algn="ctr"/>
-            <a:r>
-              <a:rPr lang="fr-FR" sz="1200" spc="70" dirty="0">
-                <a:solidFill>
-                  <a:schemeClr val="bg2">
-                    <a:lumMod val="25000"/>
-                  </a:schemeClr>
-                </a:solidFill>
-              </a:rPr>
-              <a:t>musique</a:t>
-            </a:r>
-          </a:p>
-        </p:txBody>
-      </p:sp>
-      <p:sp>
-        <p:nvSpPr>
-          <p:cNvPr id="7" name="Rectangle 6">
-            <a:extLst>
-              <a:ext uri="{FF2B5EF4-FFF2-40B4-BE49-F238E27FC236}">
-                <a16:creationId xmlns:a16="http://schemas.microsoft.com/office/drawing/2014/main" id="{F5825FFE-0958-4B33-8D95-E97CE76CE8DA}"/>
-              </a:ext>
-            </a:extLst>
-          </p:cNvPr>
-          <p:cNvSpPr/>
-          <p:nvPr/>
-        </p:nvSpPr>
-        <p:spPr>
-          <a:xfrm>
-            <a:off x="876298" y="5555862"/>
-            <a:ext cx="1981200" cy="400948"/>
-          </a:xfrm>
-          <a:prstGeom prst="rect">
-            <a:avLst/>
-          </a:prstGeom>
-          <a:solidFill>
-            <a:schemeClr val="bg1">
-              <a:lumMod val="85000"/>
-            </a:schemeClr>
-          </a:solidFill>
-          <a:ln>
-            <a:noFill/>
-          </a:ln>
-        </p:spPr>
-        <p:style>
-          <a:lnRef idx="2">
-            <a:schemeClr val="accent1">
-              <a:shade val="50000"/>
-            </a:schemeClr>
-          </a:lnRef>
-          <a:fillRef idx="1">
-            <a:schemeClr val="accent1"/>
-          </a:fillRef>
-          <a:effectRef idx="0">
-            <a:schemeClr val="accent1"/>
-          </a:effectRef>
-          <a:fontRef idx="minor">
-            <a:schemeClr val="lt1"/>
-          </a:fontRef>
-        </p:style>
-        <p:txBody>
-          <a:bodyPr rtlCol="0" anchor="ctr"/>
-          <a:lstStyle/>
-          <a:p>
-            <a:pPr algn="ctr"/>
-            <a:r>
-              <a:rPr lang="fr-FR" sz="1200" spc="70" dirty="0">
-                <a:solidFill>
-                  <a:schemeClr val="bg2">
-                    <a:lumMod val="25000"/>
-                  </a:schemeClr>
-                </a:solidFill>
-              </a:rPr>
-              <a:t>Liturgie</a:t>
-            </a:r>
-          </a:p>
-        </p:txBody>
-      </p:sp>
-      <p:sp>
-        <p:nvSpPr>
-          <p:cNvPr id="10" name="Triangle isocèle 9">
-            <a:extLst>
-              <a:ext uri="{FF2B5EF4-FFF2-40B4-BE49-F238E27FC236}">
-                <a16:creationId xmlns:a16="http://schemas.microsoft.com/office/drawing/2014/main" id="{D2831E6D-A642-47D1-B979-3C1B7B358446}"/>
-              </a:ext>
-            </a:extLst>
-          </p:cNvPr>
-          <p:cNvSpPr/>
-          <p:nvPr/>
-        </p:nvSpPr>
-        <p:spPr>
-          <a:xfrm flipV="1">
-            <a:off x="1066800" y="3175933"/>
-            <a:ext cx="69850" cy="45719"/>
-          </a:xfrm>
-          <a:prstGeom prst="triangle">
-            <a:avLst>
-              <a:gd name="adj" fmla="val 50000"/>
-            </a:avLst>
-          </a:prstGeom>
-          <a:solidFill>
-            <a:schemeClr val="bg2">
-              <a:lumMod val="25000"/>
-            </a:schemeClr>
-          </a:solidFill>
-          <a:ln>
-            <a:solidFill>
-              <a:schemeClr val="bg2">
-                <a:lumMod val="10000"/>
-              </a:schemeClr>
-            </a:solidFill>
-          </a:ln>
-        </p:spPr>
-        <p:style>
-          <a:lnRef idx="2">
-            <a:schemeClr val="dk1">
-              <a:shade val="50000"/>
-            </a:schemeClr>
-          </a:lnRef>
-          <a:fillRef idx="1">
-            <a:schemeClr val="dk1"/>
-          </a:fillRef>
-          <a:effectRef idx="0">
-            <a:schemeClr val="dk1"/>
-          </a:effectRef>
-          <a:fontRef idx="minor">
-            <a:schemeClr val="lt1"/>
-          </a:fontRef>
-        </p:style>
-        <p:txBody>
-          <a:bodyPr rtlCol="0" anchor="ctr"/>
-          <a:lstStyle/>
-          <a:p>
-            <a:pPr algn="ctr"/>
-            <a:endParaRPr lang="fr-FR"/>
-          </a:p>
-        </p:txBody>
-      </p:sp>
-      <p:sp>
-        <p:nvSpPr>
-          <p:cNvPr id="11" name="Triangle isocèle 10">
-            <a:extLst>
-              <a:ext uri="{FF2B5EF4-FFF2-40B4-BE49-F238E27FC236}">
-                <a16:creationId xmlns:a16="http://schemas.microsoft.com/office/drawing/2014/main" id="{2121067D-36B6-4847-8D90-47B1578C27E3}"/>
-              </a:ext>
-            </a:extLst>
-          </p:cNvPr>
-          <p:cNvSpPr/>
-          <p:nvPr/>
-        </p:nvSpPr>
-        <p:spPr>
-          <a:xfrm rot="16200000" flipV="1">
-            <a:off x="979961" y="4755479"/>
-            <a:ext cx="69850" cy="45719"/>
-          </a:xfrm>
-          <a:prstGeom prst="triangle">
-            <a:avLst>
-              <a:gd name="adj" fmla="val 50000"/>
-            </a:avLst>
-          </a:prstGeom>
-          <a:solidFill>
-            <a:schemeClr val="bg2">
-              <a:lumMod val="25000"/>
-            </a:schemeClr>
-          </a:solidFill>
-          <a:ln>
-            <a:solidFill>
-              <a:schemeClr val="bg2">
-                <a:lumMod val="10000"/>
-              </a:schemeClr>
-            </a:solidFill>
-          </a:ln>
-        </p:spPr>
-        <p:style>
-          <a:lnRef idx="2">
-            <a:schemeClr val="dk1">
-              <a:shade val="50000"/>
-            </a:schemeClr>
-          </a:lnRef>
-          <a:fillRef idx="1">
-            <a:schemeClr val="dk1"/>
-          </a:fillRef>
-          <a:effectRef idx="0">
-            <a:schemeClr val="dk1"/>
-          </a:effectRef>
-          <a:fontRef idx="minor">
-            <a:schemeClr val="lt1"/>
-          </a:fontRef>
-        </p:style>
-        <p:txBody>
-          <a:bodyPr rtlCol="0" anchor="ctr"/>
-          <a:lstStyle/>
-          <a:p>
-            <a:pPr algn="ctr"/>
-            <a:endParaRPr lang="fr-FR"/>
-          </a:p>
-        </p:txBody>
-      </p:sp>
-      <p:sp>
-        <p:nvSpPr>
-          <p:cNvPr id="13" name="Rectangle 12">
-            <a:extLst>
-              <a:ext uri="{FF2B5EF4-FFF2-40B4-BE49-F238E27FC236}">
-                <a16:creationId xmlns:a16="http://schemas.microsoft.com/office/drawing/2014/main" id="{68B9E00F-348C-40DE-8593-AFE30568F876}"/>
-              </a:ext>
-            </a:extLst>
-          </p:cNvPr>
-          <p:cNvSpPr/>
-          <p:nvPr/>
-        </p:nvSpPr>
-        <p:spPr>
-          <a:xfrm>
-            <a:off x="1136650" y="3400425"/>
-            <a:ext cx="1720847" cy="950437"/>
-          </a:xfrm>
-          <a:prstGeom prst="rect">
-            <a:avLst/>
-          </a:prstGeom>
-          <a:noFill/>
-          <a:ln>
-            <a:noFill/>
-          </a:ln>
-        </p:spPr>
-        <p:style>
-          <a:lnRef idx="2">
-            <a:schemeClr val="accent1">
-              <a:shade val="50000"/>
-            </a:schemeClr>
-          </a:lnRef>
-          <a:fillRef idx="1">
-            <a:schemeClr val="accent1"/>
-          </a:fillRef>
-          <a:effectRef idx="0">
-            <a:schemeClr val="accent1"/>
-          </a:effectRef>
-          <a:fontRef idx="minor">
-            <a:schemeClr val="lt1"/>
-          </a:fontRef>
-        </p:style>
-        <p:txBody>
-          <a:bodyPr rtlCol="0" anchor="t"/>
-          <a:lstStyle/>
-          <a:p>
-            <a:pPr>
-              <a:lnSpc>
-                <a:spcPts val="1500"/>
-              </a:lnSpc>
-            </a:pPr>
-            <a:r>
-              <a:rPr lang="fr-FR" sz="1100" b="1" dirty="0">
-                <a:solidFill>
-                  <a:schemeClr val="bg2">
-                    <a:lumMod val="25000"/>
-                  </a:schemeClr>
-                </a:solidFill>
-              </a:rPr>
-              <a:t>Noms de personnes</a:t>
-            </a:r>
-          </a:p>
-          <a:p>
-            <a:pPr>
-              <a:lnSpc>
-                <a:spcPts val="1500"/>
-              </a:lnSpc>
-            </a:pPr>
-            <a:r>
-              <a:rPr lang="fr-FR" sz="1100" b="1" dirty="0">
-                <a:solidFill>
-                  <a:schemeClr val="bg2">
-                    <a:lumMod val="25000"/>
-                  </a:schemeClr>
-                </a:solidFill>
-              </a:rPr>
-              <a:t>Institutions</a:t>
-            </a:r>
-          </a:p>
-          <a:p>
-            <a:pPr>
-              <a:lnSpc>
-                <a:spcPts val="1500"/>
-              </a:lnSpc>
-            </a:pPr>
-            <a:r>
-              <a:rPr lang="fr-FR" sz="1100" b="1" dirty="0">
-                <a:solidFill>
-                  <a:schemeClr val="bg2">
-                    <a:lumMod val="25000"/>
-                  </a:schemeClr>
-                </a:solidFill>
-              </a:rPr>
-              <a:t>Corporations</a:t>
-            </a:r>
-          </a:p>
-          <a:p>
-            <a:pPr>
-              <a:lnSpc>
-                <a:spcPts val="1500"/>
-              </a:lnSpc>
-            </a:pPr>
-            <a:r>
-              <a:rPr lang="fr-FR" sz="1100" b="1" dirty="0">
-                <a:solidFill>
-                  <a:schemeClr val="bg2">
-                    <a:lumMod val="25000"/>
-                  </a:schemeClr>
-                </a:solidFill>
-              </a:rPr>
-              <a:t>Manufactures</a:t>
-            </a:r>
-          </a:p>
-          <a:p>
-            <a:pPr>
-              <a:lnSpc>
-                <a:spcPts val="1500"/>
-              </a:lnSpc>
-            </a:pPr>
-            <a:r>
-              <a:rPr lang="fr-FR" sz="1100" b="1" dirty="0">
-                <a:solidFill>
-                  <a:schemeClr val="bg2">
-                    <a:lumMod val="25000"/>
-                  </a:schemeClr>
-                </a:solidFill>
-              </a:rPr>
-              <a:t>Lieux</a:t>
-            </a:r>
-          </a:p>
-        </p:txBody>
-      </p:sp>
-      <p:sp>
-        <p:nvSpPr>
-          <p:cNvPr id="14" name="Rectangle 13">
-            <a:extLst>
-              <a:ext uri="{FF2B5EF4-FFF2-40B4-BE49-F238E27FC236}">
-                <a16:creationId xmlns:a16="http://schemas.microsoft.com/office/drawing/2014/main" id="{8BF78FC5-0958-4D68-929D-5358A54D1B04}"/>
-              </a:ext>
-            </a:extLst>
-          </p:cNvPr>
-          <p:cNvSpPr/>
-          <p:nvPr/>
-        </p:nvSpPr>
-        <p:spPr>
-          <a:xfrm>
-            <a:off x="3552825" y="2821068"/>
-            <a:ext cx="3924301" cy="449738"/>
-          </a:xfrm>
-          <a:prstGeom prst="rect">
-            <a:avLst/>
-          </a:prstGeom>
-          <a:noFill/>
-          <a:ln>
-            <a:noFill/>
-          </a:ln>
-        </p:spPr>
-        <p:style>
-          <a:lnRef idx="2">
-            <a:schemeClr val="accent1">
-              <a:shade val="50000"/>
-            </a:schemeClr>
-          </a:lnRef>
-          <a:fillRef idx="1">
-            <a:schemeClr val="accent1"/>
-          </a:fillRef>
-          <a:effectRef idx="0">
-            <a:schemeClr val="accent1"/>
-          </a:effectRef>
-          <a:fontRef idx="minor">
-            <a:schemeClr val="lt1"/>
-          </a:fontRef>
-        </p:style>
-        <p:txBody>
-          <a:bodyPr rtlCol="0" anchor="t"/>
-          <a:lstStyle/>
-          <a:p>
-            <a:r>
-              <a:rPr lang="fr-FR" sz="1100" b="1" dirty="0">
-                <a:solidFill>
-                  <a:schemeClr val="bg2">
-                    <a:lumMod val="25000"/>
-                  </a:schemeClr>
-                </a:solidFill>
-              </a:rPr>
-              <a:t>Ancien Régime </a:t>
-            </a:r>
-            <a:r>
-              <a:rPr lang="fr-FR" sz="1100" dirty="0">
-                <a:solidFill>
-                  <a:schemeClr val="bg2">
-                    <a:lumMod val="25000"/>
-                  </a:schemeClr>
-                </a:solidFill>
-              </a:rPr>
-              <a:t>&gt; </a:t>
-            </a:r>
-            <a:r>
-              <a:rPr lang="fr-FR" sz="1100" b="1" dirty="0">
-                <a:solidFill>
-                  <a:schemeClr val="bg2">
-                    <a:lumMod val="25000"/>
-                  </a:schemeClr>
-                </a:solidFill>
-              </a:rPr>
-              <a:t>Noms de personnes </a:t>
-            </a:r>
-            <a:r>
-              <a:rPr lang="fr-FR" sz="1100" dirty="0">
-                <a:solidFill>
-                  <a:schemeClr val="bg2">
-                    <a:lumMod val="25000"/>
-                  </a:schemeClr>
-                </a:solidFill>
-              </a:rPr>
-              <a:t>&gt;</a:t>
-            </a:r>
-            <a:r>
-              <a:rPr lang="fr-FR" sz="1100" b="1" dirty="0">
-                <a:solidFill>
-                  <a:schemeClr val="bg2">
-                    <a:lumMod val="25000"/>
-                  </a:schemeClr>
-                </a:solidFill>
-              </a:rPr>
-              <a:t> </a:t>
-            </a:r>
-            <a:r>
-              <a:rPr lang="fr-FR" sz="1100" dirty="0">
-                <a:solidFill>
-                  <a:schemeClr val="bg2">
-                    <a:lumMod val="25000"/>
-                  </a:schemeClr>
-                </a:solidFill>
-              </a:rPr>
-              <a:t>Doe John</a:t>
-            </a:r>
-          </a:p>
-        </p:txBody>
-      </p:sp>
-      <p:sp>
-        <p:nvSpPr>
-          <p:cNvPr id="30" name="Rectangle 29">
-            <a:extLst>
-              <a:ext uri="{FF2B5EF4-FFF2-40B4-BE49-F238E27FC236}">
-                <a16:creationId xmlns:a16="http://schemas.microsoft.com/office/drawing/2014/main" id="{24C0C05D-139C-41A9-9FDF-75D5F412CB37}"/>
-              </a:ext>
-            </a:extLst>
-          </p:cNvPr>
-          <p:cNvSpPr/>
-          <p:nvPr/>
-        </p:nvSpPr>
-        <p:spPr>
-          <a:xfrm>
-            <a:off x="10792668" y="143154"/>
-            <a:ext cx="1038225" cy="231195"/>
-          </a:xfrm>
-          <a:prstGeom prst="rect">
-            <a:avLst/>
-          </a:prstGeom>
-          <a:noFill/>
-          <a:ln>
-            <a:noFill/>
-          </a:ln>
-        </p:spPr>
-        <p:style>
-          <a:lnRef idx="2">
-            <a:schemeClr val="accent1">
-              <a:shade val="50000"/>
-            </a:schemeClr>
-          </a:lnRef>
-          <a:fillRef idx="1">
-            <a:schemeClr val="accent1"/>
-          </a:fillRef>
-          <a:effectRef idx="0">
-            <a:schemeClr val="accent1"/>
-          </a:effectRef>
-          <a:fontRef idx="minor">
-            <a:schemeClr val="lt1"/>
-          </a:fontRef>
-        </p:style>
-        <p:txBody>
-          <a:bodyPr rtlCol="0" anchor="ctr"/>
-          <a:lstStyle/>
-          <a:p>
-            <a:pPr algn="ctr"/>
-            <a:r>
-              <a:rPr lang="fr-FR" sz="1100" spc="70" dirty="0" err="1">
-                <a:solidFill>
-                  <a:schemeClr val="accent4">
-                    <a:lumMod val="75000"/>
-                  </a:schemeClr>
-                </a:solidFill>
-              </a:rPr>
-              <a:t>Connecté-e</a:t>
-            </a:r>
-            <a:endParaRPr lang="fr-FR" sz="1100" spc="70" dirty="0">
-              <a:solidFill>
-                <a:schemeClr val="accent4">
-                  <a:lumMod val="75000"/>
-                </a:schemeClr>
-              </a:solidFill>
-            </a:endParaRPr>
-          </a:p>
-        </p:txBody>
-      </p:sp>
-      <p:pic>
-        <p:nvPicPr>
-          <p:cNvPr id="32" name="Image 31">
-            <a:extLst>
-              <a:ext uri="{FF2B5EF4-FFF2-40B4-BE49-F238E27FC236}">
-                <a16:creationId xmlns:a16="http://schemas.microsoft.com/office/drawing/2014/main" id="{AF056348-753B-41CB-A2A7-9818B7AE9926}"/>
-              </a:ext>
-            </a:extLst>
-          </p:cNvPr>
-          <p:cNvPicPr>
-            <a:picLocks noChangeAspect="1"/>
-          </p:cNvPicPr>
-          <p:nvPr/>
-        </p:nvPicPr>
-        <p:blipFill>
-          <a:blip r:embed="rId4">
-            <a:duotone>
-              <a:schemeClr val="accent4">
-                <a:shade val="45000"/>
-                <a:satMod val="135000"/>
-              </a:schemeClr>
-              <a:prstClr val="white"/>
-            </a:duotone>
-            <a:extLst>
-              <a:ext uri="{28A0092B-C50C-407E-A947-70E740481C1C}">
-                <a14:useLocalDpi xmlns:a14="http://schemas.microsoft.com/office/drawing/2010/main" val="0"/>
-              </a:ext>
-            </a:extLst>
-          </a:blip>
-          <a:stretch>
-            <a:fillRect/>
-          </a:stretch>
-        </p:blipFill>
-        <p:spPr>
-          <a:xfrm>
-            <a:off x="11723897" y="151756"/>
-            <a:ext cx="213992" cy="213992"/>
-          </a:xfrm>
-          <a:prstGeom prst="rect">
-            <a:avLst/>
-          </a:prstGeom>
-        </p:spPr>
-      </p:pic>
-      <p:sp>
-        <p:nvSpPr>
-          <p:cNvPr id="62" name="Rectangle 61">
-            <a:extLst>
-              <a:ext uri="{FF2B5EF4-FFF2-40B4-BE49-F238E27FC236}">
-                <a16:creationId xmlns:a16="http://schemas.microsoft.com/office/drawing/2014/main" id="{2063E488-C59D-46A4-B19D-3EB67C8C3559}"/>
-              </a:ext>
-            </a:extLst>
-          </p:cNvPr>
-          <p:cNvSpPr/>
-          <p:nvPr/>
-        </p:nvSpPr>
-        <p:spPr>
-          <a:xfrm>
-            <a:off x="876298" y="6409159"/>
-            <a:ext cx="1981200" cy="400948"/>
-          </a:xfrm>
-          <a:prstGeom prst="rect">
-            <a:avLst/>
-          </a:prstGeom>
-          <a:solidFill>
-            <a:schemeClr val="bg1">
-              <a:lumMod val="85000"/>
-            </a:schemeClr>
-          </a:solidFill>
-          <a:ln>
-            <a:noFill/>
-          </a:ln>
-        </p:spPr>
-        <p:style>
-          <a:lnRef idx="2">
-            <a:schemeClr val="accent1">
-              <a:shade val="50000"/>
-            </a:schemeClr>
-          </a:lnRef>
-          <a:fillRef idx="1">
-            <a:schemeClr val="accent1"/>
-          </a:fillRef>
-          <a:effectRef idx="0">
-            <a:schemeClr val="accent1"/>
-          </a:effectRef>
-          <a:fontRef idx="minor">
-            <a:schemeClr val="lt1"/>
-          </a:fontRef>
-        </p:style>
-        <p:txBody>
-          <a:bodyPr rtlCol="0" anchor="ctr"/>
-          <a:lstStyle/>
-          <a:p>
-            <a:pPr algn="ctr"/>
-            <a:r>
-              <a:rPr lang="fr-FR" sz="1100" spc="70" dirty="0">
-                <a:solidFill>
-                  <a:schemeClr val="bg2">
-                    <a:lumMod val="25000"/>
-                  </a:schemeClr>
-                </a:solidFill>
-              </a:rPr>
-              <a:t>Types d’annotations</a:t>
-            </a:r>
-          </a:p>
-        </p:txBody>
-      </p:sp>
-      <p:sp>
-        <p:nvSpPr>
-          <p:cNvPr id="64" name="Triangle isocèle 63">
-            <a:extLst>
-              <a:ext uri="{FF2B5EF4-FFF2-40B4-BE49-F238E27FC236}">
-                <a16:creationId xmlns:a16="http://schemas.microsoft.com/office/drawing/2014/main" id="{54449C35-CEF1-4011-BB5C-B81065C2AC5E}"/>
-              </a:ext>
-            </a:extLst>
-          </p:cNvPr>
-          <p:cNvSpPr/>
-          <p:nvPr/>
-        </p:nvSpPr>
-        <p:spPr>
-          <a:xfrm rot="16200000" flipV="1">
-            <a:off x="979962" y="6586773"/>
-            <a:ext cx="69850" cy="45719"/>
-          </a:xfrm>
-          <a:prstGeom prst="triangle">
-            <a:avLst>
-              <a:gd name="adj" fmla="val 50000"/>
-            </a:avLst>
-          </a:prstGeom>
-          <a:solidFill>
-            <a:schemeClr val="bg2">
-              <a:lumMod val="25000"/>
-            </a:schemeClr>
-          </a:solidFill>
-          <a:ln>
-            <a:solidFill>
-              <a:schemeClr val="bg2">
-                <a:lumMod val="10000"/>
-              </a:schemeClr>
-            </a:solidFill>
-          </a:ln>
-        </p:spPr>
-        <p:style>
-          <a:lnRef idx="2">
-            <a:schemeClr val="dk1">
-              <a:shade val="50000"/>
-            </a:schemeClr>
-          </a:lnRef>
-          <a:fillRef idx="1">
-            <a:schemeClr val="dk1"/>
-          </a:fillRef>
-          <a:effectRef idx="0">
-            <a:schemeClr val="dk1"/>
-          </a:effectRef>
-          <a:fontRef idx="minor">
-            <a:schemeClr val="lt1"/>
-          </a:fontRef>
-        </p:style>
-        <p:txBody>
-          <a:bodyPr rtlCol="0" anchor="ctr"/>
-          <a:lstStyle/>
-          <a:p>
-            <a:pPr algn="ctr"/>
-            <a:endParaRPr lang="fr-FR"/>
-          </a:p>
-        </p:txBody>
-      </p:sp>
-      <p:sp>
-        <p:nvSpPr>
-          <p:cNvPr id="66" name="Triangle isocèle 65">
-            <a:extLst>
-              <a:ext uri="{FF2B5EF4-FFF2-40B4-BE49-F238E27FC236}">
-                <a16:creationId xmlns:a16="http://schemas.microsoft.com/office/drawing/2014/main" id="{781E9208-9B6D-4DAC-A1AA-C33AAF38BCD3}"/>
-              </a:ext>
-            </a:extLst>
-          </p:cNvPr>
-          <p:cNvSpPr/>
-          <p:nvPr/>
-        </p:nvSpPr>
-        <p:spPr>
-          <a:xfrm rot="16200000" flipV="1">
-            <a:off x="979961" y="5764375"/>
-            <a:ext cx="69850" cy="45719"/>
-          </a:xfrm>
-          <a:prstGeom prst="triangle">
-            <a:avLst>
-              <a:gd name="adj" fmla="val 50000"/>
-            </a:avLst>
-          </a:prstGeom>
-          <a:solidFill>
-            <a:schemeClr val="bg2">
-              <a:lumMod val="25000"/>
-            </a:schemeClr>
-          </a:solidFill>
-          <a:ln>
-            <a:solidFill>
-              <a:schemeClr val="bg2">
-                <a:lumMod val="10000"/>
-              </a:schemeClr>
-            </a:solidFill>
-          </a:ln>
-        </p:spPr>
-        <p:style>
-          <a:lnRef idx="2">
-            <a:schemeClr val="dk1">
-              <a:shade val="50000"/>
-            </a:schemeClr>
-          </a:lnRef>
-          <a:fillRef idx="1">
-            <a:schemeClr val="dk1"/>
-          </a:fillRef>
-          <a:effectRef idx="0">
-            <a:schemeClr val="dk1"/>
-          </a:effectRef>
-          <a:fontRef idx="minor">
-            <a:schemeClr val="lt1"/>
-          </a:fontRef>
-        </p:style>
-        <p:txBody>
-          <a:bodyPr rtlCol="0" anchor="ctr"/>
-          <a:lstStyle/>
-          <a:p>
-            <a:pPr algn="ctr"/>
-            <a:endParaRPr lang="fr-FR"/>
-          </a:p>
-        </p:txBody>
-      </p:sp>
-      <p:sp>
-        <p:nvSpPr>
-          <p:cNvPr id="68" name="Rectangle 67">
-            <a:extLst>
-              <a:ext uri="{FF2B5EF4-FFF2-40B4-BE49-F238E27FC236}">
-                <a16:creationId xmlns:a16="http://schemas.microsoft.com/office/drawing/2014/main" id="{B2F56EBC-DDB7-4723-9A0D-51ED0524AD7D}"/>
-              </a:ext>
-            </a:extLst>
-          </p:cNvPr>
-          <p:cNvSpPr/>
-          <p:nvPr/>
-        </p:nvSpPr>
-        <p:spPr>
-          <a:xfrm>
-            <a:off x="5329005" y="1385871"/>
+            <a:off x="5329003" y="1385143"/>
             <a:ext cx="1533990" cy="370067"/>
           </a:xfrm>
           <a:prstGeom prst="rect">
@@ -6060,23 +5177,39 @@
             <a:r>
               <a:rPr lang="fr-FR" sz="1200" b="1" dirty="0">
                 <a:solidFill>
-                  <a:schemeClr val="accent4">
-                    <a:lumMod val="75000"/>
-                  </a:schemeClr>
+                  <a:schemeClr val="tx1"/>
                 </a:solidFill>
                 <a:cs typeface="Iskoola Pota" panose="020B0502040204020203" pitchFamily="34" charset="0"/>
               </a:rPr>
-              <a:t>Les thésaurus</a:t>
+              <a:t>Les</a:t>
+            </a:r>
+            <a:r>
+              <a:rPr lang="fr-FR" sz="1200" b="1" dirty="0">
+                <a:solidFill>
+                  <a:srgbClr val="C00000"/>
+                </a:solidFill>
+                <a:cs typeface="Iskoola Pota" panose="020B0502040204020203" pitchFamily="34" charset="0"/>
+              </a:rPr>
+              <a:t> </a:t>
+            </a:r>
+            <a:r>
+              <a:rPr lang="fr-FR" sz="1200" b="1" dirty="0">
+                <a:solidFill>
+                  <a:schemeClr val="tx1"/>
+                </a:solidFill>
+                <a:cs typeface="Iskoola Pota" panose="020B0502040204020203" pitchFamily="34" charset="0"/>
+              </a:rPr>
+              <a:t>thésaurus</a:t>
             </a:r>
           </a:p>
         </p:txBody>
       </p:sp>
       <p:sp>
         <p:nvSpPr>
-          <p:cNvPr id="70" name="Rectangle 69">
-            <a:extLst>
-              <a:ext uri="{FF2B5EF4-FFF2-40B4-BE49-F238E27FC236}">
-                <a16:creationId xmlns:a16="http://schemas.microsoft.com/office/drawing/2014/main" id="{CC40AB9F-4B8B-4133-A4EE-636928FFA8A4}"/>
+          <p:cNvPr id="78" name="Rectangle 77">
+            <a:extLst>
+              <a:ext uri="{FF2B5EF4-FFF2-40B4-BE49-F238E27FC236}">
+                <a16:creationId xmlns:a16="http://schemas.microsoft.com/office/drawing/2014/main" id="{B16853EB-5408-4854-B56A-5F5F0E999DBF}"/>
               </a:ext>
             </a:extLst>
           </p:cNvPr>
@@ -6085,66 +5218,7 @@
         </p:nvSpPr>
         <p:spPr>
           <a:xfrm>
-            <a:off x="876298" y="2568435"/>
-            <a:ext cx="1981200" cy="400050"/>
-          </a:xfrm>
-          <a:prstGeom prst="rect">
-            <a:avLst/>
-          </a:prstGeom>
-          <a:noFill/>
-          <a:ln>
-            <a:noFill/>
-          </a:ln>
-        </p:spPr>
-        <p:style>
-          <a:lnRef idx="2">
-            <a:schemeClr val="accent1">
-              <a:shade val="50000"/>
-            </a:schemeClr>
-          </a:lnRef>
-          <a:fillRef idx="1">
-            <a:schemeClr val="accent1"/>
-          </a:fillRef>
-          <a:effectRef idx="0">
-            <a:schemeClr val="accent1"/>
-          </a:effectRef>
-          <a:fontRef idx="minor">
-            <a:schemeClr val="lt1"/>
-          </a:fontRef>
-        </p:style>
-        <p:txBody>
-          <a:bodyPr rtlCol="0" anchor="ctr"/>
-          <a:lstStyle/>
-          <a:p>
-            <a:pPr algn="ctr"/>
-            <a:r>
-              <a:rPr lang="fr-FR" sz="1400" b="1" spc="70" dirty="0">
-                <a:solidFill>
-                  <a:schemeClr val="bg2">
-                    <a:lumMod val="25000"/>
-                  </a:schemeClr>
-                </a:solidFill>
-              </a:rPr>
-              <a:t>Les thésaurus</a:t>
-            </a:r>
-          </a:p>
-        </p:txBody>
-      </p:sp>
-      <p:sp>
-        <p:nvSpPr>
-          <p:cNvPr id="78" name="Rectangle 77">
-            <a:extLst>
-              <a:ext uri="{FF2B5EF4-FFF2-40B4-BE49-F238E27FC236}">
-                <a16:creationId xmlns:a16="http://schemas.microsoft.com/office/drawing/2014/main" id="{B16853EB-5408-4854-B56A-5F5F0E999DBF}"/>
-              </a:ext>
-            </a:extLst>
-          </p:cNvPr>
-          <p:cNvSpPr/>
-          <p:nvPr/>
-        </p:nvSpPr>
-        <p:spPr>
-          <a:xfrm>
-            <a:off x="5329005" y="1749673"/>
+            <a:off x="5329003" y="1748945"/>
             <a:ext cx="1533990" cy="400050"/>
           </a:xfrm>
           <a:prstGeom prst="rect">
@@ -6183,8 +5257,8 @@
             <a:r>
               <a:rPr lang="fr-FR" sz="1100" b="1" dirty="0">
                 <a:solidFill>
-                  <a:schemeClr val="bg2">
-                    <a:lumMod val="25000"/>
+                  <a:schemeClr val="accent4">
+                    <a:lumMod val="75000"/>
                   </a:schemeClr>
                 </a:solidFill>
                 <a:cs typeface="Iskoola Pota" panose="020B0502040204020203" pitchFamily="34" charset="0"/>
@@ -6196,10 +5270,10 @@
       </p:sp>
       <p:sp>
         <p:nvSpPr>
-          <p:cNvPr id="79" name="Rectangle : coins arrondis 78">
-            <a:extLst>
-              <a:ext uri="{FF2B5EF4-FFF2-40B4-BE49-F238E27FC236}">
-                <a16:creationId xmlns:a16="http://schemas.microsoft.com/office/drawing/2014/main" id="{6BAA2E34-85B0-41AD-BA1C-BFFCD79C597C}"/>
+          <p:cNvPr id="3" name="Rectangle 2">
+            <a:extLst>
+              <a:ext uri="{FF2B5EF4-FFF2-40B4-BE49-F238E27FC236}">
+                <a16:creationId xmlns:a16="http://schemas.microsoft.com/office/drawing/2014/main" id="{674249B7-F768-4E77-A610-DCFE105684F1}"/>
               </a:ext>
             </a:extLst>
           </p:cNvPr>
@@ -6208,876 +5282,8 @@
         </p:nvSpPr>
         <p:spPr>
           <a:xfrm>
-            <a:off x="10107082" y="3465483"/>
-            <a:ext cx="666750" cy="230517"/>
-          </a:xfrm>
-          <a:prstGeom prst="roundRect">
-            <a:avLst/>
-          </a:prstGeom>
-          <a:noFill/>
-          <a:ln>
-            <a:noFill/>
-          </a:ln>
-        </p:spPr>
-        <p:style>
-          <a:lnRef idx="2">
-            <a:schemeClr val="accent1">
-              <a:shade val="50000"/>
-            </a:schemeClr>
-          </a:lnRef>
-          <a:fillRef idx="1">
-            <a:schemeClr val="accent1"/>
-          </a:fillRef>
-          <a:effectRef idx="0">
-            <a:schemeClr val="accent1"/>
-          </a:effectRef>
-          <a:fontRef idx="minor">
-            <a:schemeClr val="lt1"/>
-          </a:fontRef>
-        </p:style>
-        <p:txBody>
-          <a:bodyPr rtlCol="0" anchor="ctr"/>
-          <a:lstStyle/>
-          <a:p>
-            <a:pPr algn="ctr"/>
-            <a:r>
-              <a:rPr lang="fr-FR" sz="1000" b="1" u="sng" dirty="0">
-                <a:solidFill>
-                  <a:srgbClr val="C00000"/>
-                </a:solidFill>
-              </a:rPr>
-              <a:t>Editer</a:t>
-            </a:r>
-          </a:p>
-        </p:txBody>
-      </p:sp>
-      <p:sp>
-        <p:nvSpPr>
-          <p:cNvPr id="15" name="Rectangle 14">
-            <a:extLst>
-              <a:ext uri="{FF2B5EF4-FFF2-40B4-BE49-F238E27FC236}">
-                <a16:creationId xmlns:a16="http://schemas.microsoft.com/office/drawing/2014/main" id="{622713AD-587A-429F-AE99-480F0A507160}"/>
-              </a:ext>
-            </a:extLst>
-          </p:cNvPr>
-          <p:cNvSpPr/>
-          <p:nvPr/>
-        </p:nvSpPr>
-        <p:spPr>
-          <a:xfrm>
-            <a:off x="4965649" y="5829468"/>
-            <a:ext cx="6025660" cy="1374703"/>
-          </a:xfrm>
-          <a:prstGeom prst="rect">
-            <a:avLst/>
-          </a:prstGeom>
-          <a:solidFill>
-            <a:schemeClr val="bg1"/>
-          </a:solidFill>
-          <a:ln>
-            <a:noFill/>
-          </a:ln>
-        </p:spPr>
-        <p:style>
-          <a:lnRef idx="2">
-            <a:schemeClr val="accent1">
-              <a:shade val="50000"/>
-            </a:schemeClr>
-          </a:lnRef>
-          <a:fillRef idx="1">
-            <a:schemeClr val="accent1"/>
-          </a:fillRef>
-          <a:effectRef idx="0">
-            <a:schemeClr val="accent1"/>
-          </a:effectRef>
-          <a:fontRef idx="minor">
-            <a:schemeClr val="lt1"/>
-          </a:fontRef>
-        </p:style>
-        <p:txBody>
-          <a:bodyPr rtlCol="0" anchor="ctr"/>
-          <a:lstStyle/>
-          <a:p>
-            <a:pPr algn="ctr"/>
-            <a:endParaRPr lang="fr-FR"/>
-          </a:p>
-        </p:txBody>
-      </p:sp>
-      <p:graphicFrame>
-        <p:nvGraphicFramePr>
-          <p:cNvPr id="19" name="Tableau 50">
-            <a:extLst>
-              <a:ext uri="{FF2B5EF4-FFF2-40B4-BE49-F238E27FC236}">
-                <a16:creationId xmlns:a16="http://schemas.microsoft.com/office/drawing/2014/main" id="{38633EDB-B75E-4DEF-B75E-84C5C1EC4810}"/>
-              </a:ext>
-            </a:extLst>
-          </p:cNvPr>
-          <p:cNvGraphicFramePr>
-            <a:graphicFrameLocks noGrp="1"/>
-          </p:cNvGraphicFramePr>
-          <p:nvPr>
-            <p:extLst>
-              <p:ext uri="{D42A27DB-BD31-4B8C-83A1-F6EECF244321}">
-                <p14:modId xmlns:p14="http://schemas.microsoft.com/office/powerpoint/2010/main" val="1296129451"/>
-              </p:ext>
-            </p:extLst>
-          </p:nvPr>
-        </p:nvGraphicFramePr>
-        <p:xfrm>
-          <a:off x="3552825" y="3221466"/>
-          <a:ext cx="7372350" cy="3507861"/>
-        </p:xfrm>
-        <a:graphic>
-          <a:graphicData uri="http://schemas.openxmlformats.org/drawingml/2006/table">
-            <a:tbl>
-              <a:tblPr firstRow="1" bandRow="1">
-                <a:tableStyleId>{8799B23B-EC83-4686-B30A-512413B5E67A}</a:tableStyleId>
-              </a:tblPr>
-              <a:tblGrid>
-                <a:gridCol w="1315508">
-                  <a:extLst>
-                    <a:ext uri="{9D8B030D-6E8A-4147-A177-3AD203B41FA5}">
-                      <a16:colId xmlns:a16="http://schemas.microsoft.com/office/drawing/2014/main" val="1438099883"/>
-                    </a:ext>
-                  </a:extLst>
-                </a:gridCol>
-                <a:gridCol w="6056842">
-                  <a:extLst>
-                    <a:ext uri="{9D8B030D-6E8A-4147-A177-3AD203B41FA5}">
-                      <a16:colId xmlns:a16="http://schemas.microsoft.com/office/drawing/2014/main" val="3982244452"/>
-                    </a:ext>
-                  </a:extLst>
-                </a:gridCol>
-              </a:tblGrid>
-              <a:tr h="454567">
-                <a:tc>
-                  <a:txBody>
-                    <a:bodyPr/>
-                    <a:lstStyle/>
-                    <a:p>
-                      <a:r>
-                        <a:rPr lang="fr-FR" sz="1200" b="0" i="1" dirty="0">
-                          <a:solidFill>
-                            <a:schemeClr val="bg2">
-                              <a:lumMod val="25000"/>
-                            </a:schemeClr>
-                          </a:solidFill>
-                        </a:rPr>
-                        <a:t>Nom</a:t>
-                      </a:r>
-                    </a:p>
-                  </a:txBody>
-                  <a:tcPr marL="144000" marR="144000" marT="216000" marB="0" anchor="ctr">
-                    <a:lnL w="12700" cmpd="sng">
-                      <a:noFill/>
-                    </a:lnL>
-                    <a:lnR w="12700" cmpd="sng">
-                      <a:noFill/>
-                    </a:lnR>
-                    <a:lnT w="12700" cmpd="sng">
-                      <a:noFill/>
-                    </a:lnT>
-                    <a:lnB w="25400" cmpd="sng">
-                      <a:noFill/>
-                    </a:lnB>
-                    <a:lnTlToBr w="12700" cmpd="sng">
-                      <a:noFill/>
-                      <a:prstDash val="solid"/>
-                    </a:lnTlToBr>
-                    <a:lnBlToTr w="12700" cmpd="sng">
-                      <a:noFill/>
-                      <a:prstDash val="solid"/>
-                    </a:lnBlToTr>
-                    <a:noFill/>
-                  </a:tcPr>
-                </a:tc>
-                <a:tc>
-                  <a:txBody>
-                    <a:bodyPr/>
-                    <a:lstStyle/>
-                    <a:p>
-                      <a:r>
-                        <a:rPr lang="fr-FR" sz="1400" b="0" dirty="0"/>
-                        <a:t>John Doe, </a:t>
-                      </a:r>
-                      <a:r>
-                        <a:rPr lang="fr-FR" sz="1200" b="0" dirty="0"/>
-                        <a:t>Jon Doe, John Do</a:t>
-                      </a:r>
-                      <a:endParaRPr lang="fr-FR" sz="1400" dirty="0"/>
-                    </a:p>
-                  </a:txBody>
-                  <a:tcPr marL="144000" marR="144000" marT="216000" marB="0" anchor="ctr">
-                    <a:lnL w="12700" cmpd="sng">
-                      <a:noFill/>
-                    </a:lnL>
-                    <a:lnR w="12700" cmpd="sng">
-                      <a:noFill/>
-                    </a:lnR>
-                    <a:lnT w="12700" cmpd="sng">
-                      <a:noFill/>
-                    </a:lnT>
-                    <a:lnB w="25400" cmpd="sng">
-                      <a:noFill/>
-                    </a:lnB>
-                    <a:lnTlToBr w="12700" cmpd="sng">
-                      <a:noFill/>
-                      <a:prstDash val="solid"/>
-                    </a:lnTlToBr>
-                    <a:lnBlToTr w="12700" cmpd="sng">
-                      <a:noFill/>
-                      <a:prstDash val="solid"/>
-                    </a:lnBlToTr>
-                    <a:noFill/>
-                  </a:tcPr>
-                </a:tc>
-                <a:extLst>
-                  <a:ext uri="{0D108BD9-81ED-4DB2-BD59-A6C34878D82A}">
-                    <a16:rowId xmlns:a16="http://schemas.microsoft.com/office/drawing/2014/main" val="3753204309"/>
-                  </a:ext>
-                </a:extLst>
-              </a:tr>
-              <a:tr h="454567">
-                <a:tc>
-                  <a:txBody>
-                    <a:bodyPr/>
-                    <a:lstStyle/>
-                    <a:p>
-                      <a:r>
-                        <a:rPr lang="fr-FR" sz="1200" b="0" i="1" dirty="0">
-                          <a:solidFill>
-                            <a:schemeClr val="bg2">
-                              <a:lumMod val="25000"/>
-                            </a:schemeClr>
-                          </a:solidFill>
-                        </a:rPr>
-                        <a:t>Activité</a:t>
-                      </a:r>
-                    </a:p>
-                  </a:txBody>
-                  <a:tcPr marL="144000" marR="144000" marT="216000" marB="0" anchor="ctr">
-                    <a:lnL w="12700" cmpd="sng">
-                      <a:noFill/>
-                    </a:lnL>
-                    <a:lnR w="12700" cmpd="sng">
-                      <a:noFill/>
-                    </a:lnR>
-                    <a:lnT w="25400" cmpd="sng">
-                      <a:noFill/>
-                    </a:lnT>
-                    <a:lnB w="12700" cmpd="sng">
-                      <a:noFill/>
-                    </a:lnB>
-                    <a:lnTlToBr w="12700" cmpd="sng">
-                      <a:noFill/>
-                      <a:prstDash val="solid"/>
-                    </a:lnTlToBr>
-                    <a:lnBlToTr w="12700" cmpd="sng">
-                      <a:noFill/>
-                      <a:prstDash val="solid"/>
-                    </a:lnBlToTr>
-                    <a:noFill/>
-                  </a:tcPr>
-                </a:tc>
-                <a:tc>
-                  <a:txBody>
-                    <a:bodyPr/>
-                    <a:lstStyle/>
-                    <a:p>
-                      <a:r>
-                        <a:rPr lang="fr-FR" sz="1200" dirty="0"/>
-                        <a:t>Boulanger (1665-1710), marchand (1710-1718)</a:t>
-                      </a:r>
-                    </a:p>
-                    <a:p>
-                      <a:endParaRPr lang="fr-FR" sz="1200" dirty="0"/>
-                    </a:p>
-                    <a:p>
-                      <a:r>
-                        <a:rPr lang="fr-FR" sz="1200" dirty="0"/>
-                        <a:t>     Membre de </a:t>
-                      </a:r>
-                      <a:r>
-                        <a:rPr lang="fr-FR" sz="1200" b="1" u="sng" dirty="0"/>
-                        <a:t>Marchands du Pont Neuf</a:t>
-                      </a:r>
-                      <a:r>
-                        <a:rPr lang="fr-FR" sz="1200" b="0" u="none" dirty="0"/>
-                        <a:t> (1715-1718).</a:t>
-                      </a:r>
-                      <a:endParaRPr lang="fr-FR" sz="1200" u="none" dirty="0"/>
-                    </a:p>
-                  </a:txBody>
-                  <a:tcPr marL="144000" marR="144000" marT="216000" marB="0" anchor="ctr">
-                    <a:lnL w="12700" cmpd="sng">
-                      <a:noFill/>
-                    </a:lnL>
-                    <a:lnR w="12700" cmpd="sng">
-                      <a:noFill/>
-                    </a:lnR>
-                    <a:lnT w="25400" cmpd="sng">
-                      <a:noFill/>
-                    </a:lnT>
-                    <a:lnB w="12700" cmpd="sng">
-                      <a:noFill/>
-                    </a:lnB>
-                    <a:lnTlToBr w="12700" cmpd="sng">
-                      <a:noFill/>
-                      <a:prstDash val="solid"/>
-                    </a:lnTlToBr>
-                    <a:lnBlToTr w="12700" cmpd="sng">
-                      <a:noFill/>
-                      <a:prstDash val="solid"/>
-                    </a:lnBlToTr>
-                    <a:noFill/>
-                  </a:tcPr>
-                </a:tc>
-                <a:extLst>
-                  <a:ext uri="{0D108BD9-81ED-4DB2-BD59-A6C34878D82A}">
-                    <a16:rowId xmlns:a16="http://schemas.microsoft.com/office/drawing/2014/main" val="2460935024"/>
-                  </a:ext>
-                </a:extLst>
-              </a:tr>
-              <a:tr h="454567">
-                <a:tc>
-                  <a:txBody>
-                    <a:bodyPr/>
-                    <a:lstStyle/>
-                    <a:p>
-                      <a:r>
-                        <a:rPr lang="fr-FR" sz="1200" b="0" i="1" dirty="0">
-                          <a:solidFill>
-                            <a:schemeClr val="bg2">
-                              <a:lumMod val="25000"/>
-                            </a:schemeClr>
-                          </a:solidFill>
-                        </a:rPr>
-                        <a:t>Définition</a:t>
-                      </a:r>
-                    </a:p>
-                  </a:txBody>
-                  <a:tcPr marL="144000" marR="144000" marT="216000" marB="0" anchor="ctr">
-                    <a:lnL w="12700" cmpd="sng">
-                      <a:noFill/>
-                    </a:lnL>
-                    <a:lnR w="12700" cmpd="sng">
-                      <a:noFill/>
-                    </a:lnR>
-                    <a:lnT w="12700" cmpd="sng">
-                      <a:noFill/>
-                    </a:lnT>
-                    <a:lnB w="12700" cmpd="sng">
-                      <a:noFill/>
-                    </a:lnB>
-                    <a:lnTlToBr w="12700" cmpd="sng">
-                      <a:noFill/>
-                      <a:prstDash val="solid"/>
-                    </a:lnTlToBr>
-                    <a:lnBlToTr w="12700" cmpd="sng">
-                      <a:noFill/>
-                      <a:prstDash val="solid"/>
-                    </a:lnBlToTr>
-                    <a:noFill/>
-                  </a:tcPr>
-                </a:tc>
-                <a:tc>
-                  <a:txBody>
-                    <a:bodyPr/>
-                    <a:lstStyle/>
-                    <a:p>
-                      <a:endParaRPr lang="fr-FR" sz="1600" dirty="0"/>
-                    </a:p>
-                  </a:txBody>
-                  <a:tcPr marL="144000" marR="144000" marT="216000" marB="0" anchor="ctr">
-                    <a:lnL w="12700" cmpd="sng">
-                      <a:noFill/>
-                    </a:lnL>
-                    <a:lnR w="12700" cmpd="sng">
-                      <a:noFill/>
-                    </a:lnR>
-                    <a:lnT w="12700" cmpd="sng">
-                      <a:noFill/>
-                    </a:lnT>
-                    <a:lnB w="12700" cmpd="sng">
-                      <a:noFill/>
-                    </a:lnB>
-                    <a:lnTlToBr w="12700" cmpd="sng">
-                      <a:noFill/>
-                      <a:prstDash val="solid"/>
-                    </a:lnTlToBr>
-                    <a:lnBlToTr w="12700" cmpd="sng">
-                      <a:noFill/>
-                      <a:prstDash val="solid"/>
-                    </a:lnBlToTr>
-                    <a:noFill/>
-                  </a:tcPr>
-                </a:tc>
-                <a:extLst>
-                  <a:ext uri="{0D108BD9-81ED-4DB2-BD59-A6C34878D82A}">
-                    <a16:rowId xmlns:a16="http://schemas.microsoft.com/office/drawing/2014/main" val="4060873165"/>
-                  </a:ext>
-                </a:extLst>
-              </a:tr>
-              <a:tr h="454567">
-                <a:tc>
-                  <a:txBody>
-                    <a:bodyPr/>
-                    <a:lstStyle/>
-                    <a:p>
-                      <a:r>
-                        <a:rPr lang="fr-FR" sz="1200" b="0" i="1" dirty="0">
-                          <a:solidFill>
-                            <a:schemeClr val="bg2">
-                              <a:lumMod val="25000"/>
-                            </a:schemeClr>
-                          </a:solidFill>
-                        </a:rPr>
-                        <a:t>Sources</a:t>
-                      </a:r>
-                    </a:p>
-                  </a:txBody>
-                  <a:tcPr marL="144000" marR="144000" marT="216000" marB="0" anchor="ctr">
-                    <a:lnL w="12700" cmpd="sng">
-                      <a:noFill/>
-                    </a:lnL>
-                    <a:lnR w="12700" cmpd="sng">
-                      <a:noFill/>
-                    </a:lnR>
-                    <a:lnT w="12700" cmpd="sng">
-                      <a:noFill/>
-                    </a:lnT>
-                    <a:lnB w="12700" cmpd="sng">
-                      <a:noFill/>
-                    </a:lnB>
-                    <a:lnTlToBr w="12700" cmpd="sng">
-                      <a:noFill/>
-                      <a:prstDash val="solid"/>
-                    </a:lnTlToBr>
-                    <a:lnBlToTr w="12700" cmpd="sng">
-                      <a:noFill/>
-                      <a:prstDash val="solid"/>
-                    </a:lnBlToTr>
-                    <a:noFill/>
-                  </a:tcPr>
-                </a:tc>
-                <a:tc>
-                  <a:txBody>
-                    <a:bodyPr/>
-                    <a:lstStyle/>
-                    <a:p>
-                      <a:r>
-                        <a:rPr lang="fr-FR" sz="1050" dirty="0"/>
-                        <a:t>Auteur A. (1765) – </a:t>
-                      </a:r>
-                      <a:r>
-                        <a:rPr lang="fr-FR" sz="1050" i="1" dirty="0"/>
-                        <a:t>Source</a:t>
-                      </a:r>
-                      <a:r>
-                        <a:rPr lang="fr-FR" sz="1050" dirty="0"/>
-                        <a:t>, édition, date. </a:t>
-                      </a:r>
-                    </a:p>
-                  </a:txBody>
-                  <a:tcPr marL="144000" marR="144000" marT="216000" marB="0" anchor="ctr">
-                    <a:lnL w="12700" cmpd="sng">
-                      <a:noFill/>
-                    </a:lnL>
-                    <a:lnR w="12700" cmpd="sng">
-                      <a:noFill/>
-                    </a:lnR>
-                    <a:lnT w="12700" cmpd="sng">
-                      <a:noFill/>
-                    </a:lnT>
-                    <a:lnB w="12700" cmpd="sng">
-                      <a:noFill/>
-                    </a:lnB>
-                    <a:lnTlToBr w="12700" cmpd="sng">
-                      <a:noFill/>
-                      <a:prstDash val="solid"/>
-                    </a:lnTlToBr>
-                    <a:lnBlToTr w="12700" cmpd="sng">
-                      <a:noFill/>
-                      <a:prstDash val="solid"/>
-                    </a:lnBlToTr>
-                    <a:noFill/>
-                  </a:tcPr>
-                </a:tc>
-                <a:extLst>
-                  <a:ext uri="{0D108BD9-81ED-4DB2-BD59-A6C34878D82A}">
-                    <a16:rowId xmlns:a16="http://schemas.microsoft.com/office/drawing/2014/main" val="3443036176"/>
-                  </a:ext>
-                </a:extLst>
-              </a:tr>
-              <a:tr h="454567">
-                <a:tc>
-                  <a:txBody>
-                    <a:bodyPr/>
-                    <a:lstStyle/>
-                    <a:p>
-                      <a:r>
-                        <a:rPr lang="fr-FR" sz="1200" b="0" i="1" dirty="0">
-                          <a:solidFill>
-                            <a:schemeClr val="bg2">
-                              <a:lumMod val="25000"/>
-                            </a:schemeClr>
-                          </a:solidFill>
-                        </a:rPr>
-                        <a:t>Ressources liées</a:t>
-                      </a:r>
-                    </a:p>
-                  </a:txBody>
-                  <a:tcPr marL="144000" marR="144000" marT="216000" marB="0" anchor="ctr">
-                    <a:lnL w="12700" cmpd="sng">
-                      <a:noFill/>
-                    </a:lnL>
-                    <a:lnR w="12700" cmpd="sng">
-                      <a:noFill/>
-                    </a:lnR>
-                    <a:lnT w="12700" cmpd="sng">
-                      <a:noFill/>
-                    </a:lnT>
-                    <a:lnB w="12700" cmpd="sng">
-                      <a:noFill/>
-                    </a:lnB>
-                    <a:lnTlToBr w="12700" cmpd="sng">
-                      <a:noFill/>
-                      <a:prstDash val="solid"/>
-                    </a:lnTlToBr>
-                    <a:lnBlToTr w="12700" cmpd="sng">
-                      <a:noFill/>
-                      <a:prstDash val="solid"/>
-                    </a:lnBlToTr>
-                    <a:noFill/>
-                  </a:tcPr>
-                </a:tc>
-                <a:tc>
-                  <a:txBody>
-                    <a:bodyPr/>
-                    <a:lstStyle/>
-                    <a:p>
-                      <a:r>
-                        <a:rPr lang="fr-FR" sz="1200" b="1" u="none" dirty="0">
-                          <a:solidFill>
-                            <a:schemeClr val="bg2">
-                              <a:lumMod val="10000"/>
-                            </a:schemeClr>
-                          </a:solidFill>
-                        </a:rPr>
-                        <a:t>Ressources </a:t>
-                      </a:r>
-                      <a:r>
-                        <a:rPr lang="fr-FR" sz="1200" b="1" u="none" dirty="0" err="1">
-                          <a:solidFill>
-                            <a:schemeClr val="bg2">
-                              <a:lumMod val="10000"/>
-                            </a:schemeClr>
-                          </a:solidFill>
-                        </a:rPr>
-                        <a:t>IReMus</a:t>
-                      </a:r>
-                      <a:endParaRPr lang="fr-FR" sz="1200" b="1" u="none" dirty="0">
-                        <a:solidFill>
-                          <a:schemeClr val="bg2">
-                            <a:lumMod val="10000"/>
-                          </a:schemeClr>
-                        </a:solidFill>
-                      </a:endParaRPr>
-                    </a:p>
-                  </a:txBody>
-                  <a:tcPr marL="144000" marR="144000" marT="216000" marB="0" anchor="ctr">
-                    <a:lnL w="12700" cmpd="sng">
-                      <a:noFill/>
-                    </a:lnL>
-                    <a:lnR w="12700" cmpd="sng">
-                      <a:noFill/>
-                    </a:lnR>
-                    <a:lnT w="12700" cmpd="sng">
-                      <a:noFill/>
-                    </a:lnT>
-                    <a:lnB w="12700" cmpd="sng">
-                      <a:noFill/>
-                    </a:lnB>
-                    <a:lnTlToBr w="12700" cmpd="sng">
-                      <a:noFill/>
-                      <a:prstDash val="solid"/>
-                    </a:lnTlToBr>
-                    <a:lnBlToTr w="12700" cmpd="sng">
-                      <a:noFill/>
-                      <a:prstDash val="solid"/>
-                    </a:lnBlToTr>
-                    <a:noFill/>
-                  </a:tcPr>
-                </a:tc>
-                <a:extLst>
-                  <a:ext uri="{0D108BD9-81ED-4DB2-BD59-A6C34878D82A}">
-                    <a16:rowId xmlns:a16="http://schemas.microsoft.com/office/drawing/2014/main" val="2835274791"/>
-                  </a:ext>
-                </a:extLst>
-              </a:tr>
-              <a:tr h="454567">
-                <a:tc>
-                  <a:txBody>
-                    <a:bodyPr/>
-                    <a:lstStyle/>
-                    <a:p>
-                      <a:endParaRPr lang="fr-FR" sz="1200" b="0" i="1" dirty="0">
-                        <a:solidFill>
-                          <a:schemeClr val="bg2">
-                            <a:lumMod val="25000"/>
-                          </a:schemeClr>
-                        </a:solidFill>
-                      </a:endParaRPr>
-                    </a:p>
-                  </a:txBody>
-                  <a:tcPr marL="144000" marR="144000" marT="216000" marB="0" anchor="ctr">
-                    <a:lnL w="12700" cmpd="sng">
-                      <a:noFill/>
-                    </a:lnL>
-                    <a:lnR w="12700" cmpd="sng">
-                      <a:noFill/>
-                    </a:lnR>
-                    <a:lnT w="12700" cmpd="sng">
-                      <a:noFill/>
-                    </a:lnT>
-                    <a:lnB w="12700" cmpd="sng">
-                      <a:noFill/>
-                    </a:lnB>
-                    <a:lnTlToBr w="12700" cmpd="sng">
-                      <a:noFill/>
-                      <a:prstDash val="solid"/>
-                    </a:lnTlToBr>
-                    <a:lnBlToTr w="12700" cmpd="sng">
-                      <a:noFill/>
-                      <a:prstDash val="solid"/>
-                    </a:lnBlToTr>
-                    <a:noFill/>
-                  </a:tcPr>
-                </a:tc>
-                <a:tc>
-                  <a:txBody>
-                    <a:bodyPr/>
-                    <a:lstStyle/>
-                    <a:p>
-                      <a:endParaRPr lang="fr-FR" sz="1600" dirty="0"/>
-                    </a:p>
-                  </a:txBody>
-                  <a:tcPr marL="144000" marR="144000" marT="216000" marB="0" anchor="ctr">
-                    <a:lnL w="12700" cmpd="sng">
-                      <a:noFill/>
-                    </a:lnL>
-                    <a:lnR w="12700" cmpd="sng">
-                      <a:noFill/>
-                    </a:lnR>
-                    <a:lnT w="12700" cmpd="sng">
-                      <a:noFill/>
-                    </a:lnT>
-                    <a:lnB w="12700" cmpd="sng">
-                      <a:noFill/>
-                    </a:lnB>
-                    <a:lnTlToBr w="12700" cmpd="sng">
-                      <a:noFill/>
-                      <a:prstDash val="solid"/>
-                    </a:lnTlToBr>
-                    <a:lnBlToTr w="12700" cmpd="sng">
-                      <a:noFill/>
-                      <a:prstDash val="solid"/>
-                    </a:lnBlToTr>
-                    <a:noFill/>
-                  </a:tcPr>
-                </a:tc>
-                <a:extLst>
-                  <a:ext uri="{0D108BD9-81ED-4DB2-BD59-A6C34878D82A}">
-                    <a16:rowId xmlns:a16="http://schemas.microsoft.com/office/drawing/2014/main" val="2389814184"/>
-                  </a:ext>
-                </a:extLst>
-              </a:tr>
-              <a:tr h="454567">
-                <a:tc>
-                  <a:txBody>
-                    <a:bodyPr/>
-                    <a:lstStyle/>
-                    <a:p>
-                      <a:endParaRPr lang="fr-FR" sz="1200" b="0" i="1" dirty="0">
-                        <a:solidFill>
-                          <a:schemeClr val="bg2">
-                            <a:lumMod val="25000"/>
-                          </a:schemeClr>
-                        </a:solidFill>
-                      </a:endParaRPr>
-                    </a:p>
-                  </a:txBody>
-                  <a:tcPr marL="144000" marR="144000" marT="216000" marB="0" anchor="ctr">
-                    <a:lnL w="12700" cmpd="sng">
-                      <a:noFill/>
-                    </a:lnL>
-                    <a:lnR w="12700" cmpd="sng">
-                      <a:noFill/>
-                    </a:lnR>
-                    <a:lnT w="12700" cmpd="sng">
-                      <a:noFill/>
-                    </a:lnT>
-                    <a:lnB w="12700" cmpd="sng">
-                      <a:noFill/>
-                    </a:lnB>
-                    <a:lnTlToBr w="12700" cmpd="sng">
-                      <a:noFill/>
-                      <a:prstDash val="solid"/>
-                    </a:lnTlToBr>
-                    <a:lnBlToTr w="12700" cmpd="sng">
-                      <a:noFill/>
-                      <a:prstDash val="solid"/>
-                    </a:lnBlToTr>
-                    <a:noFill/>
-                  </a:tcPr>
-                </a:tc>
-                <a:tc>
-                  <a:txBody>
-                    <a:bodyPr/>
-                    <a:lstStyle/>
-                    <a:p>
-                      <a:endParaRPr lang="fr-FR" sz="1600" dirty="0"/>
-                    </a:p>
-                  </a:txBody>
-                  <a:tcPr marL="144000" marR="144000" marT="216000" marB="0" anchor="ctr">
-                    <a:lnL w="12700" cmpd="sng">
-                      <a:noFill/>
-                    </a:lnL>
-                    <a:lnR w="12700" cmpd="sng">
-                      <a:noFill/>
-                    </a:lnR>
-                    <a:lnT w="12700" cmpd="sng">
-                      <a:noFill/>
-                    </a:lnT>
-                    <a:lnB w="12700" cmpd="sng">
-                      <a:noFill/>
-                    </a:lnB>
-                    <a:lnTlToBr w="12700" cmpd="sng">
-                      <a:noFill/>
-                      <a:prstDash val="solid"/>
-                    </a:lnTlToBr>
-                    <a:lnBlToTr w="12700" cmpd="sng">
-                      <a:noFill/>
-                      <a:prstDash val="solid"/>
-                    </a:lnBlToTr>
-                    <a:noFill/>
-                  </a:tcPr>
-                </a:tc>
-                <a:extLst>
-                  <a:ext uri="{0D108BD9-81ED-4DB2-BD59-A6C34878D82A}">
-                    <a16:rowId xmlns:a16="http://schemas.microsoft.com/office/drawing/2014/main" val="3331248102"/>
-                  </a:ext>
-                </a:extLst>
-              </a:tr>
-            </a:tbl>
-          </a:graphicData>
-        </a:graphic>
-      </p:graphicFrame>
-      <p:sp>
-        <p:nvSpPr>
-          <p:cNvPr id="20" name="Rectangle : coins arrondis 19">
-            <a:extLst>
-              <a:ext uri="{FF2B5EF4-FFF2-40B4-BE49-F238E27FC236}">
-                <a16:creationId xmlns:a16="http://schemas.microsoft.com/office/drawing/2014/main" id="{261B5748-F93D-4590-B278-EAE8FE0A5620}"/>
-              </a:ext>
-            </a:extLst>
-          </p:cNvPr>
-          <p:cNvSpPr/>
-          <p:nvPr/>
-        </p:nvSpPr>
-        <p:spPr>
-          <a:xfrm>
-            <a:off x="10043860" y="5947325"/>
-            <a:ext cx="969435" cy="249909"/>
-          </a:xfrm>
-          <a:prstGeom prst="roundRect">
-            <a:avLst/>
-          </a:prstGeom>
-          <a:noFill/>
-          <a:ln>
-            <a:noFill/>
-          </a:ln>
-        </p:spPr>
-        <p:style>
-          <a:lnRef idx="2">
-            <a:schemeClr val="accent1">
-              <a:shade val="50000"/>
-            </a:schemeClr>
-          </a:lnRef>
-          <a:fillRef idx="1">
-            <a:schemeClr val="accent1"/>
-          </a:fillRef>
-          <a:effectRef idx="0">
-            <a:schemeClr val="accent1"/>
-          </a:effectRef>
-          <a:fontRef idx="minor">
-            <a:schemeClr val="lt1"/>
-          </a:fontRef>
-        </p:style>
-        <p:txBody>
-          <a:bodyPr rtlCol="0" anchor="ctr"/>
-          <a:lstStyle/>
-          <a:p>
-            <a:pPr algn="ctr"/>
-            <a:r>
-              <a:rPr lang="fr-FR" sz="1000" b="1" u="sng" dirty="0">
-                <a:solidFill>
-                  <a:srgbClr val="C00000"/>
-                </a:solidFill>
-              </a:rPr>
-              <a:t>Ajouter une ressource</a:t>
-            </a:r>
-          </a:p>
-        </p:txBody>
-      </p:sp>
-      <p:pic>
-        <p:nvPicPr>
-          <p:cNvPr id="22" name="Image 21">
-            <a:extLst>
-              <a:ext uri="{FF2B5EF4-FFF2-40B4-BE49-F238E27FC236}">
-                <a16:creationId xmlns:a16="http://schemas.microsoft.com/office/drawing/2014/main" id="{6FB354CB-5DA8-4383-8F64-47BA9216216F}"/>
-              </a:ext>
-            </a:extLst>
-          </p:cNvPr>
-          <p:cNvPicPr>
-            <a:picLocks noChangeAspect="1"/>
-          </p:cNvPicPr>
-          <p:nvPr/>
-        </p:nvPicPr>
-        <p:blipFill rotWithShape="1">
-          <a:blip r:embed="rId5"/>
-          <a:srcRect l="14104" t="37218" r="81185" b="40481"/>
-          <a:stretch/>
-        </p:blipFill>
-        <p:spPr>
-          <a:xfrm>
-            <a:off x="5069000" y="5829469"/>
-            <a:ext cx="416860" cy="1109994"/>
-          </a:xfrm>
-          <a:prstGeom prst="rect">
-            <a:avLst/>
-          </a:prstGeom>
-          <a:ln>
-            <a:noFill/>
-          </a:ln>
-        </p:spPr>
-      </p:pic>
-      <p:sp>
-        <p:nvSpPr>
-          <p:cNvPr id="23" name="Rectangle 22">
-            <a:extLst>
-              <a:ext uri="{FF2B5EF4-FFF2-40B4-BE49-F238E27FC236}">
-                <a16:creationId xmlns:a16="http://schemas.microsoft.com/office/drawing/2014/main" id="{A56D504E-B5DB-44C6-9D94-67A252BEE188}"/>
-              </a:ext>
-            </a:extLst>
-          </p:cNvPr>
-          <p:cNvSpPr/>
-          <p:nvPr/>
-        </p:nvSpPr>
-        <p:spPr>
-          <a:xfrm>
-            <a:off x="5527096" y="5835908"/>
-            <a:ext cx="4604884" cy="1044596"/>
+            <a:off x="10792668" y="143154"/>
+            <a:ext cx="1038225" cy="231195"/>
           </a:xfrm>
           <a:prstGeom prst="rect">
             <a:avLst/>
@@ -7104,132 +5310,77 @@
           </a:fontRef>
         </p:style>
         <p:txBody>
-          <a:bodyPr rtlCol="0" anchor="t"/>
+          <a:bodyPr rtlCol="0" anchor="ctr"/>
           <a:lstStyle/>
           <a:p>
-            <a:pPr algn="just"/>
-            <a:r>
-              <a:rPr lang="fr-FR" sz="1100" b="1" i="1" dirty="0">
-                <a:solidFill>
-                  <a:schemeClr val="bg2">
-                    <a:lumMod val="25000"/>
+            <a:pPr algn="ctr"/>
+            <a:r>
+              <a:rPr lang="fr-FR" sz="1100" spc="70" dirty="0" err="1">
+                <a:solidFill>
+                  <a:schemeClr val="accent4">
+                    <a:lumMod val="75000"/>
                   </a:schemeClr>
                 </a:solidFill>
               </a:rPr>
-              <a:t>Communauté de marchands et de bourgeois.</a:t>
-            </a:r>
-          </a:p>
-          <a:p>
-            <a:pPr algn="just"/>
-            <a:endParaRPr lang="fr-FR" sz="1100" b="1" i="1" dirty="0">
+              <a:t>Connecté-e</a:t>
+            </a:r>
+            <a:endParaRPr lang="fr-FR" sz="1100" spc="70" dirty="0">
               <a:solidFill>
-                <a:schemeClr val="bg2">
-                  <a:lumMod val="25000"/>
+                <a:schemeClr val="accent4">
+                  <a:lumMod val="75000"/>
                 </a:schemeClr>
               </a:solidFill>
             </a:endParaRPr>
           </a:p>
-          <a:p>
-            <a:pPr algn="just"/>
-            <a:endParaRPr lang="fr-FR" sz="1100" b="1" i="1" dirty="0">
-              <a:solidFill>
-                <a:schemeClr val="bg2">
-                  <a:lumMod val="25000"/>
-                </a:schemeClr>
-              </a:solidFill>
-            </a:endParaRPr>
-          </a:p>
-          <a:p>
-            <a:pPr algn="just"/>
-            <a:r>
-              <a:rPr lang="fr-FR" sz="1100" b="1" i="1" dirty="0">
-                <a:solidFill>
-                  <a:schemeClr val="bg2">
-                    <a:lumMod val="25000"/>
-                  </a:schemeClr>
-                </a:solidFill>
-              </a:rPr>
-              <a:t>Le Mercure galant, tome III [juillet-août 1672]</a:t>
-            </a:r>
-            <a:r>
-              <a:rPr lang="fr-FR" sz="1100" b="1" dirty="0">
-                <a:solidFill>
-                  <a:schemeClr val="bg2">
-                    <a:lumMod val="25000"/>
-                  </a:schemeClr>
-                </a:solidFill>
-              </a:rPr>
-              <a:t>, Claude Barbin et Theodore Girard, 1673.</a:t>
-            </a:r>
-          </a:p>
         </p:txBody>
       </p:sp>
-      <p:sp>
-        <p:nvSpPr>
-          <p:cNvPr id="16" name="Étoile : 5 branches 15">
-            <a:extLst>
-              <a:ext uri="{FF2B5EF4-FFF2-40B4-BE49-F238E27FC236}">
-                <a16:creationId xmlns:a16="http://schemas.microsoft.com/office/drawing/2014/main" id="{1371FBE2-77B8-4A56-B581-EC258EE79CDF}"/>
-              </a:ext>
-            </a:extLst>
-          </p:cNvPr>
-          <p:cNvSpPr/>
+      <p:pic>
+        <p:nvPicPr>
+          <p:cNvPr id="5" name="Image 4">
+            <a:extLst>
+              <a:ext uri="{FF2B5EF4-FFF2-40B4-BE49-F238E27FC236}">
+                <a16:creationId xmlns:a16="http://schemas.microsoft.com/office/drawing/2014/main" id="{9F7A4E04-DB3E-460C-A13A-615208ACD2A3}"/>
+              </a:ext>
+            </a:extLst>
+          </p:cNvPr>
+          <p:cNvPicPr>
+            <a:picLocks noChangeAspect="1"/>
+          </p:cNvPicPr>
           <p:nvPr/>
-        </p:nvSpPr>
+        </p:nvPicPr>
+        <p:blipFill>
+          <a:blip r:embed="rId4">
+            <a:duotone>
+              <a:schemeClr val="accent4">
+                <a:shade val="45000"/>
+                <a:satMod val="135000"/>
+              </a:schemeClr>
+              <a:prstClr val="white"/>
+            </a:duotone>
+            <a:extLst>
+              <a:ext uri="{28A0092B-C50C-407E-A947-70E740481C1C}">
+                <a14:useLocalDpi xmlns:a14="http://schemas.microsoft.com/office/drawing/2010/main" val="0"/>
+              </a:ext>
+            </a:extLst>
+          </a:blip>
+          <a:stretch>
+            <a:fillRect/>
+          </a:stretch>
+        </p:blipFill>
         <p:spPr>
           <a:xfrm>
-            <a:off x="4986641" y="4257166"/>
-            <a:ext cx="142807" cy="147770"/>
+            <a:off x="11723897" y="151756"/>
+            <a:ext cx="213992" cy="213992"/>
           </a:xfrm>
-          <a:prstGeom prst="star5">
+          <a:prstGeom prst="rect">
             <a:avLst/>
           </a:prstGeom>
-          <a:solidFill>
-            <a:schemeClr val="accent4">
-              <a:lumMod val="60000"/>
-              <a:lumOff val="40000"/>
-            </a:schemeClr>
-          </a:solidFill>
-          <a:ln>
-            <a:solidFill>
-              <a:schemeClr val="accent4">
-                <a:lumMod val="75000"/>
-              </a:schemeClr>
-            </a:solidFill>
-          </a:ln>
         </p:spPr>
-        <p:style>
-          <a:lnRef idx="2">
-            <a:schemeClr val="accent1">
-              <a:shade val="50000"/>
-            </a:schemeClr>
-          </a:lnRef>
-          <a:fillRef idx="1">
-            <a:schemeClr val="accent1"/>
-          </a:fillRef>
-          <a:effectRef idx="0">
-            <a:schemeClr val="accent1"/>
-          </a:effectRef>
-          <a:fontRef idx="minor">
-            <a:schemeClr val="lt1"/>
-          </a:fontRef>
-        </p:style>
-        <p:txBody>
-          <a:bodyPr rtlCol="0" anchor="ctr"/>
-          <a:lstStyle/>
-          <a:p>
-            <a:pPr algn="ctr"/>
-            <a:r>
-              <a:rPr lang="fr-FR" dirty="0"/>
-              <a:t>    </a:t>
-            </a:r>
-          </a:p>
-        </p:txBody>
-      </p:sp>
+      </p:pic>
     </p:spTree>
     <p:extLst>
       <p:ext uri="{BB962C8B-B14F-4D97-AF65-F5344CB8AC3E}">
-        <p14:creationId xmlns:p14="http://schemas.microsoft.com/office/powerpoint/2010/main" val="3967937318"/>
+        <p14:creationId xmlns:p14="http://schemas.microsoft.com/office/powerpoint/2010/main" val="933920683"/>
       </p:ext>
     </p:extLst>
   </p:cSld>
@@ -7239,7 +5390,7 @@
 </p:sld>
 </file>
 
-<file path=ppt/slides/slide3.xml><?xml version="1.0" encoding="utf-8"?>
+<file path=ppt/slides/slide11.xml><?xml version="1.0" encoding="utf-8"?>
 <p:sld xmlns:a="http://schemas.openxmlformats.org/drawingml/2006/main" xmlns:r="http://schemas.openxmlformats.org/officeDocument/2006/relationships" xmlns:p="http://schemas.openxmlformats.org/presentationml/2006/main">
   <p:cSld>
     <p:spTree>
@@ -7634,6 +5785,2748 @@
         </p:nvSpPr>
         <p:spPr>
           <a:xfrm>
+            <a:off x="-1" y="-27800"/>
+            <a:ext cx="12191999" cy="6885802"/>
+          </a:xfrm>
+          <a:prstGeom prst="rect">
+            <a:avLst/>
+          </a:prstGeom>
+          <a:gradFill>
+            <a:gsLst>
+              <a:gs pos="0">
+                <a:schemeClr val="bg2">
+                  <a:lumMod val="10000"/>
+                </a:schemeClr>
+              </a:gs>
+              <a:gs pos="48000">
+                <a:schemeClr val="bg2">
+                  <a:lumMod val="25000"/>
+                </a:schemeClr>
+              </a:gs>
+              <a:gs pos="100000">
+                <a:schemeClr val="bg2">
+                  <a:lumMod val="25000"/>
+                </a:schemeClr>
+              </a:gs>
+            </a:gsLst>
+            <a:lin ang="13500000" scaled="1"/>
+          </a:gradFill>
+        </p:spPr>
+        <p:style>
+          <a:lnRef idx="2">
+            <a:schemeClr val="accent1">
+              <a:shade val="50000"/>
+            </a:schemeClr>
+          </a:lnRef>
+          <a:fillRef idx="1">
+            <a:schemeClr val="accent1"/>
+          </a:fillRef>
+          <a:effectRef idx="0">
+            <a:schemeClr val="accent1"/>
+          </a:effectRef>
+          <a:fontRef idx="minor">
+            <a:schemeClr val="lt1"/>
+          </a:fontRef>
+        </p:style>
+        <p:txBody>
+          <a:bodyPr rtlCol="0" anchor="ctr"/>
+          <a:lstStyle/>
+          <a:p>
+            <a:pPr algn="ctr"/>
+            <a:endParaRPr lang="fr-FR" dirty="0">
+              <a:solidFill>
+                <a:schemeClr val="bg2">
+                  <a:lumMod val="25000"/>
+                </a:schemeClr>
+              </a:solidFill>
+            </a:endParaRPr>
+          </a:p>
+        </p:txBody>
+      </p:sp>
+      <p:sp>
+        <p:nvSpPr>
+          <p:cNvPr id="4" name="Rectangle : coins arrondis 3">
+            <a:extLst>
+              <a:ext uri="{FF2B5EF4-FFF2-40B4-BE49-F238E27FC236}">
+                <a16:creationId xmlns:a16="http://schemas.microsoft.com/office/drawing/2014/main" id="{36973AC9-62DE-443A-803A-401548AE53F7}"/>
+              </a:ext>
+            </a:extLst>
+          </p:cNvPr>
+          <p:cNvSpPr/>
+          <p:nvPr/>
+        </p:nvSpPr>
+        <p:spPr>
+          <a:xfrm>
+            <a:off x="778933" y="-552449"/>
+            <a:ext cx="10612967" cy="7219950"/>
+          </a:xfrm>
+          <a:prstGeom prst="roundRect">
+            <a:avLst>
+              <a:gd name="adj" fmla="val 6808"/>
+            </a:avLst>
+          </a:prstGeom>
+          <a:solidFill>
+            <a:srgbClr val="F5F5F5"/>
+          </a:solidFill>
+          <a:ln>
+            <a:noFill/>
+          </a:ln>
+        </p:spPr>
+        <p:style>
+          <a:lnRef idx="2">
+            <a:schemeClr val="accent1">
+              <a:shade val="50000"/>
+            </a:schemeClr>
+          </a:lnRef>
+          <a:fillRef idx="1">
+            <a:schemeClr val="accent1"/>
+          </a:fillRef>
+          <a:effectRef idx="0">
+            <a:schemeClr val="accent1"/>
+          </a:effectRef>
+          <a:fontRef idx="minor">
+            <a:schemeClr val="lt1"/>
+          </a:fontRef>
+        </p:style>
+        <p:txBody>
+          <a:bodyPr rtlCol="0" anchor="t"/>
+          <a:lstStyle/>
+          <a:p>
+            <a:pPr algn="just"/>
+            <a:r>
+              <a:rPr lang="fr-FR" dirty="0">
+                <a:solidFill>
+                  <a:schemeClr val="bg2">
+                    <a:lumMod val="25000"/>
+                  </a:schemeClr>
+                </a:solidFill>
+              </a:rPr>
+              <a:t>	</a:t>
+            </a:r>
+          </a:p>
+          <a:p>
+            <a:pPr algn="just"/>
+            <a:r>
+              <a:rPr lang="fr-FR" sz="1600" dirty="0">
+                <a:solidFill>
+                  <a:schemeClr val="bg2">
+                    <a:lumMod val="25000"/>
+                  </a:schemeClr>
+                </a:solidFill>
+              </a:rPr>
+              <a:t>	</a:t>
+            </a:r>
+          </a:p>
+          <a:p>
+            <a:pPr algn="just"/>
+            <a:endParaRPr lang="fr-FR" b="1" dirty="0">
+              <a:solidFill>
+                <a:schemeClr val="bg2">
+                  <a:lumMod val="25000"/>
+                </a:schemeClr>
+              </a:solidFill>
+            </a:endParaRPr>
+          </a:p>
+        </p:txBody>
+      </p:sp>
+    </p:spTree>
+    <p:extLst>
+      <p:ext uri="{BB962C8B-B14F-4D97-AF65-F5344CB8AC3E}">
+        <p14:creationId xmlns:p14="http://schemas.microsoft.com/office/powerpoint/2010/main" val="2042820568"/>
+      </p:ext>
+    </p:extLst>
+  </p:cSld>
+  <p:clrMapOvr>
+    <a:masterClrMapping/>
+  </p:clrMapOvr>
+</p:sld>
+</file>
+
+<file path=ppt/slides/slide2.xml><?xml version="1.0" encoding="utf-8"?>
+<p:sld xmlns:a="http://schemas.openxmlformats.org/drawingml/2006/main" xmlns:r="http://schemas.openxmlformats.org/officeDocument/2006/relationships" xmlns:p="http://schemas.openxmlformats.org/presentationml/2006/main">
+  <p:cSld>
+    <p:spTree>
+      <p:nvGrpSpPr>
+        <p:cNvPr id="1" name=""/>
+        <p:cNvGrpSpPr/>
+        <p:nvPr/>
+      </p:nvGrpSpPr>
+      <p:grpSpPr>
+        <a:xfrm>
+          <a:off x="0" y="0"/>
+          <a:ext cx="0" cy="0"/>
+          <a:chOff x="0" y="0"/>
+          <a:chExt cx="0" cy="0"/>
+        </a:xfrm>
+      </p:grpSpPr>
+      <p:pic>
+        <p:nvPicPr>
+          <p:cNvPr id="21" name="Image 20">
+            <a:extLst>
+              <a:ext uri="{FF2B5EF4-FFF2-40B4-BE49-F238E27FC236}">
+                <a16:creationId xmlns:a16="http://schemas.microsoft.com/office/drawing/2014/main" id="{3736EEFF-71AB-4B81-BF71-ACED14F93918}"/>
+              </a:ext>
+            </a:extLst>
+          </p:cNvPr>
+          <p:cNvPicPr>
+            <a:picLocks noChangeAspect="1"/>
+          </p:cNvPicPr>
+          <p:nvPr/>
+        </p:nvPicPr>
+        <p:blipFill rotWithShape="1">
+          <a:blip r:embed="rId2">
+            <a:extLst>
+              <a:ext uri="{BEBA8EAE-BF5A-486C-A8C5-ECC9F3942E4B}">
+                <a14:imgProps xmlns:a14="http://schemas.microsoft.com/office/drawing/2010/main">
+                  <a14:imgLayer r:embed="rId3">
+                    <a14:imgEffect>
+                      <a14:saturation sat="0"/>
+                    </a14:imgEffect>
+                    <a14:imgEffect>
+                      <a14:brightnessContrast bright="20000" contrast="-20000"/>
+                    </a14:imgEffect>
+                  </a14:imgLayer>
+                </a14:imgProps>
+              </a:ext>
+              <a:ext uri="{28A0092B-C50C-407E-A947-70E740481C1C}">
+                <a14:useLocalDpi xmlns:a14="http://schemas.microsoft.com/office/drawing/2010/main" val="0"/>
+              </a:ext>
+            </a:extLst>
+          </a:blip>
+          <a:srcRect l="1692" t="7013" r="4436" b="77596"/>
+          <a:stretch/>
+        </p:blipFill>
+        <p:spPr>
+          <a:xfrm>
+            <a:off x="0" y="-18900"/>
+            <a:ext cx="12192000" cy="1537235"/>
+          </a:xfrm>
+          <a:prstGeom prst="rect">
+            <a:avLst/>
+          </a:prstGeom>
+          <a:gradFill flip="none" rotWithShape="1">
+            <a:gsLst>
+              <a:gs pos="0">
+                <a:schemeClr val="accent1">
+                  <a:shade val="30000"/>
+                  <a:satMod val="115000"/>
+                </a:schemeClr>
+              </a:gs>
+              <a:gs pos="50000">
+                <a:schemeClr val="accent1">
+                  <a:shade val="67500"/>
+                  <a:satMod val="115000"/>
+                </a:schemeClr>
+              </a:gs>
+              <a:gs pos="100000">
+                <a:schemeClr val="accent1">
+                  <a:shade val="100000"/>
+                  <a:satMod val="115000"/>
+                </a:schemeClr>
+              </a:gs>
+            </a:gsLst>
+            <a:lin ang="13500000" scaled="1"/>
+            <a:tileRect/>
+          </a:gradFill>
+          <a:effectLst>
+            <a:innerShdw blurRad="1270000" dist="2540000">
+              <a:prstClr val="black">
+                <a:alpha val="58000"/>
+              </a:prstClr>
+            </a:innerShdw>
+          </a:effectLst>
+        </p:spPr>
+      </p:pic>
+      <p:sp>
+        <p:nvSpPr>
+          <p:cNvPr id="29" name="Sous-titre 2">
+            <a:extLst>
+              <a:ext uri="{FF2B5EF4-FFF2-40B4-BE49-F238E27FC236}">
+                <a16:creationId xmlns:a16="http://schemas.microsoft.com/office/drawing/2014/main" id="{34DD89C6-6C25-4BEB-8CD4-BFB103026C35}"/>
+              </a:ext>
+            </a:extLst>
+          </p:cNvPr>
+          <p:cNvSpPr txBox="1">
+            <a:spLocks/>
+          </p:cNvSpPr>
+          <p:nvPr/>
+        </p:nvSpPr>
+        <p:spPr>
+          <a:xfrm>
+            <a:off x="0" y="1101664"/>
+            <a:ext cx="12192000" cy="298512"/>
+          </a:xfrm>
+          <a:prstGeom prst="rect">
+            <a:avLst/>
+          </a:prstGeom>
+          <a:solidFill>
+            <a:schemeClr val="bg1">
+              <a:lumMod val="95000"/>
+            </a:schemeClr>
+          </a:solidFill>
+        </p:spPr>
+        <p:txBody>
+          <a:bodyPr vert="horz" lIns="91440" tIns="45720" rIns="91440" bIns="45720" rtlCol="0" anchor="ctr">
+            <a:normAutofit/>
+          </a:bodyPr>
+          <a:lstStyle>
+            <a:lvl1pPr marL="0" indent="0" algn="ctr" defTabSz="914400" rtl="0" eaLnBrk="1" latinLnBrk="0" hangingPunct="1">
+              <a:lnSpc>
+                <a:spcPct val="90000"/>
+              </a:lnSpc>
+              <a:spcBef>
+                <a:spcPts val="1000"/>
+              </a:spcBef>
+              <a:buFont typeface="Arial" panose="020B0604020202020204" pitchFamily="34" charset="0"/>
+              <a:buNone/>
+              <a:defRPr sz="2400" kern="1200">
+                <a:solidFill>
+                  <a:schemeClr val="tx1"/>
+                </a:solidFill>
+                <a:latin typeface="+mn-lt"/>
+                <a:ea typeface="+mn-ea"/>
+                <a:cs typeface="+mn-cs"/>
+              </a:defRPr>
+            </a:lvl1pPr>
+            <a:lvl2pPr marL="457200" indent="0" algn="ctr" defTabSz="914400" rtl="0" eaLnBrk="1" latinLnBrk="0" hangingPunct="1">
+              <a:lnSpc>
+                <a:spcPct val="90000"/>
+              </a:lnSpc>
+              <a:spcBef>
+                <a:spcPts val="500"/>
+              </a:spcBef>
+              <a:buFont typeface="Arial" panose="020B0604020202020204" pitchFamily="34" charset="0"/>
+              <a:buNone/>
+              <a:defRPr sz="2000" kern="1200">
+                <a:solidFill>
+                  <a:schemeClr val="tx1"/>
+                </a:solidFill>
+                <a:latin typeface="+mn-lt"/>
+                <a:ea typeface="+mn-ea"/>
+                <a:cs typeface="+mn-cs"/>
+              </a:defRPr>
+            </a:lvl2pPr>
+            <a:lvl3pPr marL="914400" indent="0" algn="ctr" defTabSz="914400" rtl="0" eaLnBrk="1" latinLnBrk="0" hangingPunct="1">
+              <a:lnSpc>
+                <a:spcPct val="90000"/>
+              </a:lnSpc>
+              <a:spcBef>
+                <a:spcPts val="500"/>
+              </a:spcBef>
+              <a:buFont typeface="Arial" panose="020B0604020202020204" pitchFamily="34" charset="0"/>
+              <a:buNone/>
+              <a:defRPr sz="1800" kern="1200">
+                <a:solidFill>
+                  <a:schemeClr val="tx1"/>
+                </a:solidFill>
+                <a:latin typeface="+mn-lt"/>
+                <a:ea typeface="+mn-ea"/>
+                <a:cs typeface="+mn-cs"/>
+              </a:defRPr>
+            </a:lvl3pPr>
+            <a:lvl4pPr marL="1371600" indent="0" algn="ctr" defTabSz="914400" rtl="0" eaLnBrk="1" latinLnBrk="0" hangingPunct="1">
+              <a:lnSpc>
+                <a:spcPct val="90000"/>
+              </a:lnSpc>
+              <a:spcBef>
+                <a:spcPts val="500"/>
+              </a:spcBef>
+              <a:buFont typeface="Arial" panose="020B0604020202020204" pitchFamily="34" charset="0"/>
+              <a:buNone/>
+              <a:defRPr sz="1600" kern="1200">
+                <a:solidFill>
+                  <a:schemeClr val="tx1"/>
+                </a:solidFill>
+                <a:latin typeface="+mn-lt"/>
+                <a:ea typeface="+mn-ea"/>
+                <a:cs typeface="+mn-cs"/>
+              </a:defRPr>
+            </a:lvl4pPr>
+            <a:lvl5pPr marL="1828800" indent="0" algn="ctr" defTabSz="914400" rtl="0" eaLnBrk="1" latinLnBrk="0" hangingPunct="1">
+              <a:lnSpc>
+                <a:spcPct val="90000"/>
+              </a:lnSpc>
+              <a:spcBef>
+                <a:spcPts val="500"/>
+              </a:spcBef>
+              <a:buFont typeface="Arial" panose="020B0604020202020204" pitchFamily="34" charset="0"/>
+              <a:buNone/>
+              <a:defRPr sz="1600" kern="1200">
+                <a:solidFill>
+                  <a:schemeClr val="tx1"/>
+                </a:solidFill>
+                <a:latin typeface="+mn-lt"/>
+                <a:ea typeface="+mn-ea"/>
+                <a:cs typeface="+mn-cs"/>
+              </a:defRPr>
+            </a:lvl5pPr>
+            <a:lvl6pPr marL="2286000" indent="0" algn="ctr" defTabSz="914400" rtl="0" eaLnBrk="1" latinLnBrk="0" hangingPunct="1">
+              <a:lnSpc>
+                <a:spcPct val="90000"/>
+              </a:lnSpc>
+              <a:spcBef>
+                <a:spcPts val="500"/>
+              </a:spcBef>
+              <a:buFont typeface="Arial" panose="020B0604020202020204" pitchFamily="34" charset="0"/>
+              <a:buNone/>
+              <a:defRPr sz="1600" kern="1200">
+                <a:solidFill>
+                  <a:schemeClr val="tx1"/>
+                </a:solidFill>
+                <a:latin typeface="+mn-lt"/>
+                <a:ea typeface="+mn-ea"/>
+                <a:cs typeface="+mn-cs"/>
+              </a:defRPr>
+            </a:lvl6pPr>
+            <a:lvl7pPr marL="2743200" indent="0" algn="ctr" defTabSz="914400" rtl="0" eaLnBrk="1" latinLnBrk="0" hangingPunct="1">
+              <a:lnSpc>
+                <a:spcPct val="90000"/>
+              </a:lnSpc>
+              <a:spcBef>
+                <a:spcPts val="500"/>
+              </a:spcBef>
+              <a:buFont typeface="Arial" panose="020B0604020202020204" pitchFamily="34" charset="0"/>
+              <a:buNone/>
+              <a:defRPr sz="1600" kern="1200">
+                <a:solidFill>
+                  <a:schemeClr val="tx1"/>
+                </a:solidFill>
+                <a:latin typeface="+mn-lt"/>
+                <a:ea typeface="+mn-ea"/>
+                <a:cs typeface="+mn-cs"/>
+              </a:defRPr>
+            </a:lvl7pPr>
+            <a:lvl8pPr marL="3200400" indent="0" algn="ctr" defTabSz="914400" rtl="0" eaLnBrk="1" latinLnBrk="0" hangingPunct="1">
+              <a:lnSpc>
+                <a:spcPct val="90000"/>
+              </a:lnSpc>
+              <a:spcBef>
+                <a:spcPts val="500"/>
+              </a:spcBef>
+              <a:buFont typeface="Arial" panose="020B0604020202020204" pitchFamily="34" charset="0"/>
+              <a:buNone/>
+              <a:defRPr sz="1600" kern="1200">
+                <a:solidFill>
+                  <a:schemeClr val="tx1"/>
+                </a:solidFill>
+                <a:latin typeface="+mn-lt"/>
+                <a:ea typeface="+mn-ea"/>
+                <a:cs typeface="+mn-cs"/>
+              </a:defRPr>
+            </a:lvl8pPr>
+            <a:lvl9pPr marL="3657600" indent="0" algn="ctr" defTabSz="914400" rtl="0" eaLnBrk="1" latinLnBrk="0" hangingPunct="1">
+              <a:lnSpc>
+                <a:spcPct val="90000"/>
+              </a:lnSpc>
+              <a:spcBef>
+                <a:spcPts val="500"/>
+              </a:spcBef>
+              <a:buFont typeface="Arial" panose="020B0604020202020204" pitchFamily="34" charset="0"/>
+              <a:buNone/>
+              <a:defRPr sz="1600" kern="1200">
+                <a:solidFill>
+                  <a:schemeClr val="tx1"/>
+                </a:solidFill>
+                <a:latin typeface="+mn-lt"/>
+                <a:ea typeface="+mn-ea"/>
+                <a:cs typeface="+mn-cs"/>
+              </a:defRPr>
+            </a:lvl9pPr>
+          </a:lstStyle>
+          <a:p>
+            <a:r>
+              <a:rPr lang="fr-FR" sz="1200" b="1" spc="70" dirty="0">
+                <a:solidFill>
+                  <a:schemeClr val="bg2">
+                    <a:lumMod val="25000"/>
+                  </a:schemeClr>
+                </a:solidFill>
+                <a:cs typeface="Iskoola Pota" panose="020B0502040204020203" pitchFamily="34" charset="0"/>
+              </a:rPr>
+              <a:t>Corpus			Editeur de thésaurus			 Explorer</a:t>
+            </a:r>
+          </a:p>
+        </p:txBody>
+      </p:sp>
+      <p:sp>
+        <p:nvSpPr>
+          <p:cNvPr id="35" name="Titre 1">
+            <a:extLst>
+              <a:ext uri="{FF2B5EF4-FFF2-40B4-BE49-F238E27FC236}">
+                <a16:creationId xmlns:a16="http://schemas.microsoft.com/office/drawing/2014/main" id="{5D8B8CAD-FD89-4390-847C-8C87FA481B0B}"/>
+              </a:ext>
+            </a:extLst>
+          </p:cNvPr>
+          <p:cNvSpPr txBox="1">
+            <a:spLocks/>
+          </p:cNvSpPr>
+          <p:nvPr/>
+        </p:nvSpPr>
+        <p:spPr>
+          <a:xfrm>
+            <a:off x="-2" y="-27801"/>
+            <a:ext cx="12192000" cy="1132804"/>
+          </a:xfrm>
+          <a:prstGeom prst="rect">
+            <a:avLst/>
+          </a:prstGeom>
+          <a:solidFill>
+            <a:srgbClr val="000000">
+              <a:alpha val="69804"/>
+            </a:srgbClr>
+          </a:solidFill>
+        </p:spPr>
+        <p:txBody>
+          <a:bodyPr vert="horz" lIns="91440" tIns="45720" rIns="91440" bIns="45720" rtlCol="0" anchor="ctr">
+            <a:normAutofit/>
+          </a:bodyPr>
+          <a:lstStyle>
+            <a:lvl1pPr algn="ctr" defTabSz="914400" rtl="0" eaLnBrk="1" latinLnBrk="0" hangingPunct="1">
+              <a:lnSpc>
+                <a:spcPct val="90000"/>
+              </a:lnSpc>
+              <a:spcBef>
+                <a:spcPct val="0"/>
+              </a:spcBef>
+              <a:buNone/>
+              <a:defRPr sz="6000" kern="1200">
+                <a:solidFill>
+                  <a:schemeClr val="tx1"/>
+                </a:solidFill>
+                <a:latin typeface="+mj-lt"/>
+                <a:ea typeface="+mj-ea"/>
+                <a:cs typeface="+mj-cs"/>
+              </a:defRPr>
+            </a:lvl1pPr>
+          </a:lstStyle>
+          <a:p>
+            <a:r>
+              <a:rPr lang="fr-FR" sz="2000" kern="0" spc="220" dirty="0">
+                <a:solidFill>
+                  <a:schemeClr val="bg1">
+                    <a:lumMod val="95000"/>
+                  </a:schemeClr>
+                </a:solidFill>
+                <a:latin typeface="Bembo" panose="02020502050201020203" pitchFamily="18" charset="0"/>
+                <a:cs typeface="Iskoola Pota" panose="020B0604020202020204" pitchFamily="34" charset="0"/>
+              </a:rPr>
+              <a:t>SHERLOCK</a:t>
+            </a:r>
+            <a:endParaRPr lang="fr-FR" sz="800" spc="220" dirty="0">
+              <a:solidFill>
+                <a:schemeClr val="bg1">
+                  <a:lumMod val="95000"/>
+                </a:schemeClr>
+              </a:solidFill>
+              <a:latin typeface="Bembo" panose="02020502050201020203" pitchFamily="18" charset="0"/>
+            </a:endParaRPr>
+          </a:p>
+        </p:txBody>
+      </p:sp>
+      <p:sp>
+        <p:nvSpPr>
+          <p:cNvPr id="36" name="Rectangle 35">
+            <a:extLst>
+              <a:ext uri="{FF2B5EF4-FFF2-40B4-BE49-F238E27FC236}">
+                <a16:creationId xmlns:a16="http://schemas.microsoft.com/office/drawing/2014/main" id="{681669B9-C446-4578-8880-6DB09F1C08ED}"/>
+              </a:ext>
+            </a:extLst>
+          </p:cNvPr>
+          <p:cNvSpPr/>
+          <p:nvPr/>
+        </p:nvSpPr>
+        <p:spPr>
+          <a:xfrm>
+            <a:off x="-1" y="1400176"/>
+            <a:ext cx="12191999" cy="5457825"/>
+          </a:xfrm>
+          <a:prstGeom prst="rect">
+            <a:avLst/>
+          </a:prstGeom>
+          <a:gradFill>
+            <a:gsLst>
+              <a:gs pos="0">
+                <a:schemeClr val="bg2">
+                  <a:lumMod val="10000"/>
+                </a:schemeClr>
+              </a:gs>
+              <a:gs pos="48000">
+                <a:schemeClr val="bg2">
+                  <a:lumMod val="25000"/>
+                </a:schemeClr>
+              </a:gs>
+              <a:gs pos="100000">
+                <a:schemeClr val="bg2">
+                  <a:lumMod val="25000"/>
+                </a:schemeClr>
+              </a:gs>
+            </a:gsLst>
+            <a:lin ang="13500000" scaled="1"/>
+          </a:gradFill>
+          <a:ln>
+            <a:noFill/>
+          </a:ln>
+        </p:spPr>
+        <p:style>
+          <a:lnRef idx="2">
+            <a:schemeClr val="accent1">
+              <a:shade val="50000"/>
+            </a:schemeClr>
+          </a:lnRef>
+          <a:fillRef idx="1">
+            <a:schemeClr val="accent1"/>
+          </a:fillRef>
+          <a:effectRef idx="0">
+            <a:schemeClr val="accent1"/>
+          </a:effectRef>
+          <a:fontRef idx="minor">
+            <a:schemeClr val="lt1"/>
+          </a:fontRef>
+        </p:style>
+        <p:txBody>
+          <a:bodyPr rtlCol="0" anchor="ctr"/>
+          <a:lstStyle/>
+          <a:p>
+            <a:pPr algn="ctr"/>
+            <a:endParaRPr lang="fr-FR">
+              <a:solidFill>
+                <a:schemeClr val="bg2">
+                  <a:lumMod val="25000"/>
+                </a:schemeClr>
+              </a:solidFill>
+            </a:endParaRPr>
+          </a:p>
+        </p:txBody>
+      </p:sp>
+      <p:sp>
+        <p:nvSpPr>
+          <p:cNvPr id="38" name="Rectangle : coins arrondis 37">
+            <a:extLst>
+              <a:ext uri="{FF2B5EF4-FFF2-40B4-BE49-F238E27FC236}">
+                <a16:creationId xmlns:a16="http://schemas.microsoft.com/office/drawing/2014/main" id="{B0D1982E-6517-4E80-BDDE-AA4381BA74CE}"/>
+              </a:ext>
+            </a:extLst>
+          </p:cNvPr>
+          <p:cNvSpPr/>
+          <p:nvPr/>
+        </p:nvSpPr>
+        <p:spPr>
+          <a:xfrm>
+            <a:off x="4375071" y="1610660"/>
+            <a:ext cx="3441854" cy="209447"/>
+          </a:xfrm>
+          <a:prstGeom prst="roundRect">
+            <a:avLst/>
+          </a:prstGeom>
+          <a:solidFill>
+            <a:schemeClr val="bg1"/>
+          </a:solidFill>
+          <a:ln>
+            <a:solidFill>
+              <a:schemeClr val="bg1">
+                <a:lumMod val="95000"/>
+              </a:schemeClr>
+            </a:solidFill>
+          </a:ln>
+        </p:spPr>
+        <p:style>
+          <a:lnRef idx="2">
+            <a:schemeClr val="accent1">
+              <a:shade val="50000"/>
+            </a:schemeClr>
+          </a:lnRef>
+          <a:fillRef idx="1">
+            <a:schemeClr val="accent1"/>
+          </a:fillRef>
+          <a:effectRef idx="0">
+            <a:schemeClr val="accent1"/>
+          </a:effectRef>
+          <a:fontRef idx="minor">
+            <a:schemeClr val="lt1"/>
+          </a:fontRef>
+        </p:style>
+        <p:txBody>
+          <a:bodyPr rtlCol="0" anchor="ctr"/>
+          <a:lstStyle/>
+          <a:p>
+            <a:r>
+              <a:rPr lang="fr-FR" sz="1200" dirty="0">
+                <a:solidFill>
+                  <a:schemeClr val="bg1">
+                    <a:lumMod val="65000"/>
+                  </a:schemeClr>
+                </a:solidFill>
+                <a:latin typeface="+mj-lt"/>
+              </a:rPr>
+              <a:t>Recherche			   </a:t>
+            </a:r>
+            <a:r>
+              <a:rPr lang="fr-FR" sz="1200" b="1" dirty="0">
+                <a:solidFill>
+                  <a:schemeClr val="accent4">
+                    <a:lumMod val="75000"/>
+                  </a:schemeClr>
+                </a:solidFill>
+                <a:latin typeface="+mj-lt"/>
+              </a:rPr>
+              <a:t>Filtrer</a:t>
+            </a:r>
+          </a:p>
+        </p:txBody>
+      </p:sp>
+      <p:pic>
+        <p:nvPicPr>
+          <p:cNvPr id="39" name="Image 38" descr="Une image contenant texte&#10;&#10;Description générée automatiquement">
+            <a:extLst>
+              <a:ext uri="{FF2B5EF4-FFF2-40B4-BE49-F238E27FC236}">
+                <a16:creationId xmlns:a16="http://schemas.microsoft.com/office/drawing/2014/main" id="{0B965F95-78B9-4402-A93F-553B51C12BE6}"/>
+              </a:ext>
+            </a:extLst>
+          </p:cNvPr>
+          <p:cNvPicPr>
+            <a:picLocks noChangeAspect="1"/>
+          </p:cNvPicPr>
+          <p:nvPr/>
+        </p:nvPicPr>
+        <p:blipFill rotWithShape="1">
+          <a:blip r:embed="rId4">
+            <a:extLst>
+              <a:ext uri="{28A0092B-C50C-407E-A947-70E740481C1C}">
+                <a14:useLocalDpi xmlns:a14="http://schemas.microsoft.com/office/drawing/2010/main" val="0"/>
+              </a:ext>
+            </a:extLst>
+          </a:blip>
+          <a:srcRect l="5994" t="2777" r="6110" b="37288"/>
+          <a:stretch/>
+        </p:blipFill>
+        <p:spPr>
+          <a:xfrm>
+            <a:off x="2066462" y="2344834"/>
+            <a:ext cx="3441854" cy="3346978"/>
+          </a:xfrm>
+          <a:prstGeom prst="rect">
+            <a:avLst/>
+          </a:prstGeom>
+          <a:solidFill>
+            <a:srgbClr val="FFFFFF">
+              <a:shade val="85000"/>
+            </a:srgbClr>
+          </a:solidFill>
+          <a:ln w="19050" cap="sq">
+            <a:solidFill>
+              <a:schemeClr val="accent4">
+                <a:lumMod val="60000"/>
+                <a:lumOff val="40000"/>
+              </a:schemeClr>
+            </a:solidFill>
+            <a:miter lim="800000"/>
+          </a:ln>
+          <a:effectLst>
+            <a:outerShdw blurRad="50800" dist="38100" dir="8100000" algn="tr" rotWithShape="0">
+              <a:prstClr val="black">
+                <a:alpha val="40000"/>
+              </a:prstClr>
+            </a:outerShdw>
+          </a:effectLst>
+          <a:scene3d>
+            <a:camera prst="orthographicFront">
+              <a:rot lat="0" lon="0" rev="360000"/>
+            </a:camera>
+            <a:lightRig rig="twoPt" dir="t">
+              <a:rot lat="0" lon="0" rev="7200000"/>
+            </a:lightRig>
+          </a:scene3d>
+          <a:sp3d contourW="12700">
+            <a:bevelT w="25400" h="19050"/>
+            <a:contourClr>
+              <a:srgbClr val="969696"/>
+            </a:contourClr>
+          </a:sp3d>
+        </p:spPr>
+      </p:pic>
+      <p:pic>
+        <p:nvPicPr>
+          <p:cNvPr id="40" name="Image 39" descr="Une image contenant musique, assis, violon, table&#10;&#10;Description générée automatiquement">
+            <a:extLst>
+              <a:ext uri="{FF2B5EF4-FFF2-40B4-BE49-F238E27FC236}">
+                <a16:creationId xmlns:a16="http://schemas.microsoft.com/office/drawing/2014/main" id="{51CB0661-3D42-44BC-9124-8B53A50DC94E}"/>
+              </a:ext>
+            </a:extLst>
+          </p:cNvPr>
+          <p:cNvPicPr>
+            <a:picLocks noChangeAspect="1"/>
+          </p:cNvPicPr>
+          <p:nvPr/>
+        </p:nvPicPr>
+        <p:blipFill rotWithShape="1">
+          <a:blip r:embed="rId5">
+            <a:extLst>
+              <a:ext uri="{BEBA8EAE-BF5A-486C-A8C5-ECC9F3942E4B}">
+                <a14:imgProps xmlns:a14="http://schemas.microsoft.com/office/drawing/2010/main">
+                  <a14:imgLayer r:embed="rId6">
+                    <a14:imgEffect>
+                      <a14:brightnessContrast contrast="-40000"/>
+                    </a14:imgEffect>
+                  </a14:imgLayer>
+                </a14:imgProps>
+              </a:ext>
+              <a:ext uri="{28A0092B-C50C-407E-A947-70E740481C1C}">
+                <a14:useLocalDpi xmlns:a14="http://schemas.microsoft.com/office/drawing/2010/main" val="0"/>
+              </a:ext>
+            </a:extLst>
+          </a:blip>
+          <a:srcRect l="12394" r="7799"/>
+          <a:stretch/>
+        </p:blipFill>
+        <p:spPr>
+          <a:xfrm>
+            <a:off x="6843822" y="2344834"/>
+            <a:ext cx="3614627" cy="3346978"/>
+          </a:xfrm>
+          <a:prstGeom prst="snip2DiagRect">
+            <a:avLst/>
+          </a:prstGeom>
+          <a:solidFill>
+            <a:srgbClr val="FFFFFF">
+              <a:shade val="85000"/>
+            </a:srgbClr>
+          </a:solidFill>
+          <a:ln w="9525" cap="sq">
+            <a:solidFill>
+              <a:schemeClr val="accent4">
+                <a:lumMod val="75000"/>
+              </a:schemeClr>
+            </a:solidFill>
+            <a:miter lim="800000"/>
+          </a:ln>
+          <a:effectLst>
+            <a:outerShdw blurRad="50800" dist="38100" dir="8100000" algn="tr" rotWithShape="0">
+              <a:prstClr val="black">
+                <a:alpha val="40000"/>
+              </a:prstClr>
+            </a:outerShdw>
+          </a:effectLst>
+        </p:spPr>
+      </p:pic>
+      <p:sp>
+        <p:nvSpPr>
+          <p:cNvPr id="41" name="ZoneTexte 40">
+            <a:extLst>
+              <a:ext uri="{FF2B5EF4-FFF2-40B4-BE49-F238E27FC236}">
+                <a16:creationId xmlns:a16="http://schemas.microsoft.com/office/drawing/2014/main" id="{ABA35D1B-F07F-4207-8CDF-FA3D1EE8148E}"/>
+              </a:ext>
+            </a:extLst>
+          </p:cNvPr>
+          <p:cNvSpPr txBox="1"/>
+          <p:nvPr/>
+        </p:nvSpPr>
+        <p:spPr>
+          <a:xfrm>
+            <a:off x="7338137" y="3257403"/>
+            <a:ext cx="2658058" cy="1323439"/>
+          </a:xfrm>
+          <a:prstGeom prst="rect">
+            <a:avLst/>
+          </a:prstGeom>
+          <a:noFill/>
+        </p:spPr>
+        <p:txBody>
+          <a:bodyPr wrap="square" rtlCol="0">
+            <a:spAutoFit/>
+          </a:bodyPr>
+          <a:lstStyle/>
+          <a:p>
+            <a:pPr algn="ctr"/>
+            <a:r>
+              <a:rPr lang="fr-FR" sz="4000" dirty="0">
+                <a:solidFill>
+                  <a:schemeClr val="bg1">
+                    <a:lumMod val="95000"/>
+                  </a:schemeClr>
+                </a:solidFill>
+                <a:effectLst>
+                  <a:outerShdw blurRad="38100" dist="38100" dir="2700000" algn="tl">
+                    <a:srgbClr val="000000">
+                      <a:alpha val="43137"/>
+                    </a:srgbClr>
+                  </a:outerShdw>
+                </a:effectLst>
+                <a:latin typeface="Gill Sans Nova Light" panose="020B0302020104020203" pitchFamily="34" charset="0"/>
+                <a:cs typeface="Iskoola Pota" panose="020B0502040204020203" pitchFamily="34" charset="0"/>
+              </a:rPr>
+              <a:t>Instruments de musique</a:t>
+            </a:r>
+          </a:p>
+        </p:txBody>
+      </p:sp>
+      <p:sp>
+        <p:nvSpPr>
+          <p:cNvPr id="50" name="Rectangle 49">
+            <a:extLst>
+              <a:ext uri="{FF2B5EF4-FFF2-40B4-BE49-F238E27FC236}">
+                <a16:creationId xmlns:a16="http://schemas.microsoft.com/office/drawing/2014/main" id="{1EA465C5-16E9-4CE7-858F-0FBCDA9527A5}"/>
+              </a:ext>
+            </a:extLst>
+          </p:cNvPr>
+          <p:cNvSpPr/>
+          <p:nvPr/>
+        </p:nvSpPr>
+        <p:spPr>
+          <a:xfrm>
+            <a:off x="10792668" y="143154"/>
+            <a:ext cx="1038225" cy="231195"/>
+          </a:xfrm>
+          <a:prstGeom prst="rect">
+            <a:avLst/>
+          </a:prstGeom>
+          <a:noFill/>
+          <a:ln>
+            <a:noFill/>
+          </a:ln>
+        </p:spPr>
+        <p:style>
+          <a:lnRef idx="2">
+            <a:schemeClr val="accent1">
+              <a:shade val="50000"/>
+            </a:schemeClr>
+          </a:lnRef>
+          <a:fillRef idx="1">
+            <a:schemeClr val="accent1"/>
+          </a:fillRef>
+          <a:effectRef idx="0">
+            <a:schemeClr val="accent1"/>
+          </a:effectRef>
+          <a:fontRef idx="minor">
+            <a:schemeClr val="lt1"/>
+          </a:fontRef>
+        </p:style>
+        <p:txBody>
+          <a:bodyPr rtlCol="0" anchor="ctr"/>
+          <a:lstStyle/>
+          <a:p>
+            <a:pPr algn="ctr"/>
+            <a:r>
+              <a:rPr lang="fr-FR" sz="1100" spc="70" dirty="0">
+                <a:solidFill>
+                  <a:schemeClr val="accent4">
+                    <a:lumMod val="75000"/>
+                  </a:schemeClr>
+                </a:solidFill>
+              </a:rPr>
+              <a:t>Connexion</a:t>
+            </a:r>
+          </a:p>
+        </p:txBody>
+      </p:sp>
+      <p:pic>
+        <p:nvPicPr>
+          <p:cNvPr id="52" name="Image 51">
+            <a:extLst>
+              <a:ext uri="{FF2B5EF4-FFF2-40B4-BE49-F238E27FC236}">
+                <a16:creationId xmlns:a16="http://schemas.microsoft.com/office/drawing/2014/main" id="{2C9E1997-AF11-4050-A3BA-9F6AA37B7007}"/>
+              </a:ext>
+            </a:extLst>
+          </p:cNvPr>
+          <p:cNvPicPr>
+            <a:picLocks noChangeAspect="1"/>
+          </p:cNvPicPr>
+          <p:nvPr/>
+        </p:nvPicPr>
+        <p:blipFill>
+          <a:blip r:embed="rId7">
+            <a:duotone>
+              <a:schemeClr val="accent4">
+                <a:shade val="45000"/>
+                <a:satMod val="135000"/>
+              </a:schemeClr>
+              <a:prstClr val="white"/>
+            </a:duotone>
+            <a:extLst>
+              <a:ext uri="{28A0092B-C50C-407E-A947-70E740481C1C}">
+                <a14:useLocalDpi xmlns:a14="http://schemas.microsoft.com/office/drawing/2010/main" val="0"/>
+              </a:ext>
+            </a:extLst>
+          </a:blip>
+          <a:stretch>
+            <a:fillRect/>
+          </a:stretch>
+        </p:blipFill>
+        <p:spPr>
+          <a:xfrm>
+            <a:off x="11723897" y="151756"/>
+            <a:ext cx="213992" cy="213992"/>
+          </a:xfrm>
+          <a:prstGeom prst="rect">
+            <a:avLst/>
+          </a:prstGeom>
+        </p:spPr>
+      </p:pic>
+      <p:graphicFrame>
+        <p:nvGraphicFramePr>
+          <p:cNvPr id="2" name="Tableau 6">
+            <a:extLst>
+              <a:ext uri="{FF2B5EF4-FFF2-40B4-BE49-F238E27FC236}">
+                <a16:creationId xmlns:a16="http://schemas.microsoft.com/office/drawing/2014/main" id="{DD6D6433-AF03-4E9A-8A3D-AC7AB6744B50}"/>
+              </a:ext>
+            </a:extLst>
+          </p:cNvPr>
+          <p:cNvGraphicFramePr>
+            <a:graphicFrameLocks noGrp="1"/>
+          </p:cNvGraphicFramePr>
+          <p:nvPr>
+            <p:extLst>
+              <p:ext uri="{D42A27DB-BD31-4B8C-83A1-F6EECF244321}">
+                <p14:modId xmlns:p14="http://schemas.microsoft.com/office/powerpoint/2010/main" val="3558537494"/>
+              </p:ext>
+            </p:extLst>
+          </p:nvPr>
+        </p:nvGraphicFramePr>
+        <p:xfrm>
+          <a:off x="7324627" y="1820107"/>
+          <a:ext cx="984596" cy="541026"/>
+        </p:xfrm>
+        <a:graphic>
+          <a:graphicData uri="http://schemas.openxmlformats.org/drawingml/2006/table">
+            <a:tbl>
+              <a:tblPr firstRow="1" bandRow="1">
+                <a:tableStyleId>{0505E3EF-67EA-436B-97B2-0124C06EBD24}</a:tableStyleId>
+              </a:tblPr>
+              <a:tblGrid>
+                <a:gridCol w="984596">
+                  <a:extLst>
+                    <a:ext uri="{9D8B030D-6E8A-4147-A177-3AD203B41FA5}">
+                      <a16:colId xmlns:a16="http://schemas.microsoft.com/office/drawing/2014/main" val="3337478032"/>
+                    </a:ext>
+                  </a:extLst>
+                </a:gridCol>
+              </a:tblGrid>
+              <a:tr h="270513">
+                <a:tc>
+                  <a:txBody>
+                    <a:bodyPr/>
+                    <a:lstStyle/>
+                    <a:p>
+                      <a:r>
+                        <a:rPr lang="fr-FR" sz="900" b="0" dirty="0"/>
+                        <a:t>Corpus</a:t>
+                      </a:r>
+                    </a:p>
+                  </a:txBody>
+                  <a:tcPr anchor="ctr">
+                    <a:lnL w="12700" cmpd="sng">
+                      <a:noFill/>
+                    </a:lnL>
+                    <a:lnR w="12700" cmpd="sng">
+                      <a:noFill/>
+                    </a:lnR>
+                    <a:lnT w="12700" cmpd="sng">
+                      <a:noFill/>
+                    </a:lnT>
+                    <a:lnB w="12700" cmpd="sng">
+                      <a:noFill/>
+                    </a:lnB>
+                    <a:lnTlToBr w="12700" cmpd="sng">
+                      <a:noFill/>
+                      <a:prstDash val="solid"/>
+                    </a:lnTlToBr>
+                    <a:lnBlToTr w="12700" cmpd="sng">
+                      <a:noFill/>
+                      <a:prstDash val="solid"/>
+                    </a:lnBlToTr>
+                  </a:tcPr>
+                </a:tc>
+                <a:extLst>
+                  <a:ext uri="{0D108BD9-81ED-4DB2-BD59-A6C34878D82A}">
+                    <a16:rowId xmlns:a16="http://schemas.microsoft.com/office/drawing/2014/main" val="2621617038"/>
+                  </a:ext>
+                </a:extLst>
+              </a:tr>
+              <a:tr h="270513">
+                <a:tc>
+                  <a:txBody>
+                    <a:bodyPr/>
+                    <a:lstStyle/>
+                    <a:p>
+                      <a:r>
+                        <a:rPr lang="fr-FR" sz="900" dirty="0"/>
+                        <a:t>Type de champ</a:t>
+                      </a:r>
+                    </a:p>
+                  </a:txBody>
+                  <a:tcPr anchor="ctr">
+                    <a:lnL w="12700" cmpd="sng">
+                      <a:noFill/>
+                    </a:lnL>
+                    <a:lnR w="12700" cmpd="sng">
+                      <a:noFill/>
+                    </a:lnR>
+                    <a:lnT w="12700" cmpd="sng">
+                      <a:noFill/>
+                    </a:lnT>
+                    <a:lnB w="12700" cmpd="sng">
+                      <a:noFill/>
+                    </a:lnB>
+                    <a:lnTlToBr w="12700" cmpd="sng">
+                      <a:noFill/>
+                      <a:prstDash val="solid"/>
+                    </a:lnTlToBr>
+                    <a:lnBlToTr w="12700" cmpd="sng">
+                      <a:noFill/>
+                      <a:prstDash val="solid"/>
+                    </a:lnBlToTr>
+                  </a:tcPr>
+                </a:tc>
+                <a:extLst>
+                  <a:ext uri="{0D108BD9-81ED-4DB2-BD59-A6C34878D82A}">
+                    <a16:rowId xmlns:a16="http://schemas.microsoft.com/office/drawing/2014/main" val="2911533550"/>
+                  </a:ext>
+                </a:extLst>
+              </a:tr>
+            </a:tbl>
+          </a:graphicData>
+        </a:graphic>
+      </p:graphicFrame>
+      <p:graphicFrame>
+        <p:nvGraphicFramePr>
+          <p:cNvPr id="4" name="Tableau 6">
+            <a:extLst>
+              <a:ext uri="{FF2B5EF4-FFF2-40B4-BE49-F238E27FC236}">
+                <a16:creationId xmlns:a16="http://schemas.microsoft.com/office/drawing/2014/main" id="{D91C0E1D-4E4F-422C-BA84-88177BD0D3E4}"/>
+              </a:ext>
+            </a:extLst>
+          </p:cNvPr>
+          <p:cNvGraphicFramePr>
+            <a:graphicFrameLocks noGrp="1"/>
+          </p:cNvGraphicFramePr>
+          <p:nvPr>
+            <p:extLst>
+              <p:ext uri="{D42A27DB-BD31-4B8C-83A1-F6EECF244321}">
+                <p14:modId xmlns:p14="http://schemas.microsoft.com/office/powerpoint/2010/main" val="2140539631"/>
+              </p:ext>
+            </p:extLst>
+          </p:nvPr>
+        </p:nvGraphicFramePr>
+        <p:xfrm>
+          <a:off x="8309223" y="1820107"/>
+          <a:ext cx="984596" cy="1134760"/>
+        </p:xfrm>
+        <a:graphic>
+          <a:graphicData uri="http://schemas.openxmlformats.org/drawingml/2006/table">
+            <a:tbl>
+              <a:tblPr firstRow="1" bandRow="1">
+                <a:tableStyleId>{0505E3EF-67EA-436B-97B2-0124C06EBD24}</a:tableStyleId>
+              </a:tblPr>
+              <a:tblGrid>
+                <a:gridCol w="984596">
+                  <a:extLst>
+                    <a:ext uri="{9D8B030D-6E8A-4147-A177-3AD203B41FA5}">
+                      <a16:colId xmlns:a16="http://schemas.microsoft.com/office/drawing/2014/main" val="3337478032"/>
+                    </a:ext>
+                  </a:extLst>
+                </a:gridCol>
+              </a:tblGrid>
+              <a:tr h="258880">
+                <a:tc>
+                  <a:txBody>
+                    <a:bodyPr/>
+                    <a:lstStyle/>
+                    <a:p>
+                      <a:r>
+                        <a:rPr lang="fr-FR" sz="900" b="0" dirty="0"/>
+                        <a:t>Mercure Galant</a:t>
+                      </a:r>
+                    </a:p>
+                  </a:txBody>
+                  <a:tcPr anchor="ctr">
+                    <a:lnL w="12700" cmpd="sng">
+                      <a:noFill/>
+                    </a:lnL>
+                    <a:lnR w="12700" cmpd="sng">
+                      <a:noFill/>
+                    </a:lnR>
+                    <a:lnT w="12700" cmpd="sng">
+                      <a:noFill/>
+                    </a:lnT>
+                    <a:lnB w="12700" cmpd="sng">
+                      <a:noFill/>
+                    </a:lnB>
+                    <a:lnTlToBr w="12700" cmpd="sng">
+                      <a:noFill/>
+                      <a:prstDash val="solid"/>
+                    </a:lnTlToBr>
+                    <a:lnBlToTr w="12700" cmpd="sng">
+                      <a:noFill/>
+                      <a:prstDash val="solid"/>
+                    </a:lnBlToTr>
+                  </a:tcPr>
+                </a:tc>
+                <a:extLst>
+                  <a:ext uri="{0D108BD9-81ED-4DB2-BD59-A6C34878D82A}">
+                    <a16:rowId xmlns:a16="http://schemas.microsoft.com/office/drawing/2014/main" val="2621617038"/>
+                  </a:ext>
+                </a:extLst>
+              </a:tr>
+              <a:tr h="306345">
+                <a:tc>
+                  <a:txBody>
+                    <a:bodyPr/>
+                    <a:lstStyle/>
+                    <a:p>
+                      <a:r>
+                        <a:rPr lang="fr-FR" sz="900" dirty="0" err="1"/>
+                        <a:t>Sequentia</a:t>
+                      </a:r>
+                      <a:endParaRPr lang="fr-FR" sz="900" dirty="0"/>
+                    </a:p>
+                  </a:txBody>
+                  <a:tcPr anchor="ctr">
+                    <a:lnL w="12700" cmpd="sng">
+                      <a:noFill/>
+                    </a:lnL>
+                    <a:lnR w="12700" cmpd="sng">
+                      <a:noFill/>
+                    </a:lnR>
+                    <a:lnT w="12700" cmpd="sng">
+                      <a:noFill/>
+                    </a:lnT>
+                    <a:lnB w="12700" cmpd="sng">
+                      <a:noFill/>
+                    </a:lnB>
+                    <a:lnTlToBr w="12700" cmpd="sng">
+                      <a:noFill/>
+                      <a:prstDash val="solid"/>
+                    </a:lnTlToBr>
+                    <a:lnBlToTr w="12700" cmpd="sng">
+                      <a:noFill/>
+                      <a:prstDash val="solid"/>
+                    </a:lnBlToTr>
+                  </a:tcPr>
+                </a:tc>
+                <a:extLst>
+                  <a:ext uri="{0D108BD9-81ED-4DB2-BD59-A6C34878D82A}">
+                    <a16:rowId xmlns:a16="http://schemas.microsoft.com/office/drawing/2014/main" val="2911533550"/>
+                  </a:ext>
+                </a:extLst>
+              </a:tr>
+              <a:tr h="569535">
+                <a:tc>
+                  <a:txBody>
+                    <a:bodyPr/>
+                    <a:lstStyle/>
+                    <a:p>
+                      <a:r>
+                        <a:rPr lang="fr-FR" sz="900" dirty="0"/>
+                        <a:t>Terminologie d’instruments de musique</a:t>
+                      </a:r>
+                    </a:p>
+                  </a:txBody>
+                  <a:tcPr anchor="ctr">
+                    <a:lnL w="12700" cmpd="sng">
+                      <a:noFill/>
+                    </a:lnL>
+                    <a:lnR w="12700" cmpd="sng">
+                      <a:noFill/>
+                    </a:lnR>
+                    <a:lnT w="12700" cmpd="sng">
+                      <a:noFill/>
+                    </a:lnT>
+                    <a:lnB w="12700" cmpd="sng">
+                      <a:noFill/>
+                    </a:lnB>
+                    <a:lnTlToBr w="12700" cmpd="sng">
+                      <a:noFill/>
+                      <a:prstDash val="solid"/>
+                    </a:lnTlToBr>
+                    <a:lnBlToTr w="12700" cmpd="sng">
+                      <a:noFill/>
+                      <a:prstDash val="solid"/>
+                    </a:lnBlToTr>
+                  </a:tcPr>
+                </a:tc>
+                <a:extLst>
+                  <a:ext uri="{0D108BD9-81ED-4DB2-BD59-A6C34878D82A}">
+                    <a16:rowId xmlns:a16="http://schemas.microsoft.com/office/drawing/2014/main" val="351893086"/>
+                  </a:ext>
+                </a:extLst>
+              </a:tr>
+            </a:tbl>
+          </a:graphicData>
+        </a:graphic>
+      </p:graphicFrame>
+      <p:sp>
+        <p:nvSpPr>
+          <p:cNvPr id="5" name="Triangle isocèle 4">
+            <a:extLst>
+              <a:ext uri="{FF2B5EF4-FFF2-40B4-BE49-F238E27FC236}">
+                <a16:creationId xmlns:a16="http://schemas.microsoft.com/office/drawing/2014/main" id="{A21678A4-EAF2-4D6C-BAFE-2F6A13CC13EE}"/>
+              </a:ext>
+            </a:extLst>
+          </p:cNvPr>
+          <p:cNvSpPr/>
+          <p:nvPr/>
+        </p:nvSpPr>
+        <p:spPr>
+          <a:xfrm rot="16200000" flipV="1">
+            <a:off x="8228580" y="1925486"/>
+            <a:ext cx="69850" cy="45719"/>
+          </a:xfrm>
+          <a:prstGeom prst="triangle">
+            <a:avLst>
+              <a:gd name="adj" fmla="val 50000"/>
+            </a:avLst>
+          </a:prstGeom>
+          <a:solidFill>
+            <a:schemeClr val="bg2">
+              <a:lumMod val="25000"/>
+            </a:schemeClr>
+          </a:solidFill>
+          <a:ln>
+            <a:solidFill>
+              <a:schemeClr val="bg2">
+                <a:lumMod val="10000"/>
+              </a:schemeClr>
+            </a:solidFill>
+          </a:ln>
+        </p:spPr>
+        <p:style>
+          <a:lnRef idx="2">
+            <a:schemeClr val="dk1">
+              <a:shade val="50000"/>
+            </a:schemeClr>
+          </a:lnRef>
+          <a:fillRef idx="1">
+            <a:schemeClr val="dk1"/>
+          </a:fillRef>
+          <a:effectRef idx="0">
+            <a:schemeClr val="dk1"/>
+          </a:effectRef>
+          <a:fontRef idx="minor">
+            <a:schemeClr val="lt1"/>
+          </a:fontRef>
+        </p:style>
+        <p:txBody>
+          <a:bodyPr rtlCol="0" anchor="ctr"/>
+          <a:lstStyle/>
+          <a:p>
+            <a:pPr algn="ctr"/>
+            <a:endParaRPr lang="fr-FR"/>
+          </a:p>
+        </p:txBody>
+      </p:sp>
+    </p:spTree>
+    <p:extLst>
+      <p:ext uri="{BB962C8B-B14F-4D97-AF65-F5344CB8AC3E}">
+        <p14:creationId xmlns:p14="http://schemas.microsoft.com/office/powerpoint/2010/main" val="325921751"/>
+      </p:ext>
+    </p:extLst>
+  </p:cSld>
+  <p:clrMapOvr>
+    <a:masterClrMapping/>
+  </p:clrMapOvr>
+</p:sld>
+</file>
+
+<file path=ppt/slides/slide3.xml><?xml version="1.0" encoding="utf-8"?>
+<p:sld xmlns:a="http://schemas.openxmlformats.org/drawingml/2006/main" xmlns:r="http://schemas.openxmlformats.org/officeDocument/2006/relationships" xmlns:p="http://schemas.openxmlformats.org/presentationml/2006/main">
+  <p:cSld>
+    <p:spTree>
+      <p:nvGrpSpPr>
+        <p:cNvPr id="1" name=""/>
+        <p:cNvGrpSpPr/>
+        <p:nvPr/>
+      </p:nvGrpSpPr>
+      <p:grpSpPr>
+        <a:xfrm>
+          <a:off x="0" y="0"/>
+          <a:ext cx="0" cy="0"/>
+          <a:chOff x="0" y="0"/>
+          <a:chExt cx="0" cy="0"/>
+        </a:xfrm>
+      </p:grpSpPr>
+      <p:pic>
+        <p:nvPicPr>
+          <p:cNvPr id="21" name="Image 20">
+            <a:extLst>
+              <a:ext uri="{FF2B5EF4-FFF2-40B4-BE49-F238E27FC236}">
+                <a16:creationId xmlns:a16="http://schemas.microsoft.com/office/drawing/2014/main" id="{3736EEFF-71AB-4B81-BF71-ACED14F93918}"/>
+              </a:ext>
+            </a:extLst>
+          </p:cNvPr>
+          <p:cNvPicPr>
+            <a:picLocks noChangeAspect="1"/>
+          </p:cNvPicPr>
+          <p:nvPr/>
+        </p:nvPicPr>
+        <p:blipFill rotWithShape="1">
+          <a:blip r:embed="rId2">
+            <a:extLst>
+              <a:ext uri="{BEBA8EAE-BF5A-486C-A8C5-ECC9F3942E4B}">
+                <a14:imgProps xmlns:a14="http://schemas.microsoft.com/office/drawing/2010/main">
+                  <a14:imgLayer r:embed="rId3">
+                    <a14:imgEffect>
+                      <a14:saturation sat="0"/>
+                    </a14:imgEffect>
+                    <a14:imgEffect>
+                      <a14:brightnessContrast bright="20000" contrast="-20000"/>
+                    </a14:imgEffect>
+                  </a14:imgLayer>
+                </a14:imgProps>
+              </a:ext>
+              <a:ext uri="{28A0092B-C50C-407E-A947-70E740481C1C}">
+                <a14:useLocalDpi xmlns:a14="http://schemas.microsoft.com/office/drawing/2010/main" val="0"/>
+              </a:ext>
+            </a:extLst>
+          </a:blip>
+          <a:srcRect l="1692" t="7013" r="4436" b="77596"/>
+          <a:stretch/>
+        </p:blipFill>
+        <p:spPr>
+          <a:xfrm>
+            <a:off x="0" y="-18900"/>
+            <a:ext cx="12192000" cy="1537235"/>
+          </a:xfrm>
+          <a:prstGeom prst="rect">
+            <a:avLst/>
+          </a:prstGeom>
+          <a:gradFill flip="none" rotWithShape="1">
+            <a:gsLst>
+              <a:gs pos="0">
+                <a:schemeClr val="accent1">
+                  <a:shade val="30000"/>
+                  <a:satMod val="115000"/>
+                </a:schemeClr>
+              </a:gs>
+              <a:gs pos="50000">
+                <a:schemeClr val="accent1">
+                  <a:shade val="67500"/>
+                  <a:satMod val="115000"/>
+                </a:schemeClr>
+              </a:gs>
+              <a:gs pos="100000">
+                <a:schemeClr val="accent1">
+                  <a:shade val="100000"/>
+                  <a:satMod val="115000"/>
+                </a:schemeClr>
+              </a:gs>
+            </a:gsLst>
+            <a:lin ang="13500000" scaled="1"/>
+            <a:tileRect/>
+          </a:gradFill>
+          <a:effectLst>
+            <a:innerShdw blurRad="1270000" dist="2540000">
+              <a:prstClr val="black">
+                <a:alpha val="58000"/>
+              </a:prstClr>
+            </a:innerShdw>
+          </a:effectLst>
+        </p:spPr>
+      </p:pic>
+      <p:sp>
+        <p:nvSpPr>
+          <p:cNvPr id="29" name="Sous-titre 2">
+            <a:extLst>
+              <a:ext uri="{FF2B5EF4-FFF2-40B4-BE49-F238E27FC236}">
+                <a16:creationId xmlns:a16="http://schemas.microsoft.com/office/drawing/2014/main" id="{34DD89C6-6C25-4BEB-8CD4-BFB103026C35}"/>
+              </a:ext>
+            </a:extLst>
+          </p:cNvPr>
+          <p:cNvSpPr txBox="1">
+            <a:spLocks/>
+          </p:cNvSpPr>
+          <p:nvPr/>
+        </p:nvSpPr>
+        <p:spPr>
+          <a:xfrm>
+            <a:off x="0" y="1101664"/>
+            <a:ext cx="12192000" cy="298512"/>
+          </a:xfrm>
+          <a:prstGeom prst="rect">
+            <a:avLst/>
+          </a:prstGeom>
+          <a:solidFill>
+            <a:schemeClr val="bg1">
+              <a:lumMod val="95000"/>
+            </a:schemeClr>
+          </a:solidFill>
+        </p:spPr>
+        <p:txBody>
+          <a:bodyPr vert="horz" lIns="91440" tIns="45720" rIns="91440" bIns="45720" rtlCol="0" anchor="ctr">
+            <a:normAutofit/>
+          </a:bodyPr>
+          <a:lstStyle>
+            <a:lvl1pPr marL="0" indent="0" algn="ctr" defTabSz="914400" rtl="0" eaLnBrk="1" latinLnBrk="0" hangingPunct="1">
+              <a:lnSpc>
+                <a:spcPct val="90000"/>
+              </a:lnSpc>
+              <a:spcBef>
+                <a:spcPts val="1000"/>
+              </a:spcBef>
+              <a:buFont typeface="Arial" panose="020B0604020202020204" pitchFamily="34" charset="0"/>
+              <a:buNone/>
+              <a:defRPr sz="2400" kern="1200">
+                <a:solidFill>
+                  <a:schemeClr val="tx1"/>
+                </a:solidFill>
+                <a:latin typeface="+mn-lt"/>
+                <a:ea typeface="+mn-ea"/>
+                <a:cs typeface="+mn-cs"/>
+              </a:defRPr>
+            </a:lvl1pPr>
+            <a:lvl2pPr marL="457200" indent="0" algn="ctr" defTabSz="914400" rtl="0" eaLnBrk="1" latinLnBrk="0" hangingPunct="1">
+              <a:lnSpc>
+                <a:spcPct val="90000"/>
+              </a:lnSpc>
+              <a:spcBef>
+                <a:spcPts val="500"/>
+              </a:spcBef>
+              <a:buFont typeface="Arial" panose="020B0604020202020204" pitchFamily="34" charset="0"/>
+              <a:buNone/>
+              <a:defRPr sz="2000" kern="1200">
+                <a:solidFill>
+                  <a:schemeClr val="tx1"/>
+                </a:solidFill>
+                <a:latin typeface="+mn-lt"/>
+                <a:ea typeface="+mn-ea"/>
+                <a:cs typeface="+mn-cs"/>
+              </a:defRPr>
+            </a:lvl2pPr>
+            <a:lvl3pPr marL="914400" indent="0" algn="ctr" defTabSz="914400" rtl="0" eaLnBrk="1" latinLnBrk="0" hangingPunct="1">
+              <a:lnSpc>
+                <a:spcPct val="90000"/>
+              </a:lnSpc>
+              <a:spcBef>
+                <a:spcPts val="500"/>
+              </a:spcBef>
+              <a:buFont typeface="Arial" panose="020B0604020202020204" pitchFamily="34" charset="0"/>
+              <a:buNone/>
+              <a:defRPr sz="1800" kern="1200">
+                <a:solidFill>
+                  <a:schemeClr val="tx1"/>
+                </a:solidFill>
+                <a:latin typeface="+mn-lt"/>
+                <a:ea typeface="+mn-ea"/>
+                <a:cs typeface="+mn-cs"/>
+              </a:defRPr>
+            </a:lvl3pPr>
+            <a:lvl4pPr marL="1371600" indent="0" algn="ctr" defTabSz="914400" rtl="0" eaLnBrk="1" latinLnBrk="0" hangingPunct="1">
+              <a:lnSpc>
+                <a:spcPct val="90000"/>
+              </a:lnSpc>
+              <a:spcBef>
+                <a:spcPts val="500"/>
+              </a:spcBef>
+              <a:buFont typeface="Arial" panose="020B0604020202020204" pitchFamily="34" charset="0"/>
+              <a:buNone/>
+              <a:defRPr sz="1600" kern="1200">
+                <a:solidFill>
+                  <a:schemeClr val="tx1"/>
+                </a:solidFill>
+                <a:latin typeface="+mn-lt"/>
+                <a:ea typeface="+mn-ea"/>
+                <a:cs typeface="+mn-cs"/>
+              </a:defRPr>
+            </a:lvl4pPr>
+            <a:lvl5pPr marL="1828800" indent="0" algn="ctr" defTabSz="914400" rtl="0" eaLnBrk="1" latinLnBrk="0" hangingPunct="1">
+              <a:lnSpc>
+                <a:spcPct val="90000"/>
+              </a:lnSpc>
+              <a:spcBef>
+                <a:spcPts val="500"/>
+              </a:spcBef>
+              <a:buFont typeface="Arial" panose="020B0604020202020204" pitchFamily="34" charset="0"/>
+              <a:buNone/>
+              <a:defRPr sz="1600" kern="1200">
+                <a:solidFill>
+                  <a:schemeClr val="tx1"/>
+                </a:solidFill>
+                <a:latin typeface="+mn-lt"/>
+                <a:ea typeface="+mn-ea"/>
+                <a:cs typeface="+mn-cs"/>
+              </a:defRPr>
+            </a:lvl5pPr>
+            <a:lvl6pPr marL="2286000" indent="0" algn="ctr" defTabSz="914400" rtl="0" eaLnBrk="1" latinLnBrk="0" hangingPunct="1">
+              <a:lnSpc>
+                <a:spcPct val="90000"/>
+              </a:lnSpc>
+              <a:spcBef>
+                <a:spcPts val="500"/>
+              </a:spcBef>
+              <a:buFont typeface="Arial" panose="020B0604020202020204" pitchFamily="34" charset="0"/>
+              <a:buNone/>
+              <a:defRPr sz="1600" kern="1200">
+                <a:solidFill>
+                  <a:schemeClr val="tx1"/>
+                </a:solidFill>
+                <a:latin typeface="+mn-lt"/>
+                <a:ea typeface="+mn-ea"/>
+                <a:cs typeface="+mn-cs"/>
+              </a:defRPr>
+            </a:lvl6pPr>
+            <a:lvl7pPr marL="2743200" indent="0" algn="ctr" defTabSz="914400" rtl="0" eaLnBrk="1" latinLnBrk="0" hangingPunct="1">
+              <a:lnSpc>
+                <a:spcPct val="90000"/>
+              </a:lnSpc>
+              <a:spcBef>
+                <a:spcPts val="500"/>
+              </a:spcBef>
+              <a:buFont typeface="Arial" panose="020B0604020202020204" pitchFamily="34" charset="0"/>
+              <a:buNone/>
+              <a:defRPr sz="1600" kern="1200">
+                <a:solidFill>
+                  <a:schemeClr val="tx1"/>
+                </a:solidFill>
+                <a:latin typeface="+mn-lt"/>
+                <a:ea typeface="+mn-ea"/>
+                <a:cs typeface="+mn-cs"/>
+              </a:defRPr>
+            </a:lvl7pPr>
+            <a:lvl8pPr marL="3200400" indent="0" algn="ctr" defTabSz="914400" rtl="0" eaLnBrk="1" latinLnBrk="0" hangingPunct="1">
+              <a:lnSpc>
+                <a:spcPct val="90000"/>
+              </a:lnSpc>
+              <a:spcBef>
+                <a:spcPts val="500"/>
+              </a:spcBef>
+              <a:buFont typeface="Arial" panose="020B0604020202020204" pitchFamily="34" charset="0"/>
+              <a:buNone/>
+              <a:defRPr sz="1600" kern="1200">
+                <a:solidFill>
+                  <a:schemeClr val="tx1"/>
+                </a:solidFill>
+                <a:latin typeface="+mn-lt"/>
+                <a:ea typeface="+mn-ea"/>
+                <a:cs typeface="+mn-cs"/>
+              </a:defRPr>
+            </a:lvl8pPr>
+            <a:lvl9pPr marL="3657600" indent="0" algn="ctr" defTabSz="914400" rtl="0" eaLnBrk="1" latinLnBrk="0" hangingPunct="1">
+              <a:lnSpc>
+                <a:spcPct val="90000"/>
+              </a:lnSpc>
+              <a:spcBef>
+                <a:spcPts val="500"/>
+              </a:spcBef>
+              <a:buFont typeface="Arial" panose="020B0604020202020204" pitchFamily="34" charset="0"/>
+              <a:buNone/>
+              <a:defRPr sz="1600" kern="1200">
+                <a:solidFill>
+                  <a:schemeClr val="tx1"/>
+                </a:solidFill>
+                <a:latin typeface="+mn-lt"/>
+                <a:ea typeface="+mn-ea"/>
+                <a:cs typeface="+mn-cs"/>
+              </a:defRPr>
+            </a:lvl9pPr>
+          </a:lstStyle>
+          <a:p>
+            <a:r>
+              <a:rPr lang="fr-FR" sz="1200" b="1" spc="70" dirty="0">
+                <a:solidFill>
+                  <a:schemeClr val="bg2">
+                    <a:lumMod val="25000"/>
+                  </a:schemeClr>
+                </a:solidFill>
+                <a:cs typeface="Iskoola Pota" panose="020B0502040204020203" pitchFamily="34" charset="0"/>
+              </a:rPr>
+              <a:t>Corpus			Editeur de thésaurus			 Explorer</a:t>
+            </a:r>
+          </a:p>
+        </p:txBody>
+      </p:sp>
+      <p:sp>
+        <p:nvSpPr>
+          <p:cNvPr id="35" name="Titre 1">
+            <a:extLst>
+              <a:ext uri="{FF2B5EF4-FFF2-40B4-BE49-F238E27FC236}">
+                <a16:creationId xmlns:a16="http://schemas.microsoft.com/office/drawing/2014/main" id="{5D8B8CAD-FD89-4390-847C-8C87FA481B0B}"/>
+              </a:ext>
+            </a:extLst>
+          </p:cNvPr>
+          <p:cNvSpPr txBox="1">
+            <a:spLocks/>
+          </p:cNvSpPr>
+          <p:nvPr/>
+        </p:nvSpPr>
+        <p:spPr>
+          <a:xfrm>
+            <a:off x="-2" y="-27801"/>
+            <a:ext cx="12192000" cy="1132804"/>
+          </a:xfrm>
+          <a:prstGeom prst="rect">
+            <a:avLst/>
+          </a:prstGeom>
+          <a:solidFill>
+            <a:srgbClr val="000000">
+              <a:alpha val="69804"/>
+            </a:srgbClr>
+          </a:solidFill>
+        </p:spPr>
+        <p:txBody>
+          <a:bodyPr vert="horz" lIns="91440" tIns="45720" rIns="91440" bIns="45720" rtlCol="0" anchor="ctr">
+            <a:normAutofit/>
+          </a:bodyPr>
+          <a:lstStyle>
+            <a:lvl1pPr algn="ctr" defTabSz="914400" rtl="0" eaLnBrk="1" latinLnBrk="0" hangingPunct="1">
+              <a:lnSpc>
+                <a:spcPct val="90000"/>
+              </a:lnSpc>
+              <a:spcBef>
+                <a:spcPct val="0"/>
+              </a:spcBef>
+              <a:buNone/>
+              <a:defRPr sz="6000" kern="1200">
+                <a:solidFill>
+                  <a:schemeClr val="tx1"/>
+                </a:solidFill>
+                <a:latin typeface="+mj-lt"/>
+                <a:ea typeface="+mj-ea"/>
+                <a:cs typeface="+mj-cs"/>
+              </a:defRPr>
+            </a:lvl1pPr>
+          </a:lstStyle>
+          <a:p>
+            <a:r>
+              <a:rPr lang="fr-FR" sz="2000" kern="0" spc="220" dirty="0">
+                <a:solidFill>
+                  <a:schemeClr val="bg1">
+                    <a:lumMod val="95000"/>
+                  </a:schemeClr>
+                </a:solidFill>
+                <a:latin typeface="Bembo" panose="02020502050201020203" pitchFamily="18" charset="0"/>
+                <a:cs typeface="Iskoola Pota" panose="020B0604020202020204" pitchFamily="34" charset="0"/>
+              </a:rPr>
+              <a:t>SHERLOCK</a:t>
+            </a:r>
+            <a:endParaRPr lang="fr-FR" sz="800" spc="220" dirty="0">
+              <a:solidFill>
+                <a:schemeClr val="bg1">
+                  <a:lumMod val="95000"/>
+                </a:schemeClr>
+              </a:solidFill>
+              <a:latin typeface="Bembo" panose="02020502050201020203" pitchFamily="18" charset="0"/>
+            </a:endParaRPr>
+          </a:p>
+        </p:txBody>
+      </p:sp>
+      <p:sp>
+        <p:nvSpPr>
+          <p:cNvPr id="36" name="Rectangle 35">
+            <a:extLst>
+              <a:ext uri="{FF2B5EF4-FFF2-40B4-BE49-F238E27FC236}">
+                <a16:creationId xmlns:a16="http://schemas.microsoft.com/office/drawing/2014/main" id="{681669B9-C446-4578-8880-6DB09F1C08ED}"/>
+              </a:ext>
+            </a:extLst>
+          </p:cNvPr>
+          <p:cNvSpPr/>
+          <p:nvPr/>
+        </p:nvSpPr>
+        <p:spPr>
+          <a:xfrm>
+            <a:off x="-1" y="1400176"/>
+            <a:ext cx="12191999" cy="5457825"/>
+          </a:xfrm>
+          <a:prstGeom prst="rect">
+            <a:avLst/>
+          </a:prstGeom>
+          <a:gradFill>
+            <a:gsLst>
+              <a:gs pos="0">
+                <a:schemeClr val="bg2">
+                  <a:lumMod val="10000"/>
+                </a:schemeClr>
+              </a:gs>
+              <a:gs pos="48000">
+                <a:schemeClr val="bg2">
+                  <a:lumMod val="25000"/>
+                </a:schemeClr>
+              </a:gs>
+              <a:gs pos="100000">
+                <a:schemeClr val="bg2">
+                  <a:lumMod val="25000"/>
+                </a:schemeClr>
+              </a:gs>
+            </a:gsLst>
+            <a:lin ang="13500000" scaled="1"/>
+          </a:gradFill>
+          <a:ln>
+            <a:noFill/>
+          </a:ln>
+        </p:spPr>
+        <p:style>
+          <a:lnRef idx="2">
+            <a:schemeClr val="accent1">
+              <a:shade val="50000"/>
+            </a:schemeClr>
+          </a:lnRef>
+          <a:fillRef idx="1">
+            <a:schemeClr val="accent1"/>
+          </a:fillRef>
+          <a:effectRef idx="0">
+            <a:schemeClr val="accent1"/>
+          </a:effectRef>
+          <a:fontRef idx="minor">
+            <a:schemeClr val="lt1"/>
+          </a:fontRef>
+        </p:style>
+        <p:txBody>
+          <a:bodyPr rtlCol="0" anchor="ctr"/>
+          <a:lstStyle/>
+          <a:p>
+            <a:pPr algn="ctr"/>
+            <a:endParaRPr lang="fr-FR">
+              <a:solidFill>
+                <a:schemeClr val="bg2">
+                  <a:lumMod val="25000"/>
+                </a:schemeClr>
+              </a:solidFill>
+            </a:endParaRPr>
+          </a:p>
+        </p:txBody>
+      </p:sp>
+      <p:pic>
+        <p:nvPicPr>
+          <p:cNvPr id="39" name="Image 38" descr="Une image contenant texte&#10;&#10;Description générée automatiquement">
+            <a:extLst>
+              <a:ext uri="{FF2B5EF4-FFF2-40B4-BE49-F238E27FC236}">
+                <a16:creationId xmlns:a16="http://schemas.microsoft.com/office/drawing/2014/main" id="{0B965F95-78B9-4402-A93F-553B51C12BE6}"/>
+              </a:ext>
+            </a:extLst>
+          </p:cNvPr>
+          <p:cNvPicPr>
+            <a:picLocks noChangeAspect="1"/>
+          </p:cNvPicPr>
+          <p:nvPr/>
+        </p:nvPicPr>
+        <p:blipFill rotWithShape="1">
+          <a:blip r:embed="rId4">
+            <a:extLst>
+              <a:ext uri="{28A0092B-C50C-407E-A947-70E740481C1C}">
+                <a14:useLocalDpi xmlns:a14="http://schemas.microsoft.com/office/drawing/2010/main" val="0"/>
+              </a:ext>
+            </a:extLst>
+          </a:blip>
+          <a:srcRect l="5994" t="2777" r="6110" b="37288"/>
+          <a:stretch/>
+        </p:blipFill>
+        <p:spPr>
+          <a:xfrm>
+            <a:off x="2066462" y="2344834"/>
+            <a:ext cx="3441854" cy="3346978"/>
+          </a:xfrm>
+          <a:prstGeom prst="rect">
+            <a:avLst/>
+          </a:prstGeom>
+          <a:solidFill>
+            <a:srgbClr val="FFFFFF">
+              <a:shade val="85000"/>
+            </a:srgbClr>
+          </a:solidFill>
+          <a:ln w="19050" cap="sq">
+            <a:solidFill>
+              <a:schemeClr val="accent4">
+                <a:lumMod val="60000"/>
+                <a:lumOff val="40000"/>
+              </a:schemeClr>
+            </a:solidFill>
+            <a:miter lim="800000"/>
+          </a:ln>
+          <a:effectLst>
+            <a:outerShdw blurRad="50800" dist="38100" dir="8100000" algn="tr" rotWithShape="0">
+              <a:prstClr val="black">
+                <a:alpha val="40000"/>
+              </a:prstClr>
+            </a:outerShdw>
+          </a:effectLst>
+          <a:scene3d>
+            <a:camera prst="orthographicFront">
+              <a:rot lat="0" lon="0" rev="360000"/>
+            </a:camera>
+            <a:lightRig rig="twoPt" dir="t">
+              <a:rot lat="0" lon="0" rev="7200000"/>
+            </a:lightRig>
+          </a:scene3d>
+          <a:sp3d contourW="12700">
+            <a:bevelT w="25400" h="19050"/>
+            <a:contourClr>
+              <a:srgbClr val="969696"/>
+            </a:contourClr>
+          </a:sp3d>
+        </p:spPr>
+      </p:pic>
+      <p:pic>
+        <p:nvPicPr>
+          <p:cNvPr id="40" name="Image 39" descr="Une image contenant musique, assis, violon, table&#10;&#10;Description générée automatiquement">
+            <a:extLst>
+              <a:ext uri="{FF2B5EF4-FFF2-40B4-BE49-F238E27FC236}">
+                <a16:creationId xmlns:a16="http://schemas.microsoft.com/office/drawing/2014/main" id="{51CB0661-3D42-44BC-9124-8B53A50DC94E}"/>
+              </a:ext>
+            </a:extLst>
+          </p:cNvPr>
+          <p:cNvPicPr>
+            <a:picLocks noChangeAspect="1"/>
+          </p:cNvPicPr>
+          <p:nvPr/>
+        </p:nvPicPr>
+        <p:blipFill rotWithShape="1">
+          <a:blip r:embed="rId5">
+            <a:extLst>
+              <a:ext uri="{BEBA8EAE-BF5A-486C-A8C5-ECC9F3942E4B}">
+                <a14:imgProps xmlns:a14="http://schemas.microsoft.com/office/drawing/2010/main">
+                  <a14:imgLayer r:embed="rId6">
+                    <a14:imgEffect>
+                      <a14:brightnessContrast contrast="-40000"/>
+                    </a14:imgEffect>
+                  </a14:imgLayer>
+                </a14:imgProps>
+              </a:ext>
+              <a:ext uri="{28A0092B-C50C-407E-A947-70E740481C1C}">
+                <a14:useLocalDpi xmlns:a14="http://schemas.microsoft.com/office/drawing/2010/main" val="0"/>
+              </a:ext>
+            </a:extLst>
+          </a:blip>
+          <a:srcRect l="12394" r="7799"/>
+          <a:stretch/>
+        </p:blipFill>
+        <p:spPr>
+          <a:xfrm>
+            <a:off x="6843822" y="2344834"/>
+            <a:ext cx="3614627" cy="3346978"/>
+          </a:xfrm>
+          <a:prstGeom prst="snip2DiagRect">
+            <a:avLst/>
+          </a:prstGeom>
+          <a:solidFill>
+            <a:srgbClr val="FFFFFF">
+              <a:shade val="85000"/>
+            </a:srgbClr>
+          </a:solidFill>
+          <a:ln w="9525" cap="sq">
+            <a:solidFill>
+              <a:schemeClr val="accent4">
+                <a:lumMod val="75000"/>
+              </a:schemeClr>
+            </a:solidFill>
+            <a:miter lim="800000"/>
+          </a:ln>
+          <a:effectLst>
+            <a:outerShdw blurRad="50800" dist="38100" dir="8100000" algn="tr" rotWithShape="0">
+              <a:prstClr val="black">
+                <a:alpha val="40000"/>
+              </a:prstClr>
+            </a:outerShdw>
+          </a:effectLst>
+        </p:spPr>
+      </p:pic>
+      <p:sp>
+        <p:nvSpPr>
+          <p:cNvPr id="41" name="ZoneTexte 40">
+            <a:extLst>
+              <a:ext uri="{FF2B5EF4-FFF2-40B4-BE49-F238E27FC236}">
+                <a16:creationId xmlns:a16="http://schemas.microsoft.com/office/drawing/2014/main" id="{ABA35D1B-F07F-4207-8CDF-FA3D1EE8148E}"/>
+              </a:ext>
+            </a:extLst>
+          </p:cNvPr>
+          <p:cNvSpPr txBox="1"/>
+          <p:nvPr/>
+        </p:nvSpPr>
+        <p:spPr>
+          <a:xfrm>
+            <a:off x="7338137" y="3257403"/>
+            <a:ext cx="2658058" cy="1323439"/>
+          </a:xfrm>
+          <a:prstGeom prst="rect">
+            <a:avLst/>
+          </a:prstGeom>
+          <a:noFill/>
+        </p:spPr>
+        <p:txBody>
+          <a:bodyPr wrap="square" rtlCol="0">
+            <a:spAutoFit/>
+          </a:bodyPr>
+          <a:lstStyle/>
+          <a:p>
+            <a:pPr algn="ctr"/>
+            <a:r>
+              <a:rPr lang="fr-FR" sz="4000" dirty="0">
+                <a:solidFill>
+                  <a:schemeClr val="bg1">
+                    <a:lumMod val="95000"/>
+                  </a:schemeClr>
+                </a:solidFill>
+                <a:effectLst>
+                  <a:outerShdw blurRad="38100" dist="38100" dir="2700000" algn="tl">
+                    <a:srgbClr val="000000">
+                      <a:alpha val="43137"/>
+                    </a:srgbClr>
+                  </a:outerShdw>
+                </a:effectLst>
+                <a:latin typeface="Gill Sans Nova Light" panose="020B0302020104020203" pitchFamily="34" charset="0"/>
+                <a:cs typeface="Iskoola Pota" panose="020B0502040204020203" pitchFamily="34" charset="0"/>
+              </a:rPr>
+              <a:t>Instruments de musique</a:t>
+            </a:r>
+          </a:p>
+        </p:txBody>
+      </p:sp>
+      <p:sp>
+        <p:nvSpPr>
+          <p:cNvPr id="50" name="Rectangle 49">
+            <a:extLst>
+              <a:ext uri="{FF2B5EF4-FFF2-40B4-BE49-F238E27FC236}">
+                <a16:creationId xmlns:a16="http://schemas.microsoft.com/office/drawing/2014/main" id="{1EA465C5-16E9-4CE7-858F-0FBCDA9527A5}"/>
+              </a:ext>
+            </a:extLst>
+          </p:cNvPr>
+          <p:cNvSpPr/>
+          <p:nvPr/>
+        </p:nvSpPr>
+        <p:spPr>
+          <a:xfrm>
+            <a:off x="10792668" y="143154"/>
+            <a:ext cx="1038225" cy="231195"/>
+          </a:xfrm>
+          <a:prstGeom prst="rect">
+            <a:avLst/>
+          </a:prstGeom>
+          <a:noFill/>
+          <a:ln>
+            <a:noFill/>
+          </a:ln>
+        </p:spPr>
+        <p:style>
+          <a:lnRef idx="2">
+            <a:schemeClr val="accent1">
+              <a:shade val="50000"/>
+            </a:schemeClr>
+          </a:lnRef>
+          <a:fillRef idx="1">
+            <a:schemeClr val="accent1"/>
+          </a:fillRef>
+          <a:effectRef idx="0">
+            <a:schemeClr val="accent1"/>
+          </a:effectRef>
+          <a:fontRef idx="minor">
+            <a:schemeClr val="lt1"/>
+          </a:fontRef>
+        </p:style>
+        <p:txBody>
+          <a:bodyPr rtlCol="0" anchor="ctr"/>
+          <a:lstStyle/>
+          <a:p>
+            <a:pPr algn="ctr"/>
+            <a:r>
+              <a:rPr lang="fr-FR" sz="1100" spc="70" dirty="0">
+                <a:solidFill>
+                  <a:schemeClr val="accent4">
+                    <a:lumMod val="75000"/>
+                  </a:schemeClr>
+                </a:solidFill>
+              </a:rPr>
+              <a:t>Connexion</a:t>
+            </a:r>
+          </a:p>
+        </p:txBody>
+      </p:sp>
+      <p:pic>
+        <p:nvPicPr>
+          <p:cNvPr id="52" name="Image 51">
+            <a:extLst>
+              <a:ext uri="{FF2B5EF4-FFF2-40B4-BE49-F238E27FC236}">
+                <a16:creationId xmlns:a16="http://schemas.microsoft.com/office/drawing/2014/main" id="{2C9E1997-AF11-4050-A3BA-9F6AA37B7007}"/>
+              </a:ext>
+            </a:extLst>
+          </p:cNvPr>
+          <p:cNvPicPr>
+            <a:picLocks noChangeAspect="1"/>
+          </p:cNvPicPr>
+          <p:nvPr/>
+        </p:nvPicPr>
+        <p:blipFill>
+          <a:blip r:embed="rId7">
+            <a:duotone>
+              <a:schemeClr val="accent4">
+                <a:shade val="45000"/>
+                <a:satMod val="135000"/>
+              </a:schemeClr>
+              <a:prstClr val="white"/>
+            </a:duotone>
+            <a:extLst>
+              <a:ext uri="{28A0092B-C50C-407E-A947-70E740481C1C}">
+                <a14:useLocalDpi xmlns:a14="http://schemas.microsoft.com/office/drawing/2010/main" val="0"/>
+              </a:ext>
+            </a:extLst>
+          </a:blip>
+          <a:stretch>
+            <a:fillRect/>
+          </a:stretch>
+        </p:blipFill>
+        <p:spPr>
+          <a:xfrm>
+            <a:off x="11723897" y="151756"/>
+            <a:ext cx="213992" cy="213992"/>
+          </a:xfrm>
+          <a:prstGeom prst="rect">
+            <a:avLst/>
+          </a:prstGeom>
+        </p:spPr>
+      </p:pic>
+      <p:graphicFrame>
+        <p:nvGraphicFramePr>
+          <p:cNvPr id="6" name="Tableau 6">
+            <a:extLst>
+              <a:ext uri="{FF2B5EF4-FFF2-40B4-BE49-F238E27FC236}">
+                <a16:creationId xmlns:a16="http://schemas.microsoft.com/office/drawing/2014/main" id="{DEEF2AC3-360D-4BCA-AA70-B7C9DC85C7EE}"/>
+              </a:ext>
+            </a:extLst>
+          </p:cNvPr>
+          <p:cNvGraphicFramePr>
+            <a:graphicFrameLocks noGrp="1"/>
+          </p:cNvGraphicFramePr>
+          <p:nvPr>
+            <p:extLst>
+              <p:ext uri="{D42A27DB-BD31-4B8C-83A1-F6EECF244321}">
+                <p14:modId xmlns:p14="http://schemas.microsoft.com/office/powerpoint/2010/main" val="3818654509"/>
+              </p:ext>
+            </p:extLst>
+          </p:nvPr>
+        </p:nvGraphicFramePr>
+        <p:xfrm>
+          <a:off x="4375072" y="1794612"/>
+          <a:ext cx="3441853" cy="811539"/>
+        </p:xfrm>
+        <a:graphic>
+          <a:graphicData uri="http://schemas.openxmlformats.org/drawingml/2006/table">
+            <a:tbl>
+              <a:tblPr firstRow="1" bandRow="1">
+                <a:tableStyleId>{0505E3EF-67EA-436B-97B2-0124C06EBD24}</a:tableStyleId>
+              </a:tblPr>
+              <a:tblGrid>
+                <a:gridCol w="3441853">
+                  <a:extLst>
+                    <a:ext uri="{9D8B030D-6E8A-4147-A177-3AD203B41FA5}">
+                      <a16:colId xmlns:a16="http://schemas.microsoft.com/office/drawing/2014/main" val="3337478032"/>
+                    </a:ext>
+                  </a:extLst>
+                </a:gridCol>
+              </a:tblGrid>
+              <a:tr h="270513">
+                <a:tc>
+                  <a:txBody>
+                    <a:bodyPr/>
+                    <a:lstStyle/>
+                    <a:p>
+                      <a:r>
+                        <a:rPr lang="fr-FR" sz="900" b="0" dirty="0"/>
+                        <a:t>Guitare</a:t>
+                      </a:r>
+                    </a:p>
+                  </a:txBody>
+                  <a:tcPr anchor="ctr">
+                    <a:lnL w="12700" cmpd="sng">
+                      <a:noFill/>
+                    </a:lnL>
+                    <a:lnR w="12700" cmpd="sng">
+                      <a:noFill/>
+                    </a:lnR>
+                    <a:lnT w="12700" cmpd="sng">
+                      <a:noFill/>
+                    </a:lnT>
+                    <a:lnB w="12700" cmpd="sng">
+                      <a:noFill/>
+                    </a:lnB>
+                    <a:lnTlToBr w="12700" cmpd="sng">
+                      <a:noFill/>
+                      <a:prstDash val="solid"/>
+                    </a:lnTlToBr>
+                    <a:lnBlToTr w="12700" cmpd="sng">
+                      <a:noFill/>
+                      <a:prstDash val="solid"/>
+                    </a:lnBlToTr>
+                  </a:tcPr>
+                </a:tc>
+                <a:extLst>
+                  <a:ext uri="{0D108BD9-81ED-4DB2-BD59-A6C34878D82A}">
+                    <a16:rowId xmlns:a16="http://schemas.microsoft.com/office/drawing/2014/main" val="2621617038"/>
+                  </a:ext>
+                </a:extLst>
+              </a:tr>
+              <a:tr h="270513">
+                <a:tc>
+                  <a:txBody>
+                    <a:bodyPr/>
+                    <a:lstStyle/>
+                    <a:p>
+                      <a:r>
+                        <a:rPr lang="fr-FR" sz="900" dirty="0"/>
+                        <a:t>Gaspar Abeille</a:t>
+                      </a:r>
+                    </a:p>
+                  </a:txBody>
+                  <a:tcPr anchor="ctr">
+                    <a:lnL w="12700" cmpd="sng">
+                      <a:noFill/>
+                    </a:lnL>
+                    <a:lnR w="12700" cmpd="sng">
+                      <a:noFill/>
+                    </a:lnR>
+                    <a:lnT w="12700" cmpd="sng">
+                      <a:noFill/>
+                    </a:lnT>
+                    <a:lnB w="12700" cmpd="sng">
+                      <a:noFill/>
+                    </a:lnB>
+                    <a:lnTlToBr w="12700" cmpd="sng">
+                      <a:noFill/>
+                      <a:prstDash val="solid"/>
+                    </a:lnTlToBr>
+                    <a:lnBlToTr w="12700" cmpd="sng">
+                      <a:noFill/>
+                      <a:prstDash val="solid"/>
+                    </a:lnBlToTr>
+                  </a:tcPr>
+                </a:tc>
+                <a:extLst>
+                  <a:ext uri="{0D108BD9-81ED-4DB2-BD59-A6C34878D82A}">
+                    <a16:rowId xmlns:a16="http://schemas.microsoft.com/office/drawing/2014/main" val="2911533550"/>
+                  </a:ext>
+                </a:extLst>
+              </a:tr>
+              <a:tr h="270513">
+                <a:tc>
+                  <a:txBody>
+                    <a:bodyPr/>
+                    <a:lstStyle/>
+                    <a:p>
+                      <a:r>
+                        <a:rPr lang="fr-FR" sz="900" dirty="0"/>
+                        <a:t>Gard</a:t>
+                      </a:r>
+                    </a:p>
+                  </a:txBody>
+                  <a:tcPr anchor="ctr">
+                    <a:lnL w="12700" cmpd="sng">
+                      <a:noFill/>
+                    </a:lnL>
+                    <a:lnR w="12700" cmpd="sng">
+                      <a:noFill/>
+                    </a:lnR>
+                    <a:lnT w="12700" cmpd="sng">
+                      <a:noFill/>
+                    </a:lnT>
+                    <a:lnB w="12700" cmpd="sng">
+                      <a:noFill/>
+                    </a:lnB>
+                    <a:lnTlToBr w="12700" cmpd="sng">
+                      <a:noFill/>
+                      <a:prstDash val="solid"/>
+                    </a:lnTlToBr>
+                    <a:lnBlToTr w="12700" cmpd="sng">
+                      <a:noFill/>
+                      <a:prstDash val="solid"/>
+                    </a:lnBlToTr>
+                  </a:tcPr>
+                </a:tc>
+                <a:extLst>
+                  <a:ext uri="{0D108BD9-81ED-4DB2-BD59-A6C34878D82A}">
+                    <a16:rowId xmlns:a16="http://schemas.microsoft.com/office/drawing/2014/main" val="1056481822"/>
+                  </a:ext>
+                </a:extLst>
+              </a:tr>
+            </a:tbl>
+          </a:graphicData>
+        </a:graphic>
+      </p:graphicFrame>
+      <p:sp>
+        <p:nvSpPr>
+          <p:cNvPr id="11" name="Rectangle : coins arrondis 10">
+            <a:extLst>
+              <a:ext uri="{FF2B5EF4-FFF2-40B4-BE49-F238E27FC236}">
+                <a16:creationId xmlns:a16="http://schemas.microsoft.com/office/drawing/2014/main" id="{2DBB1494-A567-4766-B78E-6E8B5D60B8FB}"/>
+              </a:ext>
+            </a:extLst>
+          </p:cNvPr>
+          <p:cNvSpPr/>
+          <p:nvPr/>
+        </p:nvSpPr>
+        <p:spPr>
+          <a:xfrm>
+            <a:off x="4375071" y="1610660"/>
+            <a:ext cx="3441854" cy="209447"/>
+          </a:xfrm>
+          <a:prstGeom prst="roundRect">
+            <a:avLst/>
+          </a:prstGeom>
+          <a:solidFill>
+            <a:schemeClr val="bg1"/>
+          </a:solidFill>
+          <a:ln>
+            <a:solidFill>
+              <a:schemeClr val="bg1">
+                <a:lumMod val="95000"/>
+              </a:schemeClr>
+            </a:solidFill>
+          </a:ln>
+        </p:spPr>
+        <p:style>
+          <a:lnRef idx="2">
+            <a:schemeClr val="accent1">
+              <a:shade val="50000"/>
+            </a:schemeClr>
+          </a:lnRef>
+          <a:fillRef idx="1">
+            <a:schemeClr val="accent1"/>
+          </a:fillRef>
+          <a:effectRef idx="0">
+            <a:schemeClr val="accent1"/>
+          </a:effectRef>
+          <a:fontRef idx="minor">
+            <a:schemeClr val="lt1"/>
+          </a:fontRef>
+        </p:style>
+        <p:txBody>
+          <a:bodyPr rtlCol="0" anchor="ctr"/>
+          <a:lstStyle/>
+          <a:p>
+            <a:r>
+              <a:rPr lang="fr-FR" sz="1200" dirty="0">
+                <a:solidFill>
+                  <a:schemeClr val="bg1">
+                    <a:lumMod val="65000"/>
+                  </a:schemeClr>
+                </a:solidFill>
+                <a:latin typeface="+mj-lt"/>
+              </a:rPr>
+              <a:t>Recherche			   </a:t>
+            </a:r>
+            <a:r>
+              <a:rPr lang="fr-FR" sz="1200" dirty="0">
+                <a:solidFill>
+                  <a:srgbClr val="C00000"/>
+                </a:solidFill>
+                <a:latin typeface="+mj-lt"/>
+              </a:rPr>
+              <a:t>Filtrer</a:t>
+            </a:r>
+          </a:p>
+        </p:txBody>
+      </p:sp>
+    </p:spTree>
+    <p:extLst>
+      <p:ext uri="{BB962C8B-B14F-4D97-AF65-F5344CB8AC3E}">
+        <p14:creationId xmlns:p14="http://schemas.microsoft.com/office/powerpoint/2010/main" val="2595950947"/>
+      </p:ext>
+    </p:extLst>
+  </p:cSld>
+  <p:clrMapOvr>
+    <a:masterClrMapping/>
+  </p:clrMapOvr>
+</p:sld>
+</file>
+
+<file path=ppt/slides/slide4.xml><?xml version="1.0" encoding="utf-8"?>
+<p:sld xmlns:a="http://schemas.openxmlformats.org/drawingml/2006/main" xmlns:r="http://schemas.openxmlformats.org/officeDocument/2006/relationships" xmlns:p="http://schemas.openxmlformats.org/presentationml/2006/main">
+  <p:cSld>
+    <p:spTree>
+      <p:nvGrpSpPr>
+        <p:cNvPr id="1" name=""/>
+        <p:cNvGrpSpPr/>
+        <p:nvPr/>
+      </p:nvGrpSpPr>
+      <p:grpSpPr>
+        <a:xfrm>
+          <a:off x="0" y="0"/>
+          <a:ext cx="0" cy="0"/>
+          <a:chOff x="0" y="0"/>
+          <a:chExt cx="0" cy="0"/>
+        </a:xfrm>
+      </p:grpSpPr>
+      <p:pic>
+        <p:nvPicPr>
+          <p:cNvPr id="21" name="Image 20">
+            <a:extLst>
+              <a:ext uri="{FF2B5EF4-FFF2-40B4-BE49-F238E27FC236}">
+                <a16:creationId xmlns:a16="http://schemas.microsoft.com/office/drawing/2014/main" id="{3736EEFF-71AB-4B81-BF71-ACED14F93918}"/>
+              </a:ext>
+            </a:extLst>
+          </p:cNvPr>
+          <p:cNvPicPr>
+            <a:picLocks noChangeAspect="1"/>
+          </p:cNvPicPr>
+          <p:nvPr/>
+        </p:nvPicPr>
+        <p:blipFill rotWithShape="1">
+          <a:blip r:embed="rId2">
+            <a:extLst>
+              <a:ext uri="{BEBA8EAE-BF5A-486C-A8C5-ECC9F3942E4B}">
+                <a14:imgProps xmlns:a14="http://schemas.microsoft.com/office/drawing/2010/main">
+                  <a14:imgLayer r:embed="rId3">
+                    <a14:imgEffect>
+                      <a14:saturation sat="0"/>
+                    </a14:imgEffect>
+                    <a14:imgEffect>
+                      <a14:brightnessContrast bright="20000" contrast="-20000"/>
+                    </a14:imgEffect>
+                  </a14:imgLayer>
+                </a14:imgProps>
+              </a:ext>
+              <a:ext uri="{28A0092B-C50C-407E-A947-70E740481C1C}">
+                <a14:useLocalDpi xmlns:a14="http://schemas.microsoft.com/office/drawing/2010/main" val="0"/>
+              </a:ext>
+            </a:extLst>
+          </a:blip>
+          <a:srcRect l="1692" t="7013" r="4436" b="77596"/>
+          <a:stretch/>
+        </p:blipFill>
+        <p:spPr>
+          <a:xfrm>
+            <a:off x="0" y="-18900"/>
+            <a:ext cx="12192000" cy="1537235"/>
+          </a:xfrm>
+          <a:prstGeom prst="rect">
+            <a:avLst/>
+          </a:prstGeom>
+          <a:gradFill flip="none" rotWithShape="1">
+            <a:gsLst>
+              <a:gs pos="0">
+                <a:schemeClr val="accent1">
+                  <a:shade val="30000"/>
+                  <a:satMod val="115000"/>
+                </a:schemeClr>
+              </a:gs>
+              <a:gs pos="50000">
+                <a:schemeClr val="accent1">
+                  <a:shade val="67500"/>
+                  <a:satMod val="115000"/>
+                </a:schemeClr>
+              </a:gs>
+              <a:gs pos="100000">
+                <a:schemeClr val="accent1">
+                  <a:shade val="100000"/>
+                  <a:satMod val="115000"/>
+                </a:schemeClr>
+              </a:gs>
+            </a:gsLst>
+            <a:lin ang="13500000" scaled="1"/>
+            <a:tileRect/>
+          </a:gradFill>
+          <a:effectLst>
+            <a:innerShdw blurRad="1270000" dist="2540000">
+              <a:prstClr val="black">
+                <a:alpha val="58000"/>
+              </a:prstClr>
+            </a:innerShdw>
+          </a:effectLst>
+        </p:spPr>
+      </p:pic>
+      <p:sp>
+        <p:nvSpPr>
+          <p:cNvPr id="29" name="Sous-titre 2">
+            <a:extLst>
+              <a:ext uri="{FF2B5EF4-FFF2-40B4-BE49-F238E27FC236}">
+                <a16:creationId xmlns:a16="http://schemas.microsoft.com/office/drawing/2014/main" id="{34DD89C6-6C25-4BEB-8CD4-BFB103026C35}"/>
+              </a:ext>
+            </a:extLst>
+          </p:cNvPr>
+          <p:cNvSpPr txBox="1">
+            <a:spLocks/>
+          </p:cNvSpPr>
+          <p:nvPr/>
+        </p:nvSpPr>
+        <p:spPr>
+          <a:xfrm>
+            <a:off x="0" y="1101664"/>
+            <a:ext cx="12192000" cy="298512"/>
+          </a:xfrm>
+          <a:prstGeom prst="rect">
+            <a:avLst/>
+          </a:prstGeom>
+          <a:solidFill>
+            <a:schemeClr val="bg1">
+              <a:lumMod val="95000"/>
+            </a:schemeClr>
+          </a:solidFill>
+        </p:spPr>
+        <p:txBody>
+          <a:bodyPr vert="horz" lIns="91440" tIns="45720" rIns="91440" bIns="45720" rtlCol="0" anchor="ctr">
+            <a:normAutofit/>
+          </a:bodyPr>
+          <a:lstStyle>
+            <a:lvl1pPr marL="0" indent="0" algn="ctr" defTabSz="914400" rtl="0" eaLnBrk="1" latinLnBrk="0" hangingPunct="1">
+              <a:lnSpc>
+                <a:spcPct val="90000"/>
+              </a:lnSpc>
+              <a:spcBef>
+                <a:spcPts val="1000"/>
+              </a:spcBef>
+              <a:buFont typeface="Arial" panose="020B0604020202020204" pitchFamily="34" charset="0"/>
+              <a:buNone/>
+              <a:defRPr sz="2400" kern="1200">
+                <a:solidFill>
+                  <a:schemeClr val="tx1"/>
+                </a:solidFill>
+                <a:latin typeface="+mn-lt"/>
+                <a:ea typeface="+mn-ea"/>
+                <a:cs typeface="+mn-cs"/>
+              </a:defRPr>
+            </a:lvl1pPr>
+            <a:lvl2pPr marL="457200" indent="0" algn="ctr" defTabSz="914400" rtl="0" eaLnBrk="1" latinLnBrk="0" hangingPunct="1">
+              <a:lnSpc>
+                <a:spcPct val="90000"/>
+              </a:lnSpc>
+              <a:spcBef>
+                <a:spcPts val="500"/>
+              </a:spcBef>
+              <a:buFont typeface="Arial" panose="020B0604020202020204" pitchFamily="34" charset="0"/>
+              <a:buNone/>
+              <a:defRPr sz="2000" kern="1200">
+                <a:solidFill>
+                  <a:schemeClr val="tx1"/>
+                </a:solidFill>
+                <a:latin typeface="+mn-lt"/>
+                <a:ea typeface="+mn-ea"/>
+                <a:cs typeface="+mn-cs"/>
+              </a:defRPr>
+            </a:lvl2pPr>
+            <a:lvl3pPr marL="914400" indent="0" algn="ctr" defTabSz="914400" rtl="0" eaLnBrk="1" latinLnBrk="0" hangingPunct="1">
+              <a:lnSpc>
+                <a:spcPct val="90000"/>
+              </a:lnSpc>
+              <a:spcBef>
+                <a:spcPts val="500"/>
+              </a:spcBef>
+              <a:buFont typeface="Arial" panose="020B0604020202020204" pitchFamily="34" charset="0"/>
+              <a:buNone/>
+              <a:defRPr sz="1800" kern="1200">
+                <a:solidFill>
+                  <a:schemeClr val="tx1"/>
+                </a:solidFill>
+                <a:latin typeface="+mn-lt"/>
+                <a:ea typeface="+mn-ea"/>
+                <a:cs typeface="+mn-cs"/>
+              </a:defRPr>
+            </a:lvl3pPr>
+            <a:lvl4pPr marL="1371600" indent="0" algn="ctr" defTabSz="914400" rtl="0" eaLnBrk="1" latinLnBrk="0" hangingPunct="1">
+              <a:lnSpc>
+                <a:spcPct val="90000"/>
+              </a:lnSpc>
+              <a:spcBef>
+                <a:spcPts val="500"/>
+              </a:spcBef>
+              <a:buFont typeface="Arial" panose="020B0604020202020204" pitchFamily="34" charset="0"/>
+              <a:buNone/>
+              <a:defRPr sz="1600" kern="1200">
+                <a:solidFill>
+                  <a:schemeClr val="tx1"/>
+                </a:solidFill>
+                <a:latin typeface="+mn-lt"/>
+                <a:ea typeface="+mn-ea"/>
+                <a:cs typeface="+mn-cs"/>
+              </a:defRPr>
+            </a:lvl4pPr>
+            <a:lvl5pPr marL="1828800" indent="0" algn="ctr" defTabSz="914400" rtl="0" eaLnBrk="1" latinLnBrk="0" hangingPunct="1">
+              <a:lnSpc>
+                <a:spcPct val="90000"/>
+              </a:lnSpc>
+              <a:spcBef>
+                <a:spcPts val="500"/>
+              </a:spcBef>
+              <a:buFont typeface="Arial" panose="020B0604020202020204" pitchFamily="34" charset="0"/>
+              <a:buNone/>
+              <a:defRPr sz="1600" kern="1200">
+                <a:solidFill>
+                  <a:schemeClr val="tx1"/>
+                </a:solidFill>
+                <a:latin typeface="+mn-lt"/>
+                <a:ea typeface="+mn-ea"/>
+                <a:cs typeface="+mn-cs"/>
+              </a:defRPr>
+            </a:lvl5pPr>
+            <a:lvl6pPr marL="2286000" indent="0" algn="ctr" defTabSz="914400" rtl="0" eaLnBrk="1" latinLnBrk="0" hangingPunct="1">
+              <a:lnSpc>
+                <a:spcPct val="90000"/>
+              </a:lnSpc>
+              <a:spcBef>
+                <a:spcPts val="500"/>
+              </a:spcBef>
+              <a:buFont typeface="Arial" panose="020B0604020202020204" pitchFamily="34" charset="0"/>
+              <a:buNone/>
+              <a:defRPr sz="1600" kern="1200">
+                <a:solidFill>
+                  <a:schemeClr val="tx1"/>
+                </a:solidFill>
+                <a:latin typeface="+mn-lt"/>
+                <a:ea typeface="+mn-ea"/>
+                <a:cs typeface="+mn-cs"/>
+              </a:defRPr>
+            </a:lvl6pPr>
+            <a:lvl7pPr marL="2743200" indent="0" algn="ctr" defTabSz="914400" rtl="0" eaLnBrk="1" latinLnBrk="0" hangingPunct="1">
+              <a:lnSpc>
+                <a:spcPct val="90000"/>
+              </a:lnSpc>
+              <a:spcBef>
+                <a:spcPts val="500"/>
+              </a:spcBef>
+              <a:buFont typeface="Arial" panose="020B0604020202020204" pitchFamily="34" charset="0"/>
+              <a:buNone/>
+              <a:defRPr sz="1600" kern="1200">
+                <a:solidFill>
+                  <a:schemeClr val="tx1"/>
+                </a:solidFill>
+                <a:latin typeface="+mn-lt"/>
+                <a:ea typeface="+mn-ea"/>
+                <a:cs typeface="+mn-cs"/>
+              </a:defRPr>
+            </a:lvl7pPr>
+            <a:lvl8pPr marL="3200400" indent="0" algn="ctr" defTabSz="914400" rtl="0" eaLnBrk="1" latinLnBrk="0" hangingPunct="1">
+              <a:lnSpc>
+                <a:spcPct val="90000"/>
+              </a:lnSpc>
+              <a:spcBef>
+                <a:spcPts val="500"/>
+              </a:spcBef>
+              <a:buFont typeface="Arial" panose="020B0604020202020204" pitchFamily="34" charset="0"/>
+              <a:buNone/>
+              <a:defRPr sz="1600" kern="1200">
+                <a:solidFill>
+                  <a:schemeClr val="tx1"/>
+                </a:solidFill>
+                <a:latin typeface="+mn-lt"/>
+                <a:ea typeface="+mn-ea"/>
+                <a:cs typeface="+mn-cs"/>
+              </a:defRPr>
+            </a:lvl8pPr>
+            <a:lvl9pPr marL="3657600" indent="0" algn="ctr" defTabSz="914400" rtl="0" eaLnBrk="1" latinLnBrk="0" hangingPunct="1">
+              <a:lnSpc>
+                <a:spcPct val="90000"/>
+              </a:lnSpc>
+              <a:spcBef>
+                <a:spcPts val="500"/>
+              </a:spcBef>
+              <a:buFont typeface="Arial" panose="020B0604020202020204" pitchFamily="34" charset="0"/>
+              <a:buNone/>
+              <a:defRPr sz="1600" kern="1200">
+                <a:solidFill>
+                  <a:schemeClr val="tx1"/>
+                </a:solidFill>
+                <a:latin typeface="+mn-lt"/>
+                <a:ea typeface="+mn-ea"/>
+                <a:cs typeface="+mn-cs"/>
+              </a:defRPr>
+            </a:lvl9pPr>
+          </a:lstStyle>
+          <a:p>
+            <a:r>
+              <a:rPr lang="fr-FR" sz="1200" b="1" dirty="0">
+                <a:solidFill>
+                  <a:schemeClr val="bg2">
+                    <a:lumMod val="25000"/>
+                  </a:schemeClr>
+                </a:solidFill>
+              </a:rPr>
+              <a:t>Corpus</a:t>
+            </a:r>
+            <a:r>
+              <a:rPr lang="fr-FR" sz="1200" b="1" spc="70" dirty="0">
+                <a:solidFill>
+                  <a:schemeClr val="bg2">
+                    <a:lumMod val="25000"/>
+                  </a:schemeClr>
+                </a:solidFill>
+                <a:cs typeface="Iskoola Pota" panose="020B0502040204020203" pitchFamily="34" charset="0"/>
+              </a:rPr>
+              <a:t>			Editeur de thésaurus			 Explorer</a:t>
+            </a:r>
+          </a:p>
+        </p:txBody>
+      </p:sp>
+      <p:sp>
+        <p:nvSpPr>
+          <p:cNvPr id="35" name="Titre 1">
+            <a:extLst>
+              <a:ext uri="{FF2B5EF4-FFF2-40B4-BE49-F238E27FC236}">
+                <a16:creationId xmlns:a16="http://schemas.microsoft.com/office/drawing/2014/main" id="{5D8B8CAD-FD89-4390-847C-8C87FA481B0B}"/>
+              </a:ext>
+            </a:extLst>
+          </p:cNvPr>
+          <p:cNvSpPr txBox="1">
+            <a:spLocks/>
+          </p:cNvSpPr>
+          <p:nvPr/>
+        </p:nvSpPr>
+        <p:spPr>
+          <a:xfrm>
+            <a:off x="-2" y="-27801"/>
+            <a:ext cx="12192000" cy="1132804"/>
+          </a:xfrm>
+          <a:prstGeom prst="rect">
+            <a:avLst/>
+          </a:prstGeom>
+          <a:solidFill>
+            <a:srgbClr val="000000">
+              <a:alpha val="69804"/>
+            </a:srgbClr>
+          </a:solidFill>
+        </p:spPr>
+        <p:txBody>
+          <a:bodyPr vert="horz" lIns="91440" tIns="45720" rIns="91440" bIns="45720" rtlCol="0" anchor="ctr">
+            <a:normAutofit/>
+          </a:bodyPr>
+          <a:lstStyle>
+            <a:lvl1pPr algn="ctr" defTabSz="914400" rtl="0" eaLnBrk="1" latinLnBrk="0" hangingPunct="1">
+              <a:lnSpc>
+                <a:spcPct val="90000"/>
+              </a:lnSpc>
+              <a:spcBef>
+                <a:spcPct val="0"/>
+              </a:spcBef>
+              <a:buNone/>
+              <a:defRPr sz="6000" kern="1200">
+                <a:solidFill>
+                  <a:schemeClr val="tx1"/>
+                </a:solidFill>
+                <a:latin typeface="+mj-lt"/>
+                <a:ea typeface="+mj-ea"/>
+                <a:cs typeface="+mj-cs"/>
+              </a:defRPr>
+            </a:lvl1pPr>
+          </a:lstStyle>
+          <a:p>
+            <a:r>
+              <a:rPr lang="fr-FR" sz="2000" kern="0" spc="220" dirty="0">
+                <a:solidFill>
+                  <a:schemeClr val="bg1">
+                    <a:lumMod val="95000"/>
+                  </a:schemeClr>
+                </a:solidFill>
+                <a:latin typeface="Bembo" panose="02020502050201020203" pitchFamily="18" charset="0"/>
+                <a:cs typeface="Iskoola Pota" panose="020B0604020202020204" pitchFamily="34" charset="0"/>
+              </a:rPr>
+              <a:t>SHERLOCK</a:t>
+            </a:r>
+            <a:endParaRPr lang="fr-FR" sz="800" spc="220" dirty="0">
+              <a:solidFill>
+                <a:schemeClr val="bg1">
+                  <a:lumMod val="95000"/>
+                </a:schemeClr>
+              </a:solidFill>
+              <a:latin typeface="Bembo" panose="02020502050201020203" pitchFamily="18" charset="0"/>
+            </a:endParaRPr>
+          </a:p>
+        </p:txBody>
+      </p:sp>
+      <p:sp>
+        <p:nvSpPr>
+          <p:cNvPr id="36" name="Rectangle 35">
+            <a:extLst>
+              <a:ext uri="{FF2B5EF4-FFF2-40B4-BE49-F238E27FC236}">
+                <a16:creationId xmlns:a16="http://schemas.microsoft.com/office/drawing/2014/main" id="{681669B9-C446-4578-8880-6DB09F1C08ED}"/>
+              </a:ext>
+            </a:extLst>
+          </p:cNvPr>
+          <p:cNvSpPr/>
+          <p:nvPr/>
+        </p:nvSpPr>
+        <p:spPr>
+          <a:xfrm>
             <a:off x="-1" y="1400176"/>
             <a:ext cx="12191999" cy="5457825"/>
           </a:xfrm>
@@ -7752,7 +8645,2804 @@
                 </a:solidFill>
                 <a:latin typeface="Gill Sans Nova Light" panose="020B0302020104020203" pitchFamily="34" charset="0"/>
               </a:rPr>
-              <a:t>Recherche</a:t>
+              <a:t>Recherche			   </a:t>
+            </a:r>
+            <a:r>
+              <a:rPr lang="fr-FR" sz="1200" dirty="0">
+                <a:solidFill>
+                  <a:srgbClr val="C00000"/>
+                </a:solidFill>
+                <a:latin typeface="Gill Sans Nova Light" panose="020B0302020104020203" pitchFamily="34" charset="0"/>
+              </a:rPr>
+              <a:t>Filtrer</a:t>
+            </a:r>
+          </a:p>
+        </p:txBody>
+      </p:sp>
+      <p:sp>
+        <p:nvSpPr>
+          <p:cNvPr id="2" name="Rectangle 1">
+            <a:extLst>
+              <a:ext uri="{FF2B5EF4-FFF2-40B4-BE49-F238E27FC236}">
+                <a16:creationId xmlns:a16="http://schemas.microsoft.com/office/drawing/2014/main" id="{DCF09874-825E-4D73-B47F-89EA41C4AB58}"/>
+              </a:ext>
+            </a:extLst>
+          </p:cNvPr>
+          <p:cNvSpPr/>
+          <p:nvPr/>
+        </p:nvSpPr>
+        <p:spPr>
+          <a:xfrm>
+            <a:off x="1784350" y="1657935"/>
+            <a:ext cx="4400550" cy="520592"/>
+          </a:xfrm>
+          <a:prstGeom prst="rect">
+            <a:avLst/>
+          </a:prstGeom>
+          <a:noFill/>
+          <a:ln>
+            <a:noFill/>
+          </a:ln>
+        </p:spPr>
+        <p:style>
+          <a:lnRef idx="2">
+            <a:schemeClr val="accent1">
+              <a:shade val="50000"/>
+            </a:schemeClr>
+          </a:lnRef>
+          <a:fillRef idx="1">
+            <a:schemeClr val="accent1"/>
+          </a:fillRef>
+          <a:effectRef idx="0">
+            <a:schemeClr val="accent1"/>
+          </a:effectRef>
+          <a:fontRef idx="minor">
+            <a:schemeClr val="lt1"/>
+          </a:fontRef>
+        </p:style>
+        <p:txBody>
+          <a:bodyPr rtlCol="0" anchor="ctr"/>
+          <a:lstStyle/>
+          <a:p>
+            <a:r>
+              <a:rPr lang="fr-FR" dirty="0"/>
+              <a:t>Editeur critique de thésaurus</a:t>
+            </a:r>
+          </a:p>
+        </p:txBody>
+      </p:sp>
+      <p:sp>
+        <p:nvSpPr>
+          <p:cNvPr id="3" name="Rectangle : coins arrondis 2">
+            <a:extLst>
+              <a:ext uri="{FF2B5EF4-FFF2-40B4-BE49-F238E27FC236}">
+                <a16:creationId xmlns:a16="http://schemas.microsoft.com/office/drawing/2014/main" id="{D3CC8BFE-59E3-47B4-B8F7-1F663F16431C}"/>
+              </a:ext>
+            </a:extLst>
+          </p:cNvPr>
+          <p:cNvSpPr/>
+          <p:nvPr/>
+        </p:nvSpPr>
+        <p:spPr>
+          <a:xfrm>
+            <a:off x="876300" y="2552700"/>
+            <a:ext cx="1981200" cy="4848225"/>
+          </a:xfrm>
+          <a:prstGeom prst="roundRect">
+            <a:avLst/>
+          </a:prstGeom>
+          <a:solidFill>
+            <a:srgbClr val="F2F2F2"/>
+          </a:solidFill>
+          <a:ln>
+            <a:noFill/>
+          </a:ln>
+        </p:spPr>
+        <p:style>
+          <a:lnRef idx="2">
+            <a:schemeClr val="accent1">
+              <a:shade val="50000"/>
+            </a:schemeClr>
+          </a:lnRef>
+          <a:fillRef idx="1">
+            <a:schemeClr val="accent1"/>
+          </a:fillRef>
+          <a:effectRef idx="0">
+            <a:schemeClr val="accent1"/>
+          </a:effectRef>
+          <a:fontRef idx="minor">
+            <a:schemeClr val="lt1"/>
+          </a:fontRef>
+        </p:style>
+        <p:txBody>
+          <a:bodyPr rtlCol="0" anchor="t"/>
+          <a:lstStyle/>
+          <a:p>
+            <a:pPr algn="ctr"/>
+            <a:endParaRPr lang="fr-FR" sz="1400" b="1" spc="70" dirty="0">
+              <a:solidFill>
+                <a:schemeClr val="bg1"/>
+              </a:solidFill>
+            </a:endParaRPr>
+          </a:p>
+        </p:txBody>
+      </p:sp>
+      <p:sp>
+        <p:nvSpPr>
+          <p:cNvPr id="4" name="Rectangle : coins arrondis 3">
+            <a:extLst>
+              <a:ext uri="{FF2B5EF4-FFF2-40B4-BE49-F238E27FC236}">
+                <a16:creationId xmlns:a16="http://schemas.microsoft.com/office/drawing/2014/main" id="{36973AC9-62DE-443A-803A-401548AE53F7}"/>
+              </a:ext>
+            </a:extLst>
+          </p:cNvPr>
+          <p:cNvSpPr/>
+          <p:nvPr/>
+        </p:nvSpPr>
+        <p:spPr>
+          <a:xfrm>
+            <a:off x="3086100" y="2552700"/>
+            <a:ext cx="8305800" cy="4927225"/>
+          </a:xfrm>
+          <a:prstGeom prst="roundRect">
+            <a:avLst>
+              <a:gd name="adj" fmla="val 6808"/>
+            </a:avLst>
+          </a:prstGeom>
+          <a:solidFill>
+            <a:srgbClr val="F5F5F5"/>
+          </a:solidFill>
+          <a:ln>
+            <a:noFill/>
+          </a:ln>
+        </p:spPr>
+        <p:style>
+          <a:lnRef idx="2">
+            <a:schemeClr val="accent1">
+              <a:shade val="50000"/>
+            </a:schemeClr>
+          </a:lnRef>
+          <a:fillRef idx="1">
+            <a:schemeClr val="accent1"/>
+          </a:fillRef>
+          <a:effectRef idx="0">
+            <a:schemeClr val="accent1"/>
+          </a:effectRef>
+          <a:fontRef idx="minor">
+            <a:schemeClr val="lt1"/>
+          </a:fontRef>
+        </p:style>
+        <p:txBody>
+          <a:bodyPr rtlCol="0" anchor="ctr"/>
+          <a:lstStyle/>
+          <a:p>
+            <a:pPr algn="ctr"/>
+            <a:endParaRPr lang="fr-FR" dirty="0"/>
+          </a:p>
+        </p:txBody>
+      </p:sp>
+      <p:sp>
+        <p:nvSpPr>
+          <p:cNvPr id="5" name="Rectangle 4">
+            <a:extLst>
+              <a:ext uri="{FF2B5EF4-FFF2-40B4-BE49-F238E27FC236}">
+                <a16:creationId xmlns:a16="http://schemas.microsoft.com/office/drawing/2014/main" id="{6365D34E-90F7-4A4F-87E8-3C828EA19A9D}"/>
+              </a:ext>
+            </a:extLst>
+          </p:cNvPr>
+          <p:cNvSpPr/>
+          <p:nvPr/>
+        </p:nvSpPr>
+        <p:spPr>
+          <a:xfrm>
+            <a:off x="876300" y="3000375"/>
+            <a:ext cx="1981200" cy="400050"/>
+          </a:xfrm>
+          <a:prstGeom prst="rect">
+            <a:avLst/>
+          </a:prstGeom>
+          <a:solidFill>
+            <a:schemeClr val="bg1">
+              <a:lumMod val="85000"/>
+            </a:schemeClr>
+          </a:solidFill>
+          <a:ln>
+            <a:noFill/>
+          </a:ln>
+        </p:spPr>
+        <p:style>
+          <a:lnRef idx="2">
+            <a:schemeClr val="accent1">
+              <a:shade val="50000"/>
+            </a:schemeClr>
+          </a:lnRef>
+          <a:fillRef idx="1">
+            <a:schemeClr val="accent1"/>
+          </a:fillRef>
+          <a:effectRef idx="0">
+            <a:schemeClr val="accent1"/>
+          </a:effectRef>
+          <a:fontRef idx="minor">
+            <a:schemeClr val="lt1"/>
+          </a:fontRef>
+        </p:style>
+        <p:txBody>
+          <a:bodyPr rtlCol="0" anchor="ctr"/>
+          <a:lstStyle/>
+          <a:p>
+            <a:pPr algn="ctr"/>
+            <a:r>
+              <a:rPr lang="fr-FR" sz="1200" spc="70" dirty="0">
+                <a:solidFill>
+                  <a:schemeClr val="bg2">
+                    <a:lumMod val="25000"/>
+                  </a:schemeClr>
+                </a:solidFill>
+              </a:rPr>
+              <a:t>Ancien Régime</a:t>
+            </a:r>
+          </a:p>
+        </p:txBody>
+      </p:sp>
+      <p:sp>
+        <p:nvSpPr>
+          <p:cNvPr id="6" name="Rectangle 5">
+            <a:extLst>
+              <a:ext uri="{FF2B5EF4-FFF2-40B4-BE49-F238E27FC236}">
+                <a16:creationId xmlns:a16="http://schemas.microsoft.com/office/drawing/2014/main" id="{ABE26F6C-E9F6-4B74-AD50-8E3EF1F959BE}"/>
+              </a:ext>
+            </a:extLst>
+          </p:cNvPr>
+          <p:cNvSpPr/>
+          <p:nvPr/>
+        </p:nvSpPr>
+        <p:spPr>
+          <a:xfrm>
+            <a:off x="876298" y="4469021"/>
+            <a:ext cx="1981200" cy="660192"/>
+          </a:xfrm>
+          <a:prstGeom prst="rect">
+            <a:avLst/>
+          </a:prstGeom>
+          <a:solidFill>
+            <a:schemeClr val="bg1">
+              <a:lumMod val="85000"/>
+            </a:schemeClr>
+          </a:solidFill>
+          <a:ln>
+            <a:noFill/>
+          </a:ln>
+        </p:spPr>
+        <p:style>
+          <a:lnRef idx="2">
+            <a:schemeClr val="accent1">
+              <a:shade val="50000"/>
+            </a:schemeClr>
+          </a:lnRef>
+          <a:fillRef idx="1">
+            <a:schemeClr val="accent1"/>
+          </a:fillRef>
+          <a:effectRef idx="0">
+            <a:schemeClr val="accent1"/>
+          </a:effectRef>
+          <a:fontRef idx="minor">
+            <a:schemeClr val="lt1"/>
+          </a:fontRef>
+        </p:style>
+        <p:txBody>
+          <a:bodyPr rtlCol="0" anchor="ctr"/>
+          <a:lstStyle/>
+          <a:p>
+            <a:pPr algn="ctr"/>
+            <a:r>
+              <a:rPr lang="fr-FR" sz="1200" spc="70" dirty="0">
+                <a:solidFill>
+                  <a:schemeClr val="bg2">
+                    <a:lumMod val="25000"/>
+                  </a:schemeClr>
+                </a:solidFill>
+              </a:rPr>
+              <a:t>Instruments de </a:t>
+            </a:r>
+          </a:p>
+          <a:p>
+            <a:pPr algn="ctr"/>
+            <a:r>
+              <a:rPr lang="fr-FR" sz="1200" spc="70" dirty="0">
+                <a:solidFill>
+                  <a:schemeClr val="bg2">
+                    <a:lumMod val="25000"/>
+                  </a:schemeClr>
+                </a:solidFill>
+              </a:rPr>
+              <a:t>musique</a:t>
+            </a:r>
+          </a:p>
+        </p:txBody>
+      </p:sp>
+      <p:sp>
+        <p:nvSpPr>
+          <p:cNvPr id="7" name="Rectangle 6">
+            <a:extLst>
+              <a:ext uri="{FF2B5EF4-FFF2-40B4-BE49-F238E27FC236}">
+                <a16:creationId xmlns:a16="http://schemas.microsoft.com/office/drawing/2014/main" id="{F5825FFE-0958-4B33-8D95-E97CE76CE8DA}"/>
+              </a:ext>
+            </a:extLst>
+          </p:cNvPr>
+          <p:cNvSpPr/>
+          <p:nvPr/>
+        </p:nvSpPr>
+        <p:spPr>
+          <a:xfrm>
+            <a:off x="876298" y="5555862"/>
+            <a:ext cx="1981200" cy="400948"/>
+          </a:xfrm>
+          <a:prstGeom prst="rect">
+            <a:avLst/>
+          </a:prstGeom>
+          <a:solidFill>
+            <a:schemeClr val="bg1">
+              <a:lumMod val="85000"/>
+            </a:schemeClr>
+          </a:solidFill>
+          <a:ln>
+            <a:noFill/>
+          </a:ln>
+        </p:spPr>
+        <p:style>
+          <a:lnRef idx="2">
+            <a:schemeClr val="accent1">
+              <a:shade val="50000"/>
+            </a:schemeClr>
+          </a:lnRef>
+          <a:fillRef idx="1">
+            <a:schemeClr val="accent1"/>
+          </a:fillRef>
+          <a:effectRef idx="0">
+            <a:schemeClr val="accent1"/>
+          </a:effectRef>
+          <a:fontRef idx="minor">
+            <a:schemeClr val="lt1"/>
+          </a:fontRef>
+        </p:style>
+        <p:txBody>
+          <a:bodyPr rtlCol="0" anchor="ctr"/>
+          <a:lstStyle/>
+          <a:p>
+            <a:pPr algn="ctr"/>
+            <a:r>
+              <a:rPr lang="fr-FR" sz="1200" spc="70" dirty="0">
+                <a:solidFill>
+                  <a:schemeClr val="bg2">
+                    <a:lumMod val="25000"/>
+                  </a:schemeClr>
+                </a:solidFill>
+              </a:rPr>
+              <a:t>Liturgie</a:t>
+            </a:r>
+          </a:p>
+        </p:txBody>
+      </p:sp>
+      <p:sp>
+        <p:nvSpPr>
+          <p:cNvPr id="10" name="Triangle isocèle 9">
+            <a:extLst>
+              <a:ext uri="{FF2B5EF4-FFF2-40B4-BE49-F238E27FC236}">
+                <a16:creationId xmlns:a16="http://schemas.microsoft.com/office/drawing/2014/main" id="{D2831E6D-A642-47D1-B979-3C1B7B358446}"/>
+              </a:ext>
+            </a:extLst>
+          </p:cNvPr>
+          <p:cNvSpPr/>
+          <p:nvPr/>
+        </p:nvSpPr>
+        <p:spPr>
+          <a:xfrm flipV="1">
+            <a:off x="1066800" y="3175933"/>
+            <a:ext cx="69850" cy="45719"/>
+          </a:xfrm>
+          <a:prstGeom prst="triangle">
+            <a:avLst>
+              <a:gd name="adj" fmla="val 50000"/>
+            </a:avLst>
+          </a:prstGeom>
+          <a:solidFill>
+            <a:schemeClr val="bg2">
+              <a:lumMod val="25000"/>
+            </a:schemeClr>
+          </a:solidFill>
+          <a:ln>
+            <a:solidFill>
+              <a:schemeClr val="bg2">
+                <a:lumMod val="10000"/>
+              </a:schemeClr>
+            </a:solidFill>
+          </a:ln>
+        </p:spPr>
+        <p:style>
+          <a:lnRef idx="2">
+            <a:schemeClr val="dk1">
+              <a:shade val="50000"/>
+            </a:schemeClr>
+          </a:lnRef>
+          <a:fillRef idx="1">
+            <a:schemeClr val="dk1"/>
+          </a:fillRef>
+          <a:effectRef idx="0">
+            <a:schemeClr val="dk1"/>
+          </a:effectRef>
+          <a:fontRef idx="minor">
+            <a:schemeClr val="lt1"/>
+          </a:fontRef>
+        </p:style>
+        <p:txBody>
+          <a:bodyPr rtlCol="0" anchor="ctr"/>
+          <a:lstStyle/>
+          <a:p>
+            <a:pPr algn="ctr"/>
+            <a:endParaRPr lang="fr-FR"/>
+          </a:p>
+        </p:txBody>
+      </p:sp>
+      <p:sp>
+        <p:nvSpPr>
+          <p:cNvPr id="11" name="Triangle isocèle 10">
+            <a:extLst>
+              <a:ext uri="{FF2B5EF4-FFF2-40B4-BE49-F238E27FC236}">
+                <a16:creationId xmlns:a16="http://schemas.microsoft.com/office/drawing/2014/main" id="{2121067D-36B6-4847-8D90-47B1578C27E3}"/>
+              </a:ext>
+            </a:extLst>
+          </p:cNvPr>
+          <p:cNvSpPr/>
+          <p:nvPr/>
+        </p:nvSpPr>
+        <p:spPr>
+          <a:xfrm rot="16200000" flipV="1">
+            <a:off x="979961" y="4755479"/>
+            <a:ext cx="69850" cy="45719"/>
+          </a:xfrm>
+          <a:prstGeom prst="triangle">
+            <a:avLst>
+              <a:gd name="adj" fmla="val 50000"/>
+            </a:avLst>
+          </a:prstGeom>
+          <a:solidFill>
+            <a:schemeClr val="bg2">
+              <a:lumMod val="25000"/>
+            </a:schemeClr>
+          </a:solidFill>
+          <a:ln>
+            <a:solidFill>
+              <a:schemeClr val="bg2">
+                <a:lumMod val="10000"/>
+              </a:schemeClr>
+            </a:solidFill>
+          </a:ln>
+        </p:spPr>
+        <p:style>
+          <a:lnRef idx="2">
+            <a:schemeClr val="dk1">
+              <a:shade val="50000"/>
+            </a:schemeClr>
+          </a:lnRef>
+          <a:fillRef idx="1">
+            <a:schemeClr val="dk1"/>
+          </a:fillRef>
+          <a:effectRef idx="0">
+            <a:schemeClr val="dk1"/>
+          </a:effectRef>
+          <a:fontRef idx="minor">
+            <a:schemeClr val="lt1"/>
+          </a:fontRef>
+        </p:style>
+        <p:txBody>
+          <a:bodyPr rtlCol="0" anchor="ctr"/>
+          <a:lstStyle/>
+          <a:p>
+            <a:pPr algn="ctr"/>
+            <a:endParaRPr lang="fr-FR"/>
+          </a:p>
+        </p:txBody>
+      </p:sp>
+      <p:sp>
+        <p:nvSpPr>
+          <p:cNvPr id="13" name="Rectangle 12">
+            <a:extLst>
+              <a:ext uri="{FF2B5EF4-FFF2-40B4-BE49-F238E27FC236}">
+                <a16:creationId xmlns:a16="http://schemas.microsoft.com/office/drawing/2014/main" id="{68B9E00F-348C-40DE-8593-AFE30568F876}"/>
+              </a:ext>
+            </a:extLst>
+          </p:cNvPr>
+          <p:cNvSpPr/>
+          <p:nvPr/>
+        </p:nvSpPr>
+        <p:spPr>
+          <a:xfrm>
+            <a:off x="1136650" y="3400425"/>
+            <a:ext cx="1720847" cy="950437"/>
+          </a:xfrm>
+          <a:prstGeom prst="rect">
+            <a:avLst/>
+          </a:prstGeom>
+          <a:noFill/>
+          <a:ln>
+            <a:noFill/>
+          </a:ln>
+        </p:spPr>
+        <p:style>
+          <a:lnRef idx="2">
+            <a:schemeClr val="accent1">
+              <a:shade val="50000"/>
+            </a:schemeClr>
+          </a:lnRef>
+          <a:fillRef idx="1">
+            <a:schemeClr val="accent1"/>
+          </a:fillRef>
+          <a:effectRef idx="0">
+            <a:schemeClr val="accent1"/>
+          </a:effectRef>
+          <a:fontRef idx="minor">
+            <a:schemeClr val="lt1"/>
+          </a:fontRef>
+        </p:style>
+        <p:txBody>
+          <a:bodyPr rtlCol="0" anchor="t"/>
+          <a:lstStyle/>
+          <a:p>
+            <a:pPr>
+              <a:lnSpc>
+                <a:spcPts val="1500"/>
+              </a:lnSpc>
+            </a:pPr>
+            <a:r>
+              <a:rPr lang="fr-FR" sz="1100" b="1" dirty="0">
+                <a:solidFill>
+                  <a:schemeClr val="bg2">
+                    <a:lumMod val="25000"/>
+                  </a:schemeClr>
+                </a:solidFill>
+              </a:rPr>
+              <a:t>Noms de personnes</a:t>
+            </a:r>
+          </a:p>
+          <a:p>
+            <a:pPr>
+              <a:lnSpc>
+                <a:spcPts val="1500"/>
+              </a:lnSpc>
+            </a:pPr>
+            <a:r>
+              <a:rPr lang="fr-FR" sz="1100" b="1" dirty="0">
+                <a:solidFill>
+                  <a:schemeClr val="bg2">
+                    <a:lumMod val="25000"/>
+                  </a:schemeClr>
+                </a:solidFill>
+              </a:rPr>
+              <a:t>Institutions</a:t>
+            </a:r>
+          </a:p>
+          <a:p>
+            <a:pPr>
+              <a:lnSpc>
+                <a:spcPts val="1500"/>
+              </a:lnSpc>
+            </a:pPr>
+            <a:r>
+              <a:rPr lang="fr-FR" sz="1100" b="1" dirty="0">
+                <a:solidFill>
+                  <a:schemeClr val="bg2">
+                    <a:lumMod val="25000"/>
+                  </a:schemeClr>
+                </a:solidFill>
+              </a:rPr>
+              <a:t>Corporations</a:t>
+            </a:r>
+          </a:p>
+          <a:p>
+            <a:pPr>
+              <a:lnSpc>
+                <a:spcPts val="1500"/>
+              </a:lnSpc>
+            </a:pPr>
+            <a:r>
+              <a:rPr lang="fr-FR" sz="1100" b="1" dirty="0">
+                <a:solidFill>
+                  <a:schemeClr val="bg2">
+                    <a:lumMod val="25000"/>
+                  </a:schemeClr>
+                </a:solidFill>
+              </a:rPr>
+              <a:t>Manufactures</a:t>
+            </a:r>
+          </a:p>
+          <a:p>
+            <a:pPr>
+              <a:lnSpc>
+                <a:spcPts val="1500"/>
+              </a:lnSpc>
+            </a:pPr>
+            <a:r>
+              <a:rPr lang="fr-FR" sz="1100" b="1" dirty="0">
+                <a:solidFill>
+                  <a:schemeClr val="bg2">
+                    <a:lumMod val="25000"/>
+                  </a:schemeClr>
+                </a:solidFill>
+              </a:rPr>
+              <a:t>Lieux</a:t>
+            </a:r>
+          </a:p>
+        </p:txBody>
+      </p:sp>
+      <p:sp>
+        <p:nvSpPr>
+          <p:cNvPr id="14" name="Rectangle 13">
+            <a:extLst>
+              <a:ext uri="{FF2B5EF4-FFF2-40B4-BE49-F238E27FC236}">
+                <a16:creationId xmlns:a16="http://schemas.microsoft.com/office/drawing/2014/main" id="{8BF78FC5-0958-4D68-929D-5358A54D1B04}"/>
+              </a:ext>
+            </a:extLst>
+          </p:cNvPr>
+          <p:cNvSpPr/>
+          <p:nvPr/>
+        </p:nvSpPr>
+        <p:spPr>
+          <a:xfrm>
+            <a:off x="3552825" y="2821068"/>
+            <a:ext cx="3924301" cy="449738"/>
+          </a:xfrm>
+          <a:prstGeom prst="rect">
+            <a:avLst/>
+          </a:prstGeom>
+          <a:noFill/>
+          <a:ln>
+            <a:noFill/>
+          </a:ln>
+        </p:spPr>
+        <p:style>
+          <a:lnRef idx="2">
+            <a:schemeClr val="accent1">
+              <a:shade val="50000"/>
+            </a:schemeClr>
+          </a:lnRef>
+          <a:fillRef idx="1">
+            <a:schemeClr val="accent1"/>
+          </a:fillRef>
+          <a:effectRef idx="0">
+            <a:schemeClr val="accent1"/>
+          </a:effectRef>
+          <a:fontRef idx="minor">
+            <a:schemeClr val="lt1"/>
+          </a:fontRef>
+        </p:style>
+        <p:txBody>
+          <a:bodyPr rtlCol="0" anchor="t"/>
+          <a:lstStyle/>
+          <a:p>
+            <a:r>
+              <a:rPr lang="fr-FR" sz="1100" b="1" dirty="0">
+                <a:solidFill>
+                  <a:schemeClr val="bg2">
+                    <a:lumMod val="25000"/>
+                  </a:schemeClr>
+                </a:solidFill>
+              </a:rPr>
+              <a:t>Ancien Régime </a:t>
+            </a:r>
+            <a:r>
+              <a:rPr lang="fr-FR" sz="1100" dirty="0">
+                <a:solidFill>
+                  <a:schemeClr val="bg2">
+                    <a:lumMod val="25000"/>
+                  </a:schemeClr>
+                </a:solidFill>
+              </a:rPr>
+              <a:t>&gt; </a:t>
+            </a:r>
+            <a:r>
+              <a:rPr lang="fr-FR" sz="1100" b="1" dirty="0">
+                <a:solidFill>
+                  <a:schemeClr val="bg2">
+                    <a:lumMod val="25000"/>
+                  </a:schemeClr>
+                </a:solidFill>
+              </a:rPr>
+              <a:t>Noms de personnes </a:t>
+            </a:r>
+            <a:r>
+              <a:rPr lang="fr-FR" sz="1100" dirty="0">
+                <a:solidFill>
+                  <a:schemeClr val="bg2">
+                    <a:lumMod val="25000"/>
+                  </a:schemeClr>
+                </a:solidFill>
+              </a:rPr>
+              <a:t>&gt;</a:t>
+            </a:r>
+            <a:r>
+              <a:rPr lang="fr-FR" sz="1100" b="1" dirty="0">
+                <a:solidFill>
+                  <a:schemeClr val="bg2">
+                    <a:lumMod val="25000"/>
+                  </a:schemeClr>
+                </a:solidFill>
+              </a:rPr>
+              <a:t> </a:t>
+            </a:r>
+            <a:r>
+              <a:rPr lang="fr-FR" sz="1100" dirty="0">
+                <a:solidFill>
+                  <a:schemeClr val="bg2">
+                    <a:lumMod val="25000"/>
+                  </a:schemeClr>
+                </a:solidFill>
+              </a:rPr>
+              <a:t>Doe John</a:t>
+            </a:r>
+          </a:p>
+        </p:txBody>
+      </p:sp>
+      <p:sp>
+        <p:nvSpPr>
+          <p:cNvPr id="30" name="Rectangle 29">
+            <a:extLst>
+              <a:ext uri="{FF2B5EF4-FFF2-40B4-BE49-F238E27FC236}">
+                <a16:creationId xmlns:a16="http://schemas.microsoft.com/office/drawing/2014/main" id="{24C0C05D-139C-41A9-9FDF-75D5F412CB37}"/>
+              </a:ext>
+            </a:extLst>
+          </p:cNvPr>
+          <p:cNvSpPr/>
+          <p:nvPr/>
+        </p:nvSpPr>
+        <p:spPr>
+          <a:xfrm>
+            <a:off x="10792668" y="143154"/>
+            <a:ext cx="1038225" cy="231195"/>
+          </a:xfrm>
+          <a:prstGeom prst="rect">
+            <a:avLst/>
+          </a:prstGeom>
+          <a:noFill/>
+          <a:ln>
+            <a:noFill/>
+          </a:ln>
+        </p:spPr>
+        <p:style>
+          <a:lnRef idx="2">
+            <a:schemeClr val="accent1">
+              <a:shade val="50000"/>
+            </a:schemeClr>
+          </a:lnRef>
+          <a:fillRef idx="1">
+            <a:schemeClr val="accent1"/>
+          </a:fillRef>
+          <a:effectRef idx="0">
+            <a:schemeClr val="accent1"/>
+          </a:effectRef>
+          <a:fontRef idx="minor">
+            <a:schemeClr val="lt1"/>
+          </a:fontRef>
+        </p:style>
+        <p:txBody>
+          <a:bodyPr rtlCol="0" anchor="ctr"/>
+          <a:lstStyle/>
+          <a:p>
+            <a:pPr algn="ctr"/>
+            <a:r>
+              <a:rPr lang="fr-FR" sz="1100" spc="70" dirty="0" err="1">
+                <a:solidFill>
+                  <a:schemeClr val="accent4">
+                    <a:lumMod val="75000"/>
+                  </a:schemeClr>
+                </a:solidFill>
+              </a:rPr>
+              <a:t>Connecté-e</a:t>
+            </a:r>
+            <a:endParaRPr lang="fr-FR" sz="1100" spc="70" dirty="0">
+              <a:solidFill>
+                <a:schemeClr val="accent4">
+                  <a:lumMod val="75000"/>
+                </a:schemeClr>
+              </a:solidFill>
+            </a:endParaRPr>
+          </a:p>
+        </p:txBody>
+      </p:sp>
+      <p:pic>
+        <p:nvPicPr>
+          <p:cNvPr id="32" name="Image 31">
+            <a:extLst>
+              <a:ext uri="{FF2B5EF4-FFF2-40B4-BE49-F238E27FC236}">
+                <a16:creationId xmlns:a16="http://schemas.microsoft.com/office/drawing/2014/main" id="{AF056348-753B-41CB-A2A7-9818B7AE9926}"/>
+              </a:ext>
+            </a:extLst>
+          </p:cNvPr>
+          <p:cNvPicPr>
+            <a:picLocks noChangeAspect="1"/>
+          </p:cNvPicPr>
+          <p:nvPr/>
+        </p:nvPicPr>
+        <p:blipFill>
+          <a:blip r:embed="rId4">
+            <a:duotone>
+              <a:schemeClr val="accent4">
+                <a:shade val="45000"/>
+                <a:satMod val="135000"/>
+              </a:schemeClr>
+              <a:prstClr val="white"/>
+            </a:duotone>
+            <a:extLst>
+              <a:ext uri="{28A0092B-C50C-407E-A947-70E740481C1C}">
+                <a14:useLocalDpi xmlns:a14="http://schemas.microsoft.com/office/drawing/2010/main" val="0"/>
+              </a:ext>
+            </a:extLst>
+          </a:blip>
+          <a:stretch>
+            <a:fillRect/>
+          </a:stretch>
+        </p:blipFill>
+        <p:spPr>
+          <a:xfrm>
+            <a:off x="11723897" y="151756"/>
+            <a:ext cx="213992" cy="213992"/>
+          </a:xfrm>
+          <a:prstGeom prst="rect">
+            <a:avLst/>
+          </a:prstGeom>
+        </p:spPr>
+      </p:pic>
+      <p:sp>
+        <p:nvSpPr>
+          <p:cNvPr id="62" name="Rectangle 61">
+            <a:extLst>
+              <a:ext uri="{FF2B5EF4-FFF2-40B4-BE49-F238E27FC236}">
+                <a16:creationId xmlns:a16="http://schemas.microsoft.com/office/drawing/2014/main" id="{2063E488-C59D-46A4-B19D-3EB67C8C3559}"/>
+              </a:ext>
+            </a:extLst>
+          </p:cNvPr>
+          <p:cNvSpPr/>
+          <p:nvPr/>
+        </p:nvSpPr>
+        <p:spPr>
+          <a:xfrm>
+            <a:off x="876298" y="6409159"/>
+            <a:ext cx="1981200" cy="400948"/>
+          </a:xfrm>
+          <a:prstGeom prst="rect">
+            <a:avLst/>
+          </a:prstGeom>
+          <a:solidFill>
+            <a:schemeClr val="bg1">
+              <a:lumMod val="85000"/>
+            </a:schemeClr>
+          </a:solidFill>
+          <a:ln>
+            <a:noFill/>
+          </a:ln>
+        </p:spPr>
+        <p:style>
+          <a:lnRef idx="2">
+            <a:schemeClr val="accent1">
+              <a:shade val="50000"/>
+            </a:schemeClr>
+          </a:lnRef>
+          <a:fillRef idx="1">
+            <a:schemeClr val="accent1"/>
+          </a:fillRef>
+          <a:effectRef idx="0">
+            <a:schemeClr val="accent1"/>
+          </a:effectRef>
+          <a:fontRef idx="minor">
+            <a:schemeClr val="lt1"/>
+          </a:fontRef>
+        </p:style>
+        <p:txBody>
+          <a:bodyPr rtlCol="0" anchor="ctr"/>
+          <a:lstStyle/>
+          <a:p>
+            <a:pPr algn="ctr"/>
+            <a:r>
+              <a:rPr lang="fr-FR" sz="1100" spc="70" dirty="0">
+                <a:solidFill>
+                  <a:schemeClr val="bg2">
+                    <a:lumMod val="25000"/>
+                  </a:schemeClr>
+                </a:solidFill>
+              </a:rPr>
+              <a:t>Types d’annotations</a:t>
+            </a:r>
+          </a:p>
+        </p:txBody>
+      </p:sp>
+      <p:sp>
+        <p:nvSpPr>
+          <p:cNvPr id="64" name="Triangle isocèle 63">
+            <a:extLst>
+              <a:ext uri="{FF2B5EF4-FFF2-40B4-BE49-F238E27FC236}">
+                <a16:creationId xmlns:a16="http://schemas.microsoft.com/office/drawing/2014/main" id="{54449C35-CEF1-4011-BB5C-B81065C2AC5E}"/>
+              </a:ext>
+            </a:extLst>
+          </p:cNvPr>
+          <p:cNvSpPr/>
+          <p:nvPr/>
+        </p:nvSpPr>
+        <p:spPr>
+          <a:xfrm rot="16200000" flipV="1">
+            <a:off x="979962" y="6586773"/>
+            <a:ext cx="69850" cy="45719"/>
+          </a:xfrm>
+          <a:prstGeom prst="triangle">
+            <a:avLst>
+              <a:gd name="adj" fmla="val 50000"/>
+            </a:avLst>
+          </a:prstGeom>
+          <a:solidFill>
+            <a:schemeClr val="bg2">
+              <a:lumMod val="25000"/>
+            </a:schemeClr>
+          </a:solidFill>
+          <a:ln>
+            <a:solidFill>
+              <a:schemeClr val="bg2">
+                <a:lumMod val="10000"/>
+              </a:schemeClr>
+            </a:solidFill>
+          </a:ln>
+        </p:spPr>
+        <p:style>
+          <a:lnRef idx="2">
+            <a:schemeClr val="dk1">
+              <a:shade val="50000"/>
+            </a:schemeClr>
+          </a:lnRef>
+          <a:fillRef idx="1">
+            <a:schemeClr val="dk1"/>
+          </a:fillRef>
+          <a:effectRef idx="0">
+            <a:schemeClr val="dk1"/>
+          </a:effectRef>
+          <a:fontRef idx="minor">
+            <a:schemeClr val="lt1"/>
+          </a:fontRef>
+        </p:style>
+        <p:txBody>
+          <a:bodyPr rtlCol="0" anchor="ctr"/>
+          <a:lstStyle/>
+          <a:p>
+            <a:pPr algn="ctr"/>
+            <a:endParaRPr lang="fr-FR"/>
+          </a:p>
+        </p:txBody>
+      </p:sp>
+      <p:sp>
+        <p:nvSpPr>
+          <p:cNvPr id="66" name="Triangle isocèle 65">
+            <a:extLst>
+              <a:ext uri="{FF2B5EF4-FFF2-40B4-BE49-F238E27FC236}">
+                <a16:creationId xmlns:a16="http://schemas.microsoft.com/office/drawing/2014/main" id="{781E9208-9B6D-4DAC-A1AA-C33AAF38BCD3}"/>
+              </a:ext>
+            </a:extLst>
+          </p:cNvPr>
+          <p:cNvSpPr/>
+          <p:nvPr/>
+        </p:nvSpPr>
+        <p:spPr>
+          <a:xfrm rot="16200000" flipV="1">
+            <a:off x="979961" y="5764375"/>
+            <a:ext cx="69850" cy="45719"/>
+          </a:xfrm>
+          <a:prstGeom prst="triangle">
+            <a:avLst>
+              <a:gd name="adj" fmla="val 50000"/>
+            </a:avLst>
+          </a:prstGeom>
+          <a:solidFill>
+            <a:schemeClr val="bg2">
+              <a:lumMod val="25000"/>
+            </a:schemeClr>
+          </a:solidFill>
+          <a:ln>
+            <a:solidFill>
+              <a:schemeClr val="bg2">
+                <a:lumMod val="10000"/>
+              </a:schemeClr>
+            </a:solidFill>
+          </a:ln>
+        </p:spPr>
+        <p:style>
+          <a:lnRef idx="2">
+            <a:schemeClr val="dk1">
+              <a:shade val="50000"/>
+            </a:schemeClr>
+          </a:lnRef>
+          <a:fillRef idx="1">
+            <a:schemeClr val="dk1"/>
+          </a:fillRef>
+          <a:effectRef idx="0">
+            <a:schemeClr val="dk1"/>
+          </a:effectRef>
+          <a:fontRef idx="minor">
+            <a:schemeClr val="lt1"/>
+          </a:fontRef>
+        </p:style>
+        <p:txBody>
+          <a:bodyPr rtlCol="0" anchor="ctr"/>
+          <a:lstStyle/>
+          <a:p>
+            <a:pPr algn="ctr"/>
+            <a:endParaRPr lang="fr-FR"/>
+          </a:p>
+        </p:txBody>
+      </p:sp>
+      <p:sp>
+        <p:nvSpPr>
+          <p:cNvPr id="68" name="Rectangle 67">
+            <a:extLst>
+              <a:ext uri="{FF2B5EF4-FFF2-40B4-BE49-F238E27FC236}">
+                <a16:creationId xmlns:a16="http://schemas.microsoft.com/office/drawing/2014/main" id="{B2F56EBC-DDB7-4723-9A0D-51ED0524AD7D}"/>
+              </a:ext>
+            </a:extLst>
+          </p:cNvPr>
+          <p:cNvSpPr/>
+          <p:nvPr/>
+        </p:nvSpPr>
+        <p:spPr>
+          <a:xfrm>
+            <a:off x="5329005" y="1385871"/>
+            <a:ext cx="1533990" cy="370067"/>
+          </a:xfrm>
+          <a:prstGeom prst="rect">
+            <a:avLst/>
+          </a:prstGeom>
+          <a:solidFill>
+            <a:schemeClr val="bg1">
+              <a:lumMod val="95000"/>
+            </a:schemeClr>
+          </a:solidFill>
+          <a:ln>
+            <a:solidFill>
+              <a:schemeClr val="bg2">
+                <a:lumMod val="90000"/>
+              </a:schemeClr>
+            </a:solidFill>
+          </a:ln>
+        </p:spPr>
+        <p:style>
+          <a:lnRef idx="2">
+            <a:schemeClr val="accent1">
+              <a:shade val="50000"/>
+            </a:schemeClr>
+          </a:lnRef>
+          <a:fillRef idx="1">
+            <a:schemeClr val="accent1"/>
+          </a:fillRef>
+          <a:effectRef idx="0">
+            <a:schemeClr val="accent1"/>
+          </a:effectRef>
+          <a:fontRef idx="minor">
+            <a:schemeClr val="lt1"/>
+          </a:fontRef>
+        </p:style>
+        <p:txBody>
+          <a:bodyPr rtlCol="0" anchor="ctr"/>
+          <a:lstStyle/>
+          <a:p>
+            <a:pPr algn="ctr"/>
+            <a:r>
+              <a:rPr lang="fr-FR" sz="1200" b="1" dirty="0">
+                <a:solidFill>
+                  <a:schemeClr val="accent4">
+                    <a:lumMod val="75000"/>
+                  </a:schemeClr>
+                </a:solidFill>
+                <a:cs typeface="Iskoola Pota" panose="020B0502040204020203" pitchFamily="34" charset="0"/>
+              </a:rPr>
+              <a:t>Les thésaurus</a:t>
+            </a:r>
+          </a:p>
+        </p:txBody>
+      </p:sp>
+      <p:sp>
+        <p:nvSpPr>
+          <p:cNvPr id="70" name="Rectangle 69">
+            <a:extLst>
+              <a:ext uri="{FF2B5EF4-FFF2-40B4-BE49-F238E27FC236}">
+                <a16:creationId xmlns:a16="http://schemas.microsoft.com/office/drawing/2014/main" id="{CC40AB9F-4B8B-4133-A4EE-636928FFA8A4}"/>
+              </a:ext>
+            </a:extLst>
+          </p:cNvPr>
+          <p:cNvSpPr/>
+          <p:nvPr/>
+        </p:nvSpPr>
+        <p:spPr>
+          <a:xfrm>
+            <a:off x="876298" y="2568435"/>
+            <a:ext cx="1981200" cy="400050"/>
+          </a:xfrm>
+          <a:prstGeom prst="rect">
+            <a:avLst/>
+          </a:prstGeom>
+          <a:noFill/>
+          <a:ln>
+            <a:noFill/>
+          </a:ln>
+        </p:spPr>
+        <p:style>
+          <a:lnRef idx="2">
+            <a:schemeClr val="accent1">
+              <a:shade val="50000"/>
+            </a:schemeClr>
+          </a:lnRef>
+          <a:fillRef idx="1">
+            <a:schemeClr val="accent1"/>
+          </a:fillRef>
+          <a:effectRef idx="0">
+            <a:schemeClr val="accent1"/>
+          </a:effectRef>
+          <a:fontRef idx="minor">
+            <a:schemeClr val="lt1"/>
+          </a:fontRef>
+        </p:style>
+        <p:txBody>
+          <a:bodyPr rtlCol="0" anchor="ctr"/>
+          <a:lstStyle/>
+          <a:p>
+            <a:pPr algn="ctr"/>
+            <a:r>
+              <a:rPr lang="fr-FR" sz="1400" b="1" spc="70" dirty="0">
+                <a:solidFill>
+                  <a:schemeClr val="bg2">
+                    <a:lumMod val="25000"/>
+                  </a:schemeClr>
+                </a:solidFill>
+              </a:rPr>
+              <a:t>Les thésaurus</a:t>
+            </a:r>
+          </a:p>
+        </p:txBody>
+      </p:sp>
+      <p:sp>
+        <p:nvSpPr>
+          <p:cNvPr id="78" name="Rectangle 77">
+            <a:extLst>
+              <a:ext uri="{FF2B5EF4-FFF2-40B4-BE49-F238E27FC236}">
+                <a16:creationId xmlns:a16="http://schemas.microsoft.com/office/drawing/2014/main" id="{B16853EB-5408-4854-B56A-5F5F0E999DBF}"/>
+              </a:ext>
+            </a:extLst>
+          </p:cNvPr>
+          <p:cNvSpPr/>
+          <p:nvPr/>
+        </p:nvSpPr>
+        <p:spPr>
+          <a:xfrm>
+            <a:off x="5329005" y="1749673"/>
+            <a:ext cx="1533990" cy="400050"/>
+          </a:xfrm>
+          <a:prstGeom prst="rect">
+            <a:avLst/>
+          </a:prstGeom>
+          <a:solidFill>
+            <a:schemeClr val="bg1">
+              <a:lumMod val="85000"/>
+            </a:schemeClr>
+          </a:solidFill>
+          <a:ln>
+            <a:noFill/>
+          </a:ln>
+        </p:spPr>
+        <p:style>
+          <a:lnRef idx="2">
+            <a:schemeClr val="accent1">
+              <a:shade val="50000"/>
+            </a:schemeClr>
+          </a:lnRef>
+          <a:fillRef idx="1">
+            <a:schemeClr val="accent1"/>
+          </a:fillRef>
+          <a:effectRef idx="0">
+            <a:schemeClr val="accent1"/>
+          </a:effectRef>
+          <a:fontRef idx="minor">
+            <a:schemeClr val="lt1"/>
+          </a:fontRef>
+        </p:style>
+        <p:txBody>
+          <a:bodyPr rtlCol="0" anchor="ctr"/>
+          <a:lstStyle/>
+          <a:p>
+            <a:pPr algn="ctr"/>
+            <a:r>
+              <a:rPr lang="fr-FR" sz="1100" b="1" dirty="0">
+                <a:solidFill>
+                  <a:schemeClr val="bg2">
+                    <a:lumMod val="25000"/>
+                  </a:schemeClr>
+                </a:solidFill>
+                <a:cs typeface="Iskoola Pota" panose="020B0502040204020203" pitchFamily="34" charset="0"/>
+              </a:rPr>
+              <a:t>Créer un  nouveau terme</a:t>
+            </a:r>
+          </a:p>
+        </p:txBody>
+      </p:sp>
+      <p:sp>
+        <p:nvSpPr>
+          <p:cNvPr id="15" name="Rectangle 14">
+            <a:extLst>
+              <a:ext uri="{FF2B5EF4-FFF2-40B4-BE49-F238E27FC236}">
+                <a16:creationId xmlns:a16="http://schemas.microsoft.com/office/drawing/2014/main" id="{622713AD-587A-429F-AE99-480F0A507160}"/>
+              </a:ext>
+            </a:extLst>
+          </p:cNvPr>
+          <p:cNvSpPr/>
+          <p:nvPr/>
+        </p:nvSpPr>
+        <p:spPr>
+          <a:xfrm>
+            <a:off x="4965649" y="5829468"/>
+            <a:ext cx="6025660" cy="1374703"/>
+          </a:xfrm>
+          <a:prstGeom prst="rect">
+            <a:avLst/>
+          </a:prstGeom>
+          <a:solidFill>
+            <a:schemeClr val="bg1"/>
+          </a:solidFill>
+          <a:ln>
+            <a:noFill/>
+          </a:ln>
+        </p:spPr>
+        <p:style>
+          <a:lnRef idx="2">
+            <a:schemeClr val="accent1">
+              <a:shade val="50000"/>
+            </a:schemeClr>
+          </a:lnRef>
+          <a:fillRef idx="1">
+            <a:schemeClr val="accent1"/>
+          </a:fillRef>
+          <a:effectRef idx="0">
+            <a:schemeClr val="accent1"/>
+          </a:effectRef>
+          <a:fontRef idx="minor">
+            <a:schemeClr val="lt1"/>
+          </a:fontRef>
+        </p:style>
+        <p:txBody>
+          <a:bodyPr rtlCol="0" anchor="ctr"/>
+          <a:lstStyle/>
+          <a:p>
+            <a:pPr algn="ctr"/>
+            <a:endParaRPr lang="fr-FR"/>
+          </a:p>
+        </p:txBody>
+      </p:sp>
+      <p:graphicFrame>
+        <p:nvGraphicFramePr>
+          <p:cNvPr id="19" name="Tableau 50">
+            <a:extLst>
+              <a:ext uri="{FF2B5EF4-FFF2-40B4-BE49-F238E27FC236}">
+                <a16:creationId xmlns:a16="http://schemas.microsoft.com/office/drawing/2014/main" id="{38633EDB-B75E-4DEF-B75E-84C5C1EC4810}"/>
+              </a:ext>
+            </a:extLst>
+          </p:cNvPr>
+          <p:cNvGraphicFramePr>
+            <a:graphicFrameLocks noGrp="1"/>
+          </p:cNvGraphicFramePr>
+          <p:nvPr>
+            <p:extLst>
+              <p:ext uri="{D42A27DB-BD31-4B8C-83A1-F6EECF244321}">
+                <p14:modId xmlns:p14="http://schemas.microsoft.com/office/powerpoint/2010/main" val="3533717821"/>
+              </p:ext>
+            </p:extLst>
+          </p:nvPr>
+        </p:nvGraphicFramePr>
+        <p:xfrm>
+          <a:off x="3640945" y="3175933"/>
+          <a:ext cx="7372350" cy="3507861"/>
+        </p:xfrm>
+        <a:graphic>
+          <a:graphicData uri="http://schemas.openxmlformats.org/drawingml/2006/table">
+            <a:tbl>
+              <a:tblPr firstRow="1" bandRow="1">
+                <a:tableStyleId>{8799B23B-EC83-4686-B30A-512413B5E67A}</a:tableStyleId>
+              </a:tblPr>
+              <a:tblGrid>
+                <a:gridCol w="1315508">
+                  <a:extLst>
+                    <a:ext uri="{9D8B030D-6E8A-4147-A177-3AD203B41FA5}">
+                      <a16:colId xmlns:a16="http://schemas.microsoft.com/office/drawing/2014/main" val="1438099883"/>
+                    </a:ext>
+                  </a:extLst>
+                </a:gridCol>
+                <a:gridCol w="6056842">
+                  <a:extLst>
+                    <a:ext uri="{9D8B030D-6E8A-4147-A177-3AD203B41FA5}">
+                      <a16:colId xmlns:a16="http://schemas.microsoft.com/office/drawing/2014/main" val="3982244452"/>
+                    </a:ext>
+                  </a:extLst>
+                </a:gridCol>
+              </a:tblGrid>
+              <a:tr h="454567">
+                <a:tc>
+                  <a:txBody>
+                    <a:bodyPr/>
+                    <a:lstStyle/>
+                    <a:p>
+                      <a:r>
+                        <a:rPr lang="fr-FR" sz="1200" b="0" i="1" dirty="0">
+                          <a:solidFill>
+                            <a:schemeClr val="bg2">
+                              <a:lumMod val="25000"/>
+                            </a:schemeClr>
+                          </a:solidFill>
+                        </a:rPr>
+                        <a:t>Nom</a:t>
+                      </a:r>
+                    </a:p>
+                  </a:txBody>
+                  <a:tcPr marL="144000" marR="144000" marT="216000" marB="0" anchor="ctr">
+                    <a:lnL w="12700" cmpd="sng">
+                      <a:noFill/>
+                    </a:lnL>
+                    <a:lnR w="12700" cmpd="sng">
+                      <a:noFill/>
+                    </a:lnR>
+                    <a:lnT w="12700" cmpd="sng">
+                      <a:noFill/>
+                    </a:lnT>
+                    <a:lnB w="25400" cmpd="sng">
+                      <a:noFill/>
+                    </a:lnB>
+                    <a:lnTlToBr w="12700" cmpd="sng">
+                      <a:noFill/>
+                      <a:prstDash val="solid"/>
+                    </a:lnTlToBr>
+                    <a:lnBlToTr w="12700" cmpd="sng">
+                      <a:noFill/>
+                      <a:prstDash val="solid"/>
+                    </a:lnBlToTr>
+                    <a:noFill/>
+                  </a:tcPr>
+                </a:tc>
+                <a:tc>
+                  <a:txBody>
+                    <a:bodyPr/>
+                    <a:lstStyle/>
+                    <a:p>
+                      <a:r>
+                        <a:rPr lang="fr-FR" sz="1400" b="0" dirty="0"/>
+                        <a:t>John Doe, </a:t>
+                      </a:r>
+                      <a:r>
+                        <a:rPr lang="fr-FR" sz="1200" b="0" dirty="0"/>
+                        <a:t>Jon Doe, John Do</a:t>
+                      </a:r>
+                      <a:endParaRPr lang="fr-FR" sz="1400" dirty="0"/>
+                    </a:p>
+                  </a:txBody>
+                  <a:tcPr marL="144000" marR="144000" marT="216000" marB="0" anchor="ctr">
+                    <a:lnL w="12700" cmpd="sng">
+                      <a:noFill/>
+                    </a:lnL>
+                    <a:lnR w="12700" cmpd="sng">
+                      <a:noFill/>
+                    </a:lnR>
+                    <a:lnT w="12700" cmpd="sng">
+                      <a:noFill/>
+                    </a:lnT>
+                    <a:lnB w="25400" cmpd="sng">
+                      <a:noFill/>
+                    </a:lnB>
+                    <a:lnTlToBr w="12700" cmpd="sng">
+                      <a:noFill/>
+                      <a:prstDash val="solid"/>
+                    </a:lnTlToBr>
+                    <a:lnBlToTr w="12700" cmpd="sng">
+                      <a:noFill/>
+                      <a:prstDash val="solid"/>
+                    </a:lnBlToTr>
+                    <a:noFill/>
+                  </a:tcPr>
+                </a:tc>
+                <a:extLst>
+                  <a:ext uri="{0D108BD9-81ED-4DB2-BD59-A6C34878D82A}">
+                    <a16:rowId xmlns:a16="http://schemas.microsoft.com/office/drawing/2014/main" val="3753204309"/>
+                  </a:ext>
+                </a:extLst>
+              </a:tr>
+              <a:tr h="454567">
+                <a:tc>
+                  <a:txBody>
+                    <a:bodyPr/>
+                    <a:lstStyle/>
+                    <a:p>
+                      <a:r>
+                        <a:rPr lang="fr-FR" sz="1200" b="0" i="1" dirty="0">
+                          <a:solidFill>
+                            <a:schemeClr val="bg2">
+                              <a:lumMod val="25000"/>
+                            </a:schemeClr>
+                          </a:solidFill>
+                        </a:rPr>
+                        <a:t>Activité</a:t>
+                      </a:r>
+                    </a:p>
+                  </a:txBody>
+                  <a:tcPr marL="144000" marR="144000" marT="216000" marB="0" anchor="ctr">
+                    <a:lnL w="12700" cmpd="sng">
+                      <a:noFill/>
+                    </a:lnL>
+                    <a:lnR w="12700" cmpd="sng">
+                      <a:noFill/>
+                    </a:lnR>
+                    <a:lnT w="25400" cmpd="sng">
+                      <a:noFill/>
+                    </a:lnT>
+                    <a:lnB w="12700" cmpd="sng">
+                      <a:noFill/>
+                    </a:lnB>
+                    <a:lnTlToBr w="12700" cmpd="sng">
+                      <a:noFill/>
+                      <a:prstDash val="solid"/>
+                    </a:lnTlToBr>
+                    <a:lnBlToTr w="12700" cmpd="sng">
+                      <a:noFill/>
+                      <a:prstDash val="solid"/>
+                    </a:lnBlToTr>
+                    <a:noFill/>
+                  </a:tcPr>
+                </a:tc>
+                <a:tc>
+                  <a:txBody>
+                    <a:bodyPr/>
+                    <a:lstStyle/>
+                    <a:p>
+                      <a:r>
+                        <a:rPr lang="fr-FR" sz="1200" dirty="0"/>
+                        <a:t>Boulanger (1665-1710), marchand (1710-1718)</a:t>
+                      </a:r>
+                    </a:p>
+                    <a:p>
+                      <a:endParaRPr lang="fr-FR" sz="1200" dirty="0"/>
+                    </a:p>
+                    <a:p>
+                      <a:r>
+                        <a:rPr lang="fr-FR" sz="1200" dirty="0"/>
+                        <a:t>     Membre de </a:t>
+                      </a:r>
+                      <a:r>
+                        <a:rPr lang="fr-FR" sz="1200" b="1" u="sng" dirty="0"/>
+                        <a:t>Marchands du Pont Neuf</a:t>
+                      </a:r>
+                      <a:r>
+                        <a:rPr lang="fr-FR" sz="1200" b="0" u="none" dirty="0"/>
+                        <a:t> (1715-1718).</a:t>
+                      </a:r>
+                      <a:endParaRPr lang="fr-FR" sz="1200" u="none" dirty="0"/>
+                    </a:p>
+                  </a:txBody>
+                  <a:tcPr marL="144000" marR="144000" marT="216000" marB="0" anchor="ctr">
+                    <a:lnL w="12700" cmpd="sng">
+                      <a:noFill/>
+                    </a:lnL>
+                    <a:lnR w="12700" cmpd="sng">
+                      <a:noFill/>
+                    </a:lnR>
+                    <a:lnT w="25400" cmpd="sng">
+                      <a:noFill/>
+                    </a:lnT>
+                    <a:lnB w="12700" cmpd="sng">
+                      <a:noFill/>
+                    </a:lnB>
+                    <a:lnTlToBr w="12700" cmpd="sng">
+                      <a:noFill/>
+                      <a:prstDash val="solid"/>
+                    </a:lnTlToBr>
+                    <a:lnBlToTr w="12700" cmpd="sng">
+                      <a:noFill/>
+                      <a:prstDash val="solid"/>
+                    </a:lnBlToTr>
+                    <a:noFill/>
+                  </a:tcPr>
+                </a:tc>
+                <a:extLst>
+                  <a:ext uri="{0D108BD9-81ED-4DB2-BD59-A6C34878D82A}">
+                    <a16:rowId xmlns:a16="http://schemas.microsoft.com/office/drawing/2014/main" val="2460935024"/>
+                  </a:ext>
+                </a:extLst>
+              </a:tr>
+              <a:tr h="454567">
+                <a:tc>
+                  <a:txBody>
+                    <a:bodyPr/>
+                    <a:lstStyle/>
+                    <a:p>
+                      <a:r>
+                        <a:rPr lang="fr-FR" sz="1200" b="0" i="1" dirty="0">
+                          <a:solidFill>
+                            <a:schemeClr val="bg2">
+                              <a:lumMod val="25000"/>
+                            </a:schemeClr>
+                          </a:solidFill>
+                        </a:rPr>
+                        <a:t>Définition</a:t>
+                      </a:r>
+                    </a:p>
+                  </a:txBody>
+                  <a:tcPr marL="144000" marR="144000" marT="216000" marB="0" anchor="ctr">
+                    <a:lnL w="12700" cmpd="sng">
+                      <a:noFill/>
+                    </a:lnL>
+                    <a:lnR w="12700" cmpd="sng">
+                      <a:noFill/>
+                    </a:lnR>
+                    <a:lnT w="12700" cmpd="sng">
+                      <a:noFill/>
+                    </a:lnT>
+                    <a:lnB w="12700" cmpd="sng">
+                      <a:noFill/>
+                    </a:lnB>
+                    <a:lnTlToBr w="12700" cmpd="sng">
+                      <a:noFill/>
+                      <a:prstDash val="solid"/>
+                    </a:lnTlToBr>
+                    <a:lnBlToTr w="12700" cmpd="sng">
+                      <a:noFill/>
+                      <a:prstDash val="solid"/>
+                    </a:lnBlToTr>
+                    <a:noFill/>
+                  </a:tcPr>
+                </a:tc>
+                <a:tc>
+                  <a:txBody>
+                    <a:bodyPr/>
+                    <a:lstStyle/>
+                    <a:p>
+                      <a:endParaRPr lang="fr-FR" sz="1600" dirty="0"/>
+                    </a:p>
+                  </a:txBody>
+                  <a:tcPr marL="144000" marR="144000" marT="216000" marB="0" anchor="ctr">
+                    <a:lnL w="12700" cmpd="sng">
+                      <a:noFill/>
+                    </a:lnL>
+                    <a:lnR w="12700" cmpd="sng">
+                      <a:noFill/>
+                    </a:lnR>
+                    <a:lnT w="12700" cmpd="sng">
+                      <a:noFill/>
+                    </a:lnT>
+                    <a:lnB w="12700" cmpd="sng">
+                      <a:noFill/>
+                    </a:lnB>
+                    <a:lnTlToBr w="12700" cmpd="sng">
+                      <a:noFill/>
+                      <a:prstDash val="solid"/>
+                    </a:lnTlToBr>
+                    <a:lnBlToTr w="12700" cmpd="sng">
+                      <a:noFill/>
+                      <a:prstDash val="solid"/>
+                    </a:lnBlToTr>
+                    <a:noFill/>
+                  </a:tcPr>
+                </a:tc>
+                <a:extLst>
+                  <a:ext uri="{0D108BD9-81ED-4DB2-BD59-A6C34878D82A}">
+                    <a16:rowId xmlns:a16="http://schemas.microsoft.com/office/drawing/2014/main" val="4060873165"/>
+                  </a:ext>
+                </a:extLst>
+              </a:tr>
+              <a:tr h="454567">
+                <a:tc>
+                  <a:txBody>
+                    <a:bodyPr/>
+                    <a:lstStyle/>
+                    <a:p>
+                      <a:r>
+                        <a:rPr lang="fr-FR" sz="1200" b="0" i="1" dirty="0">
+                          <a:solidFill>
+                            <a:schemeClr val="bg2">
+                              <a:lumMod val="25000"/>
+                            </a:schemeClr>
+                          </a:solidFill>
+                        </a:rPr>
+                        <a:t>Sources</a:t>
+                      </a:r>
+                    </a:p>
+                  </a:txBody>
+                  <a:tcPr marL="144000" marR="144000" marT="216000" marB="0" anchor="ctr">
+                    <a:lnL w="12700" cmpd="sng">
+                      <a:noFill/>
+                    </a:lnL>
+                    <a:lnR w="12700" cmpd="sng">
+                      <a:noFill/>
+                    </a:lnR>
+                    <a:lnT w="12700" cmpd="sng">
+                      <a:noFill/>
+                    </a:lnT>
+                    <a:lnB w="12700" cmpd="sng">
+                      <a:noFill/>
+                    </a:lnB>
+                    <a:lnTlToBr w="12700" cmpd="sng">
+                      <a:noFill/>
+                      <a:prstDash val="solid"/>
+                    </a:lnTlToBr>
+                    <a:lnBlToTr w="12700" cmpd="sng">
+                      <a:noFill/>
+                      <a:prstDash val="solid"/>
+                    </a:lnBlToTr>
+                    <a:noFill/>
+                  </a:tcPr>
+                </a:tc>
+                <a:tc>
+                  <a:txBody>
+                    <a:bodyPr/>
+                    <a:lstStyle/>
+                    <a:p>
+                      <a:r>
+                        <a:rPr lang="fr-FR" sz="1050" dirty="0"/>
+                        <a:t>Auteur A. (1765) – </a:t>
+                      </a:r>
+                      <a:r>
+                        <a:rPr lang="fr-FR" sz="1050" i="1" dirty="0"/>
+                        <a:t>Source</a:t>
+                      </a:r>
+                      <a:r>
+                        <a:rPr lang="fr-FR" sz="1050" dirty="0"/>
+                        <a:t>, édition, date. </a:t>
+                      </a:r>
+                    </a:p>
+                  </a:txBody>
+                  <a:tcPr marL="144000" marR="144000" marT="216000" marB="0" anchor="ctr">
+                    <a:lnL w="12700" cmpd="sng">
+                      <a:noFill/>
+                    </a:lnL>
+                    <a:lnR w="12700" cmpd="sng">
+                      <a:noFill/>
+                    </a:lnR>
+                    <a:lnT w="12700" cmpd="sng">
+                      <a:noFill/>
+                    </a:lnT>
+                    <a:lnB w="12700" cmpd="sng">
+                      <a:noFill/>
+                    </a:lnB>
+                    <a:lnTlToBr w="12700" cmpd="sng">
+                      <a:noFill/>
+                      <a:prstDash val="solid"/>
+                    </a:lnTlToBr>
+                    <a:lnBlToTr w="12700" cmpd="sng">
+                      <a:noFill/>
+                      <a:prstDash val="solid"/>
+                    </a:lnBlToTr>
+                    <a:noFill/>
+                  </a:tcPr>
+                </a:tc>
+                <a:extLst>
+                  <a:ext uri="{0D108BD9-81ED-4DB2-BD59-A6C34878D82A}">
+                    <a16:rowId xmlns:a16="http://schemas.microsoft.com/office/drawing/2014/main" val="3443036176"/>
+                  </a:ext>
+                </a:extLst>
+              </a:tr>
+              <a:tr h="454567">
+                <a:tc>
+                  <a:txBody>
+                    <a:bodyPr/>
+                    <a:lstStyle/>
+                    <a:p>
+                      <a:r>
+                        <a:rPr lang="fr-FR" sz="1200" b="0" i="1" dirty="0">
+                          <a:solidFill>
+                            <a:schemeClr val="bg2">
+                              <a:lumMod val="25000"/>
+                            </a:schemeClr>
+                          </a:solidFill>
+                        </a:rPr>
+                        <a:t>Ressources liées</a:t>
+                      </a:r>
+                    </a:p>
+                  </a:txBody>
+                  <a:tcPr marL="144000" marR="144000" marT="216000" marB="0" anchor="ctr">
+                    <a:lnL w="12700" cmpd="sng">
+                      <a:noFill/>
+                    </a:lnL>
+                    <a:lnR w="12700" cmpd="sng">
+                      <a:noFill/>
+                    </a:lnR>
+                    <a:lnT w="12700" cmpd="sng">
+                      <a:noFill/>
+                    </a:lnT>
+                    <a:lnB w="12700" cmpd="sng">
+                      <a:noFill/>
+                    </a:lnB>
+                    <a:lnTlToBr w="12700" cmpd="sng">
+                      <a:noFill/>
+                      <a:prstDash val="solid"/>
+                    </a:lnTlToBr>
+                    <a:lnBlToTr w="12700" cmpd="sng">
+                      <a:noFill/>
+                      <a:prstDash val="solid"/>
+                    </a:lnBlToTr>
+                    <a:noFill/>
+                  </a:tcPr>
+                </a:tc>
+                <a:tc>
+                  <a:txBody>
+                    <a:bodyPr/>
+                    <a:lstStyle/>
+                    <a:p>
+                      <a:r>
+                        <a:rPr lang="fr-FR" sz="1200" b="1" u="none" dirty="0">
+                          <a:solidFill>
+                            <a:schemeClr val="bg2">
+                              <a:lumMod val="10000"/>
+                            </a:schemeClr>
+                          </a:solidFill>
+                        </a:rPr>
+                        <a:t>Ressources </a:t>
+                      </a:r>
+                      <a:r>
+                        <a:rPr lang="fr-FR" sz="1200" b="1" u="none" dirty="0" err="1">
+                          <a:solidFill>
+                            <a:schemeClr val="bg2">
+                              <a:lumMod val="10000"/>
+                            </a:schemeClr>
+                          </a:solidFill>
+                        </a:rPr>
+                        <a:t>IReMus</a:t>
+                      </a:r>
+                      <a:endParaRPr lang="fr-FR" sz="1200" b="1" u="none" dirty="0">
+                        <a:solidFill>
+                          <a:schemeClr val="bg2">
+                            <a:lumMod val="10000"/>
+                          </a:schemeClr>
+                        </a:solidFill>
+                      </a:endParaRPr>
+                    </a:p>
+                  </a:txBody>
+                  <a:tcPr marL="144000" marR="144000" marT="216000" marB="0" anchor="ctr">
+                    <a:lnL w="12700" cmpd="sng">
+                      <a:noFill/>
+                    </a:lnL>
+                    <a:lnR w="12700" cmpd="sng">
+                      <a:noFill/>
+                    </a:lnR>
+                    <a:lnT w="12700" cmpd="sng">
+                      <a:noFill/>
+                    </a:lnT>
+                    <a:lnB w="12700" cmpd="sng">
+                      <a:noFill/>
+                    </a:lnB>
+                    <a:lnTlToBr w="12700" cmpd="sng">
+                      <a:noFill/>
+                      <a:prstDash val="solid"/>
+                    </a:lnTlToBr>
+                    <a:lnBlToTr w="12700" cmpd="sng">
+                      <a:noFill/>
+                      <a:prstDash val="solid"/>
+                    </a:lnBlToTr>
+                    <a:noFill/>
+                  </a:tcPr>
+                </a:tc>
+                <a:extLst>
+                  <a:ext uri="{0D108BD9-81ED-4DB2-BD59-A6C34878D82A}">
+                    <a16:rowId xmlns:a16="http://schemas.microsoft.com/office/drawing/2014/main" val="2835274791"/>
+                  </a:ext>
+                </a:extLst>
+              </a:tr>
+              <a:tr h="454567">
+                <a:tc>
+                  <a:txBody>
+                    <a:bodyPr/>
+                    <a:lstStyle/>
+                    <a:p>
+                      <a:endParaRPr lang="fr-FR" sz="1200" b="0" i="1" dirty="0">
+                        <a:solidFill>
+                          <a:schemeClr val="bg2">
+                            <a:lumMod val="25000"/>
+                          </a:schemeClr>
+                        </a:solidFill>
+                      </a:endParaRPr>
+                    </a:p>
+                  </a:txBody>
+                  <a:tcPr marL="144000" marR="144000" marT="216000" marB="0" anchor="ctr">
+                    <a:lnL w="12700" cmpd="sng">
+                      <a:noFill/>
+                    </a:lnL>
+                    <a:lnR w="12700" cmpd="sng">
+                      <a:noFill/>
+                    </a:lnR>
+                    <a:lnT w="12700" cmpd="sng">
+                      <a:noFill/>
+                    </a:lnT>
+                    <a:lnB w="12700" cmpd="sng">
+                      <a:noFill/>
+                    </a:lnB>
+                    <a:lnTlToBr w="12700" cmpd="sng">
+                      <a:noFill/>
+                      <a:prstDash val="solid"/>
+                    </a:lnTlToBr>
+                    <a:lnBlToTr w="12700" cmpd="sng">
+                      <a:noFill/>
+                      <a:prstDash val="solid"/>
+                    </a:lnBlToTr>
+                    <a:noFill/>
+                  </a:tcPr>
+                </a:tc>
+                <a:tc>
+                  <a:txBody>
+                    <a:bodyPr/>
+                    <a:lstStyle/>
+                    <a:p>
+                      <a:endParaRPr lang="fr-FR" sz="1600" dirty="0"/>
+                    </a:p>
+                  </a:txBody>
+                  <a:tcPr marL="144000" marR="144000" marT="216000" marB="0" anchor="ctr">
+                    <a:lnL w="12700" cmpd="sng">
+                      <a:noFill/>
+                    </a:lnL>
+                    <a:lnR w="12700" cmpd="sng">
+                      <a:noFill/>
+                    </a:lnR>
+                    <a:lnT w="12700" cmpd="sng">
+                      <a:noFill/>
+                    </a:lnT>
+                    <a:lnB w="12700" cmpd="sng">
+                      <a:noFill/>
+                    </a:lnB>
+                    <a:lnTlToBr w="12700" cmpd="sng">
+                      <a:noFill/>
+                      <a:prstDash val="solid"/>
+                    </a:lnTlToBr>
+                    <a:lnBlToTr w="12700" cmpd="sng">
+                      <a:noFill/>
+                      <a:prstDash val="solid"/>
+                    </a:lnBlToTr>
+                    <a:noFill/>
+                  </a:tcPr>
+                </a:tc>
+                <a:extLst>
+                  <a:ext uri="{0D108BD9-81ED-4DB2-BD59-A6C34878D82A}">
+                    <a16:rowId xmlns:a16="http://schemas.microsoft.com/office/drawing/2014/main" val="2389814184"/>
+                  </a:ext>
+                </a:extLst>
+              </a:tr>
+              <a:tr h="454567">
+                <a:tc>
+                  <a:txBody>
+                    <a:bodyPr/>
+                    <a:lstStyle/>
+                    <a:p>
+                      <a:endParaRPr lang="fr-FR" sz="1200" b="0" i="1" dirty="0">
+                        <a:solidFill>
+                          <a:schemeClr val="bg2">
+                            <a:lumMod val="25000"/>
+                          </a:schemeClr>
+                        </a:solidFill>
+                      </a:endParaRPr>
+                    </a:p>
+                  </a:txBody>
+                  <a:tcPr marL="144000" marR="144000" marT="216000" marB="0" anchor="ctr">
+                    <a:lnL w="12700" cmpd="sng">
+                      <a:noFill/>
+                    </a:lnL>
+                    <a:lnR w="12700" cmpd="sng">
+                      <a:noFill/>
+                    </a:lnR>
+                    <a:lnT w="12700" cmpd="sng">
+                      <a:noFill/>
+                    </a:lnT>
+                    <a:lnB w="12700" cmpd="sng">
+                      <a:noFill/>
+                    </a:lnB>
+                    <a:lnTlToBr w="12700" cmpd="sng">
+                      <a:noFill/>
+                      <a:prstDash val="solid"/>
+                    </a:lnTlToBr>
+                    <a:lnBlToTr w="12700" cmpd="sng">
+                      <a:noFill/>
+                      <a:prstDash val="solid"/>
+                    </a:lnBlToTr>
+                    <a:noFill/>
+                  </a:tcPr>
+                </a:tc>
+                <a:tc>
+                  <a:txBody>
+                    <a:bodyPr/>
+                    <a:lstStyle/>
+                    <a:p>
+                      <a:endParaRPr lang="fr-FR" sz="1600" dirty="0"/>
+                    </a:p>
+                  </a:txBody>
+                  <a:tcPr marL="144000" marR="144000" marT="216000" marB="0" anchor="ctr">
+                    <a:lnL w="12700" cmpd="sng">
+                      <a:noFill/>
+                    </a:lnL>
+                    <a:lnR w="12700" cmpd="sng">
+                      <a:noFill/>
+                    </a:lnR>
+                    <a:lnT w="12700" cmpd="sng">
+                      <a:noFill/>
+                    </a:lnT>
+                    <a:lnB w="12700" cmpd="sng">
+                      <a:noFill/>
+                    </a:lnB>
+                    <a:lnTlToBr w="12700" cmpd="sng">
+                      <a:noFill/>
+                      <a:prstDash val="solid"/>
+                    </a:lnTlToBr>
+                    <a:lnBlToTr w="12700" cmpd="sng">
+                      <a:noFill/>
+                      <a:prstDash val="solid"/>
+                    </a:lnBlToTr>
+                    <a:noFill/>
+                  </a:tcPr>
+                </a:tc>
+                <a:extLst>
+                  <a:ext uri="{0D108BD9-81ED-4DB2-BD59-A6C34878D82A}">
+                    <a16:rowId xmlns:a16="http://schemas.microsoft.com/office/drawing/2014/main" val="3331248102"/>
+                  </a:ext>
+                </a:extLst>
+              </a:tr>
+            </a:tbl>
+          </a:graphicData>
+        </a:graphic>
+      </p:graphicFrame>
+      <p:sp>
+        <p:nvSpPr>
+          <p:cNvPr id="20" name="Rectangle : coins arrondis 19">
+            <a:extLst>
+              <a:ext uri="{FF2B5EF4-FFF2-40B4-BE49-F238E27FC236}">
+                <a16:creationId xmlns:a16="http://schemas.microsoft.com/office/drawing/2014/main" id="{261B5748-F93D-4590-B278-EAE8FE0A5620}"/>
+              </a:ext>
+            </a:extLst>
+          </p:cNvPr>
+          <p:cNvSpPr/>
+          <p:nvPr/>
+        </p:nvSpPr>
+        <p:spPr>
+          <a:xfrm>
+            <a:off x="10043860" y="5947325"/>
+            <a:ext cx="969435" cy="249909"/>
+          </a:xfrm>
+          <a:prstGeom prst="roundRect">
+            <a:avLst/>
+          </a:prstGeom>
+          <a:noFill/>
+          <a:ln>
+            <a:noFill/>
+          </a:ln>
+        </p:spPr>
+        <p:style>
+          <a:lnRef idx="2">
+            <a:schemeClr val="accent1">
+              <a:shade val="50000"/>
+            </a:schemeClr>
+          </a:lnRef>
+          <a:fillRef idx="1">
+            <a:schemeClr val="accent1"/>
+          </a:fillRef>
+          <a:effectRef idx="0">
+            <a:schemeClr val="accent1"/>
+          </a:effectRef>
+          <a:fontRef idx="minor">
+            <a:schemeClr val="lt1"/>
+          </a:fontRef>
+        </p:style>
+        <p:txBody>
+          <a:bodyPr rtlCol="0" anchor="ctr"/>
+          <a:lstStyle/>
+          <a:p>
+            <a:pPr algn="ctr"/>
+            <a:r>
+              <a:rPr lang="fr-FR" sz="1000" b="1" u="sng" dirty="0">
+                <a:solidFill>
+                  <a:srgbClr val="C00000"/>
+                </a:solidFill>
+              </a:rPr>
+              <a:t>Ajouter une ressource</a:t>
+            </a:r>
+          </a:p>
+        </p:txBody>
+      </p:sp>
+      <p:pic>
+        <p:nvPicPr>
+          <p:cNvPr id="22" name="Image 21">
+            <a:extLst>
+              <a:ext uri="{FF2B5EF4-FFF2-40B4-BE49-F238E27FC236}">
+                <a16:creationId xmlns:a16="http://schemas.microsoft.com/office/drawing/2014/main" id="{6FB354CB-5DA8-4383-8F64-47BA9216216F}"/>
+              </a:ext>
+            </a:extLst>
+          </p:cNvPr>
+          <p:cNvPicPr>
+            <a:picLocks noChangeAspect="1"/>
+          </p:cNvPicPr>
+          <p:nvPr/>
+        </p:nvPicPr>
+        <p:blipFill rotWithShape="1">
+          <a:blip r:embed="rId5"/>
+          <a:srcRect l="14104" t="37218" r="81185" b="40481"/>
+          <a:stretch/>
+        </p:blipFill>
+        <p:spPr>
+          <a:xfrm>
+            <a:off x="5069000" y="5829469"/>
+            <a:ext cx="416860" cy="1109994"/>
+          </a:xfrm>
+          <a:prstGeom prst="rect">
+            <a:avLst/>
+          </a:prstGeom>
+          <a:ln>
+            <a:noFill/>
+          </a:ln>
+        </p:spPr>
+      </p:pic>
+      <p:sp>
+        <p:nvSpPr>
+          <p:cNvPr id="23" name="Rectangle 22">
+            <a:extLst>
+              <a:ext uri="{FF2B5EF4-FFF2-40B4-BE49-F238E27FC236}">
+                <a16:creationId xmlns:a16="http://schemas.microsoft.com/office/drawing/2014/main" id="{A56D504E-B5DB-44C6-9D94-67A252BEE188}"/>
+              </a:ext>
+            </a:extLst>
+          </p:cNvPr>
+          <p:cNvSpPr/>
+          <p:nvPr/>
+        </p:nvSpPr>
+        <p:spPr>
+          <a:xfrm>
+            <a:off x="5527096" y="5835908"/>
+            <a:ext cx="4604884" cy="1044596"/>
+          </a:xfrm>
+          <a:prstGeom prst="rect">
+            <a:avLst/>
+          </a:prstGeom>
+          <a:noFill/>
+          <a:ln>
+            <a:noFill/>
+          </a:ln>
+        </p:spPr>
+        <p:style>
+          <a:lnRef idx="2">
+            <a:schemeClr val="accent1">
+              <a:shade val="50000"/>
+            </a:schemeClr>
+          </a:lnRef>
+          <a:fillRef idx="1">
+            <a:schemeClr val="accent1"/>
+          </a:fillRef>
+          <a:effectRef idx="0">
+            <a:schemeClr val="accent1"/>
+          </a:effectRef>
+          <a:fontRef idx="minor">
+            <a:schemeClr val="lt1"/>
+          </a:fontRef>
+        </p:style>
+        <p:txBody>
+          <a:bodyPr rtlCol="0" anchor="t"/>
+          <a:lstStyle/>
+          <a:p>
+            <a:pPr algn="just"/>
+            <a:r>
+              <a:rPr lang="fr-FR" sz="1100" b="1" i="1" dirty="0">
+                <a:solidFill>
+                  <a:schemeClr val="bg2">
+                    <a:lumMod val="25000"/>
+                  </a:schemeClr>
+                </a:solidFill>
+              </a:rPr>
+              <a:t>Communauté de marchands et de bourgeois.</a:t>
+            </a:r>
+          </a:p>
+          <a:p>
+            <a:pPr algn="just"/>
+            <a:endParaRPr lang="fr-FR" sz="1100" b="1" i="1" dirty="0">
+              <a:solidFill>
+                <a:schemeClr val="bg2">
+                  <a:lumMod val="25000"/>
+                </a:schemeClr>
+              </a:solidFill>
+            </a:endParaRPr>
+          </a:p>
+          <a:p>
+            <a:pPr algn="just"/>
+            <a:endParaRPr lang="fr-FR" sz="1100" b="1" i="1" dirty="0">
+              <a:solidFill>
+                <a:schemeClr val="bg2">
+                  <a:lumMod val="25000"/>
+                </a:schemeClr>
+              </a:solidFill>
+            </a:endParaRPr>
+          </a:p>
+          <a:p>
+            <a:pPr algn="just"/>
+            <a:r>
+              <a:rPr lang="fr-FR" sz="1100" b="1" i="1" dirty="0">
+                <a:solidFill>
+                  <a:schemeClr val="bg2">
+                    <a:lumMod val="25000"/>
+                  </a:schemeClr>
+                </a:solidFill>
+              </a:rPr>
+              <a:t>Le Mercure galant, tome III [juillet-août 1672]</a:t>
+            </a:r>
+            <a:r>
+              <a:rPr lang="fr-FR" sz="1100" b="1" dirty="0">
+                <a:solidFill>
+                  <a:schemeClr val="bg2">
+                    <a:lumMod val="25000"/>
+                  </a:schemeClr>
+                </a:solidFill>
+              </a:rPr>
+              <a:t>, Claude Barbin et Theodore Girard, 1673.</a:t>
+            </a:r>
+          </a:p>
+        </p:txBody>
+      </p:sp>
+      <p:sp>
+        <p:nvSpPr>
+          <p:cNvPr id="16" name="Étoile : 5 branches 15">
+            <a:extLst>
+              <a:ext uri="{FF2B5EF4-FFF2-40B4-BE49-F238E27FC236}">
+                <a16:creationId xmlns:a16="http://schemas.microsoft.com/office/drawing/2014/main" id="{1371FBE2-77B8-4A56-B581-EC258EE79CDF}"/>
+              </a:ext>
+            </a:extLst>
+          </p:cNvPr>
+          <p:cNvSpPr/>
+          <p:nvPr/>
+        </p:nvSpPr>
+        <p:spPr>
+          <a:xfrm>
+            <a:off x="4986641" y="4257166"/>
+            <a:ext cx="142807" cy="147770"/>
+          </a:xfrm>
+          <a:prstGeom prst="star5">
+            <a:avLst/>
+          </a:prstGeom>
+          <a:solidFill>
+            <a:schemeClr val="accent4">
+              <a:lumMod val="60000"/>
+              <a:lumOff val="40000"/>
+            </a:schemeClr>
+          </a:solidFill>
+          <a:ln>
+            <a:solidFill>
+              <a:schemeClr val="accent4">
+                <a:lumMod val="75000"/>
+              </a:schemeClr>
+            </a:solidFill>
+          </a:ln>
+        </p:spPr>
+        <p:style>
+          <a:lnRef idx="2">
+            <a:schemeClr val="accent1">
+              <a:shade val="50000"/>
+            </a:schemeClr>
+          </a:lnRef>
+          <a:fillRef idx="1">
+            <a:schemeClr val="accent1"/>
+          </a:fillRef>
+          <a:effectRef idx="0">
+            <a:schemeClr val="accent1"/>
+          </a:effectRef>
+          <a:fontRef idx="minor">
+            <a:schemeClr val="lt1"/>
+          </a:fontRef>
+        </p:style>
+        <p:txBody>
+          <a:bodyPr rtlCol="0" anchor="ctr"/>
+          <a:lstStyle/>
+          <a:p>
+            <a:pPr algn="ctr"/>
+            <a:r>
+              <a:rPr lang="fr-FR" dirty="0"/>
+              <a:t>    </a:t>
+            </a:r>
+          </a:p>
+        </p:txBody>
+      </p:sp>
+      <p:sp>
+        <p:nvSpPr>
+          <p:cNvPr id="8" name="Rectangle : coins arrondis 7">
+            <a:extLst>
+              <a:ext uri="{FF2B5EF4-FFF2-40B4-BE49-F238E27FC236}">
+                <a16:creationId xmlns:a16="http://schemas.microsoft.com/office/drawing/2014/main" id="{ADAF1DF1-E683-4B00-A01C-CC84DEBC00C2}"/>
+              </a:ext>
+            </a:extLst>
+          </p:cNvPr>
+          <p:cNvSpPr/>
+          <p:nvPr/>
+        </p:nvSpPr>
+        <p:spPr>
+          <a:xfrm>
+            <a:off x="10107082" y="3465483"/>
+            <a:ext cx="666750" cy="230517"/>
+          </a:xfrm>
+          <a:prstGeom prst="roundRect">
+            <a:avLst/>
+          </a:prstGeom>
+          <a:noFill/>
+          <a:ln>
+            <a:noFill/>
+          </a:ln>
+        </p:spPr>
+        <p:style>
+          <a:lnRef idx="2">
+            <a:schemeClr val="accent1">
+              <a:shade val="50000"/>
+            </a:schemeClr>
+          </a:lnRef>
+          <a:fillRef idx="1">
+            <a:schemeClr val="accent1"/>
+          </a:fillRef>
+          <a:effectRef idx="0">
+            <a:schemeClr val="accent1"/>
+          </a:effectRef>
+          <a:fontRef idx="minor">
+            <a:schemeClr val="lt1"/>
+          </a:fontRef>
+        </p:style>
+        <p:txBody>
+          <a:bodyPr rtlCol="0" anchor="ctr"/>
+          <a:lstStyle/>
+          <a:p>
+            <a:pPr algn="ctr"/>
+            <a:r>
+              <a:rPr lang="fr-FR" sz="1000" b="1" u="sng" dirty="0">
+                <a:solidFill>
+                  <a:srgbClr val="C00000"/>
+                </a:solidFill>
+              </a:rPr>
+              <a:t>Editer</a:t>
+            </a:r>
+          </a:p>
+        </p:txBody>
+      </p:sp>
+    </p:spTree>
+    <p:extLst>
+      <p:ext uri="{BB962C8B-B14F-4D97-AF65-F5344CB8AC3E}">
+        <p14:creationId xmlns:p14="http://schemas.microsoft.com/office/powerpoint/2010/main" val="3967937318"/>
+      </p:ext>
+    </p:extLst>
+  </p:cSld>
+  <p:clrMapOvr>
+    <a:masterClrMapping/>
+  </p:clrMapOvr>
+</p:sld>
+</file>
+
+<file path=ppt/slides/slide5.xml><?xml version="1.0" encoding="utf-8"?>
+<p:sld xmlns:a="http://schemas.openxmlformats.org/drawingml/2006/main" xmlns:r="http://schemas.openxmlformats.org/officeDocument/2006/relationships" xmlns:p="http://schemas.openxmlformats.org/presentationml/2006/main">
+  <p:cSld>
+    <p:spTree>
+      <p:nvGrpSpPr>
+        <p:cNvPr id="1" name=""/>
+        <p:cNvGrpSpPr/>
+        <p:nvPr/>
+      </p:nvGrpSpPr>
+      <p:grpSpPr>
+        <a:xfrm>
+          <a:off x="0" y="0"/>
+          <a:ext cx="0" cy="0"/>
+          <a:chOff x="0" y="0"/>
+          <a:chExt cx="0" cy="0"/>
+        </a:xfrm>
+      </p:grpSpPr>
+      <p:pic>
+        <p:nvPicPr>
+          <p:cNvPr id="21" name="Image 20">
+            <a:extLst>
+              <a:ext uri="{FF2B5EF4-FFF2-40B4-BE49-F238E27FC236}">
+                <a16:creationId xmlns:a16="http://schemas.microsoft.com/office/drawing/2014/main" id="{3736EEFF-71AB-4B81-BF71-ACED14F93918}"/>
+              </a:ext>
+            </a:extLst>
+          </p:cNvPr>
+          <p:cNvPicPr>
+            <a:picLocks noChangeAspect="1"/>
+          </p:cNvPicPr>
+          <p:nvPr/>
+        </p:nvPicPr>
+        <p:blipFill rotWithShape="1">
+          <a:blip r:embed="rId2">
+            <a:extLst>
+              <a:ext uri="{BEBA8EAE-BF5A-486C-A8C5-ECC9F3942E4B}">
+                <a14:imgProps xmlns:a14="http://schemas.microsoft.com/office/drawing/2010/main">
+                  <a14:imgLayer r:embed="rId3">
+                    <a14:imgEffect>
+                      <a14:saturation sat="0"/>
+                    </a14:imgEffect>
+                    <a14:imgEffect>
+                      <a14:brightnessContrast bright="20000" contrast="-20000"/>
+                    </a14:imgEffect>
+                  </a14:imgLayer>
+                </a14:imgProps>
+              </a:ext>
+              <a:ext uri="{28A0092B-C50C-407E-A947-70E740481C1C}">
+                <a14:useLocalDpi xmlns:a14="http://schemas.microsoft.com/office/drawing/2010/main" val="0"/>
+              </a:ext>
+            </a:extLst>
+          </a:blip>
+          <a:srcRect l="1692" t="7013" r="4436" b="77596"/>
+          <a:stretch/>
+        </p:blipFill>
+        <p:spPr>
+          <a:xfrm>
+            <a:off x="0" y="-18900"/>
+            <a:ext cx="12192000" cy="1537235"/>
+          </a:xfrm>
+          <a:prstGeom prst="rect">
+            <a:avLst/>
+          </a:prstGeom>
+          <a:gradFill flip="none" rotWithShape="1">
+            <a:gsLst>
+              <a:gs pos="0">
+                <a:schemeClr val="accent1">
+                  <a:shade val="30000"/>
+                  <a:satMod val="115000"/>
+                </a:schemeClr>
+              </a:gs>
+              <a:gs pos="50000">
+                <a:schemeClr val="accent1">
+                  <a:shade val="67500"/>
+                  <a:satMod val="115000"/>
+                </a:schemeClr>
+              </a:gs>
+              <a:gs pos="100000">
+                <a:schemeClr val="accent1">
+                  <a:shade val="100000"/>
+                  <a:satMod val="115000"/>
+                </a:schemeClr>
+              </a:gs>
+            </a:gsLst>
+            <a:lin ang="13500000" scaled="1"/>
+            <a:tileRect/>
+          </a:gradFill>
+          <a:effectLst>
+            <a:innerShdw blurRad="1270000" dist="2540000">
+              <a:prstClr val="black">
+                <a:alpha val="58000"/>
+              </a:prstClr>
+            </a:innerShdw>
+          </a:effectLst>
+        </p:spPr>
+      </p:pic>
+      <p:sp>
+        <p:nvSpPr>
+          <p:cNvPr id="29" name="Sous-titre 2">
+            <a:extLst>
+              <a:ext uri="{FF2B5EF4-FFF2-40B4-BE49-F238E27FC236}">
+                <a16:creationId xmlns:a16="http://schemas.microsoft.com/office/drawing/2014/main" id="{34DD89C6-6C25-4BEB-8CD4-BFB103026C35}"/>
+              </a:ext>
+            </a:extLst>
+          </p:cNvPr>
+          <p:cNvSpPr txBox="1">
+            <a:spLocks/>
+          </p:cNvSpPr>
+          <p:nvPr/>
+        </p:nvSpPr>
+        <p:spPr>
+          <a:xfrm>
+            <a:off x="0" y="1101664"/>
+            <a:ext cx="12192000" cy="298512"/>
+          </a:xfrm>
+          <a:prstGeom prst="rect">
+            <a:avLst/>
+          </a:prstGeom>
+          <a:solidFill>
+            <a:schemeClr val="bg1">
+              <a:lumMod val="95000"/>
+            </a:schemeClr>
+          </a:solidFill>
+        </p:spPr>
+        <p:txBody>
+          <a:bodyPr vert="horz" lIns="91440" tIns="45720" rIns="91440" bIns="45720" rtlCol="0" anchor="ctr">
+            <a:normAutofit/>
+          </a:bodyPr>
+          <a:lstStyle>
+            <a:lvl1pPr marL="0" indent="0" algn="ctr" defTabSz="914400" rtl="0" eaLnBrk="1" latinLnBrk="0" hangingPunct="1">
+              <a:lnSpc>
+                <a:spcPct val="90000"/>
+              </a:lnSpc>
+              <a:spcBef>
+                <a:spcPts val="1000"/>
+              </a:spcBef>
+              <a:buFont typeface="Arial" panose="020B0604020202020204" pitchFamily="34" charset="0"/>
+              <a:buNone/>
+              <a:defRPr sz="2400" kern="1200">
+                <a:solidFill>
+                  <a:schemeClr val="tx1"/>
+                </a:solidFill>
+                <a:latin typeface="+mn-lt"/>
+                <a:ea typeface="+mn-ea"/>
+                <a:cs typeface="+mn-cs"/>
+              </a:defRPr>
+            </a:lvl1pPr>
+            <a:lvl2pPr marL="457200" indent="0" algn="ctr" defTabSz="914400" rtl="0" eaLnBrk="1" latinLnBrk="0" hangingPunct="1">
+              <a:lnSpc>
+                <a:spcPct val="90000"/>
+              </a:lnSpc>
+              <a:spcBef>
+                <a:spcPts val="500"/>
+              </a:spcBef>
+              <a:buFont typeface="Arial" panose="020B0604020202020204" pitchFamily="34" charset="0"/>
+              <a:buNone/>
+              <a:defRPr sz="2000" kern="1200">
+                <a:solidFill>
+                  <a:schemeClr val="tx1"/>
+                </a:solidFill>
+                <a:latin typeface="+mn-lt"/>
+                <a:ea typeface="+mn-ea"/>
+                <a:cs typeface="+mn-cs"/>
+              </a:defRPr>
+            </a:lvl2pPr>
+            <a:lvl3pPr marL="914400" indent="0" algn="ctr" defTabSz="914400" rtl="0" eaLnBrk="1" latinLnBrk="0" hangingPunct="1">
+              <a:lnSpc>
+                <a:spcPct val="90000"/>
+              </a:lnSpc>
+              <a:spcBef>
+                <a:spcPts val="500"/>
+              </a:spcBef>
+              <a:buFont typeface="Arial" panose="020B0604020202020204" pitchFamily="34" charset="0"/>
+              <a:buNone/>
+              <a:defRPr sz="1800" kern="1200">
+                <a:solidFill>
+                  <a:schemeClr val="tx1"/>
+                </a:solidFill>
+                <a:latin typeface="+mn-lt"/>
+                <a:ea typeface="+mn-ea"/>
+                <a:cs typeface="+mn-cs"/>
+              </a:defRPr>
+            </a:lvl3pPr>
+            <a:lvl4pPr marL="1371600" indent="0" algn="ctr" defTabSz="914400" rtl="0" eaLnBrk="1" latinLnBrk="0" hangingPunct="1">
+              <a:lnSpc>
+                <a:spcPct val="90000"/>
+              </a:lnSpc>
+              <a:spcBef>
+                <a:spcPts val="500"/>
+              </a:spcBef>
+              <a:buFont typeface="Arial" panose="020B0604020202020204" pitchFamily="34" charset="0"/>
+              <a:buNone/>
+              <a:defRPr sz="1600" kern="1200">
+                <a:solidFill>
+                  <a:schemeClr val="tx1"/>
+                </a:solidFill>
+                <a:latin typeface="+mn-lt"/>
+                <a:ea typeface="+mn-ea"/>
+                <a:cs typeface="+mn-cs"/>
+              </a:defRPr>
+            </a:lvl4pPr>
+            <a:lvl5pPr marL="1828800" indent="0" algn="ctr" defTabSz="914400" rtl="0" eaLnBrk="1" latinLnBrk="0" hangingPunct="1">
+              <a:lnSpc>
+                <a:spcPct val="90000"/>
+              </a:lnSpc>
+              <a:spcBef>
+                <a:spcPts val="500"/>
+              </a:spcBef>
+              <a:buFont typeface="Arial" panose="020B0604020202020204" pitchFamily="34" charset="0"/>
+              <a:buNone/>
+              <a:defRPr sz="1600" kern="1200">
+                <a:solidFill>
+                  <a:schemeClr val="tx1"/>
+                </a:solidFill>
+                <a:latin typeface="+mn-lt"/>
+                <a:ea typeface="+mn-ea"/>
+                <a:cs typeface="+mn-cs"/>
+              </a:defRPr>
+            </a:lvl5pPr>
+            <a:lvl6pPr marL="2286000" indent="0" algn="ctr" defTabSz="914400" rtl="0" eaLnBrk="1" latinLnBrk="0" hangingPunct="1">
+              <a:lnSpc>
+                <a:spcPct val="90000"/>
+              </a:lnSpc>
+              <a:spcBef>
+                <a:spcPts val="500"/>
+              </a:spcBef>
+              <a:buFont typeface="Arial" panose="020B0604020202020204" pitchFamily="34" charset="0"/>
+              <a:buNone/>
+              <a:defRPr sz="1600" kern="1200">
+                <a:solidFill>
+                  <a:schemeClr val="tx1"/>
+                </a:solidFill>
+                <a:latin typeface="+mn-lt"/>
+                <a:ea typeface="+mn-ea"/>
+                <a:cs typeface="+mn-cs"/>
+              </a:defRPr>
+            </a:lvl6pPr>
+            <a:lvl7pPr marL="2743200" indent="0" algn="ctr" defTabSz="914400" rtl="0" eaLnBrk="1" latinLnBrk="0" hangingPunct="1">
+              <a:lnSpc>
+                <a:spcPct val="90000"/>
+              </a:lnSpc>
+              <a:spcBef>
+                <a:spcPts val="500"/>
+              </a:spcBef>
+              <a:buFont typeface="Arial" panose="020B0604020202020204" pitchFamily="34" charset="0"/>
+              <a:buNone/>
+              <a:defRPr sz="1600" kern="1200">
+                <a:solidFill>
+                  <a:schemeClr val="tx1"/>
+                </a:solidFill>
+                <a:latin typeface="+mn-lt"/>
+                <a:ea typeface="+mn-ea"/>
+                <a:cs typeface="+mn-cs"/>
+              </a:defRPr>
+            </a:lvl7pPr>
+            <a:lvl8pPr marL="3200400" indent="0" algn="ctr" defTabSz="914400" rtl="0" eaLnBrk="1" latinLnBrk="0" hangingPunct="1">
+              <a:lnSpc>
+                <a:spcPct val="90000"/>
+              </a:lnSpc>
+              <a:spcBef>
+                <a:spcPts val="500"/>
+              </a:spcBef>
+              <a:buFont typeface="Arial" panose="020B0604020202020204" pitchFamily="34" charset="0"/>
+              <a:buNone/>
+              <a:defRPr sz="1600" kern="1200">
+                <a:solidFill>
+                  <a:schemeClr val="tx1"/>
+                </a:solidFill>
+                <a:latin typeface="+mn-lt"/>
+                <a:ea typeface="+mn-ea"/>
+                <a:cs typeface="+mn-cs"/>
+              </a:defRPr>
+            </a:lvl8pPr>
+            <a:lvl9pPr marL="3657600" indent="0" algn="ctr" defTabSz="914400" rtl="0" eaLnBrk="1" latinLnBrk="0" hangingPunct="1">
+              <a:lnSpc>
+                <a:spcPct val="90000"/>
+              </a:lnSpc>
+              <a:spcBef>
+                <a:spcPts val="500"/>
+              </a:spcBef>
+              <a:buFont typeface="Arial" panose="020B0604020202020204" pitchFamily="34" charset="0"/>
+              <a:buNone/>
+              <a:defRPr sz="1600" kern="1200">
+                <a:solidFill>
+                  <a:schemeClr val="tx1"/>
+                </a:solidFill>
+                <a:latin typeface="+mn-lt"/>
+                <a:ea typeface="+mn-ea"/>
+                <a:cs typeface="+mn-cs"/>
+              </a:defRPr>
+            </a:lvl9pPr>
+          </a:lstStyle>
+          <a:p>
+            <a:r>
+              <a:rPr lang="fr-FR" sz="1200" b="1" dirty="0">
+                <a:solidFill>
+                  <a:schemeClr val="bg2">
+                    <a:lumMod val="25000"/>
+                  </a:schemeClr>
+                </a:solidFill>
+              </a:rPr>
+              <a:t>Corpus </a:t>
+            </a:r>
+            <a:r>
+              <a:rPr lang="fr-FR" sz="1200" b="1" spc="70" dirty="0">
+                <a:solidFill>
+                  <a:schemeClr val="bg2">
+                    <a:lumMod val="25000"/>
+                  </a:schemeClr>
+                </a:solidFill>
+                <a:cs typeface="Iskoola Pota" panose="020B0502040204020203" pitchFamily="34" charset="0"/>
+              </a:rPr>
+              <a:t>			Editeur de thésaurus			 Explorer</a:t>
+            </a:r>
+          </a:p>
+        </p:txBody>
+      </p:sp>
+      <p:sp>
+        <p:nvSpPr>
+          <p:cNvPr id="35" name="Titre 1">
+            <a:extLst>
+              <a:ext uri="{FF2B5EF4-FFF2-40B4-BE49-F238E27FC236}">
+                <a16:creationId xmlns:a16="http://schemas.microsoft.com/office/drawing/2014/main" id="{5D8B8CAD-FD89-4390-847C-8C87FA481B0B}"/>
+              </a:ext>
+            </a:extLst>
+          </p:cNvPr>
+          <p:cNvSpPr txBox="1">
+            <a:spLocks/>
+          </p:cNvSpPr>
+          <p:nvPr/>
+        </p:nvSpPr>
+        <p:spPr>
+          <a:xfrm>
+            <a:off x="-2" y="-27801"/>
+            <a:ext cx="12192000" cy="1132804"/>
+          </a:xfrm>
+          <a:prstGeom prst="rect">
+            <a:avLst/>
+          </a:prstGeom>
+          <a:solidFill>
+            <a:srgbClr val="000000">
+              <a:alpha val="69804"/>
+            </a:srgbClr>
+          </a:solidFill>
+        </p:spPr>
+        <p:txBody>
+          <a:bodyPr vert="horz" lIns="91440" tIns="45720" rIns="91440" bIns="45720" rtlCol="0" anchor="ctr">
+            <a:normAutofit/>
+          </a:bodyPr>
+          <a:lstStyle>
+            <a:lvl1pPr algn="ctr" defTabSz="914400" rtl="0" eaLnBrk="1" latinLnBrk="0" hangingPunct="1">
+              <a:lnSpc>
+                <a:spcPct val="90000"/>
+              </a:lnSpc>
+              <a:spcBef>
+                <a:spcPct val="0"/>
+              </a:spcBef>
+              <a:buNone/>
+              <a:defRPr sz="6000" kern="1200">
+                <a:solidFill>
+                  <a:schemeClr val="tx1"/>
+                </a:solidFill>
+                <a:latin typeface="+mj-lt"/>
+                <a:ea typeface="+mj-ea"/>
+                <a:cs typeface="+mj-cs"/>
+              </a:defRPr>
+            </a:lvl1pPr>
+          </a:lstStyle>
+          <a:p>
+            <a:r>
+              <a:rPr lang="fr-FR" sz="2000" kern="0" spc="220" dirty="0">
+                <a:solidFill>
+                  <a:schemeClr val="bg1">
+                    <a:lumMod val="95000"/>
+                  </a:schemeClr>
+                </a:solidFill>
+                <a:latin typeface="Bembo" panose="02020502050201020203" pitchFamily="18" charset="0"/>
+                <a:cs typeface="Iskoola Pota" panose="020B0604020202020204" pitchFamily="34" charset="0"/>
+              </a:rPr>
+              <a:t>SHERLOCK</a:t>
+            </a:r>
+            <a:endParaRPr lang="fr-FR" sz="800" spc="220" dirty="0">
+              <a:solidFill>
+                <a:schemeClr val="bg1">
+                  <a:lumMod val="95000"/>
+                </a:schemeClr>
+              </a:solidFill>
+              <a:latin typeface="Bembo" panose="02020502050201020203" pitchFamily="18" charset="0"/>
+            </a:endParaRPr>
+          </a:p>
+        </p:txBody>
+      </p:sp>
+      <p:sp>
+        <p:nvSpPr>
+          <p:cNvPr id="36" name="Rectangle 35">
+            <a:extLst>
+              <a:ext uri="{FF2B5EF4-FFF2-40B4-BE49-F238E27FC236}">
+                <a16:creationId xmlns:a16="http://schemas.microsoft.com/office/drawing/2014/main" id="{681669B9-C446-4578-8880-6DB09F1C08ED}"/>
+              </a:ext>
+            </a:extLst>
+          </p:cNvPr>
+          <p:cNvSpPr/>
+          <p:nvPr/>
+        </p:nvSpPr>
+        <p:spPr>
+          <a:xfrm>
+            <a:off x="-1" y="1400176"/>
+            <a:ext cx="12191999" cy="5457825"/>
+          </a:xfrm>
+          <a:prstGeom prst="rect">
+            <a:avLst/>
+          </a:prstGeom>
+          <a:gradFill>
+            <a:gsLst>
+              <a:gs pos="0">
+                <a:schemeClr val="bg2">
+                  <a:lumMod val="10000"/>
+                </a:schemeClr>
+              </a:gs>
+              <a:gs pos="48000">
+                <a:schemeClr val="bg2">
+                  <a:lumMod val="25000"/>
+                </a:schemeClr>
+              </a:gs>
+              <a:gs pos="100000">
+                <a:schemeClr val="bg2">
+                  <a:lumMod val="25000"/>
+                </a:schemeClr>
+              </a:gs>
+            </a:gsLst>
+            <a:lin ang="13500000" scaled="1"/>
+          </a:gradFill>
+        </p:spPr>
+        <p:style>
+          <a:lnRef idx="2">
+            <a:schemeClr val="accent1">
+              <a:shade val="50000"/>
+            </a:schemeClr>
+          </a:lnRef>
+          <a:fillRef idx="1">
+            <a:schemeClr val="accent1"/>
+          </a:fillRef>
+          <a:effectRef idx="0">
+            <a:schemeClr val="accent1"/>
+          </a:effectRef>
+          <a:fontRef idx="minor">
+            <a:schemeClr val="lt1"/>
+          </a:fontRef>
+        </p:style>
+        <p:txBody>
+          <a:bodyPr rtlCol="0" anchor="ctr"/>
+          <a:lstStyle/>
+          <a:p>
+            <a:pPr algn="ctr"/>
+            <a:endParaRPr lang="fr-FR" dirty="0">
+              <a:solidFill>
+                <a:schemeClr val="bg2">
+                  <a:lumMod val="25000"/>
+                </a:schemeClr>
+              </a:solidFill>
+            </a:endParaRPr>
+          </a:p>
+        </p:txBody>
+      </p:sp>
+      <p:sp>
+        <p:nvSpPr>
+          <p:cNvPr id="38" name="Rectangle : coins arrondis 37">
+            <a:extLst>
+              <a:ext uri="{FF2B5EF4-FFF2-40B4-BE49-F238E27FC236}">
+                <a16:creationId xmlns:a16="http://schemas.microsoft.com/office/drawing/2014/main" id="{B0D1982E-6517-4E80-BDDE-AA4381BA74CE}"/>
+              </a:ext>
+            </a:extLst>
+          </p:cNvPr>
+          <p:cNvSpPr/>
+          <p:nvPr/>
+        </p:nvSpPr>
+        <p:spPr>
+          <a:xfrm>
+            <a:off x="6678005" y="1813508"/>
+            <a:ext cx="3441854" cy="209447"/>
+          </a:xfrm>
+          <a:prstGeom prst="roundRect">
+            <a:avLst/>
+          </a:prstGeom>
+          <a:solidFill>
+            <a:schemeClr val="bg1"/>
+          </a:solidFill>
+          <a:ln>
+            <a:solidFill>
+              <a:schemeClr val="bg1">
+                <a:lumMod val="95000"/>
+              </a:schemeClr>
+            </a:solidFill>
+          </a:ln>
+        </p:spPr>
+        <p:style>
+          <a:lnRef idx="2">
+            <a:schemeClr val="accent1">
+              <a:shade val="50000"/>
+            </a:schemeClr>
+          </a:lnRef>
+          <a:fillRef idx="1">
+            <a:schemeClr val="accent1"/>
+          </a:fillRef>
+          <a:effectRef idx="0">
+            <a:schemeClr val="accent1"/>
+          </a:effectRef>
+          <a:fontRef idx="minor">
+            <a:schemeClr val="lt1"/>
+          </a:fontRef>
+        </p:style>
+        <p:txBody>
+          <a:bodyPr rtlCol="0" anchor="ctr"/>
+          <a:lstStyle/>
+          <a:p>
+            <a:r>
+              <a:rPr lang="fr-FR" sz="1200" dirty="0">
+                <a:solidFill>
+                  <a:schemeClr val="bg1">
+                    <a:lumMod val="65000"/>
+                  </a:schemeClr>
+                </a:solidFill>
+                <a:latin typeface="Gill Sans Nova Light" panose="020B0302020104020203" pitchFamily="34" charset="0"/>
+              </a:rPr>
+              <a:t>Recherche			   </a:t>
+            </a:r>
+            <a:r>
+              <a:rPr lang="fr-FR" sz="1200" dirty="0">
+                <a:solidFill>
+                  <a:srgbClr val="C00000"/>
+                </a:solidFill>
+                <a:latin typeface="Gill Sans Nova Light" panose="020B0302020104020203" pitchFamily="34" charset="0"/>
+              </a:rPr>
+              <a:t>Filtrer</a:t>
             </a:r>
           </a:p>
         </p:txBody>
@@ -10216,7 +13906,7 @@
 </p:sld>
 </file>
 
-<file path=ppt/slides/slide4.xml><?xml version="1.0" encoding="utf-8"?>
+<file path=ppt/slides/slide6.xml><?xml version="1.0" encoding="utf-8"?>
 <p:sld xmlns:a="http://schemas.openxmlformats.org/drawingml/2006/main" xmlns:r="http://schemas.openxmlformats.org/officeDocument/2006/relationships" xmlns:p="http://schemas.openxmlformats.org/presentationml/2006/main">
   <p:cSld>
     <p:spTree>
@@ -10509,15 +14199,25 @@
           </a:lstStyle>
           <a:p>
             <a:r>
-              <a:rPr lang="fr-FR" sz="1200" b="1" spc="70" dirty="0">
+              <a:rPr lang="fr-FR" sz="1200" b="1" dirty="0">
                 <a:solidFill>
                   <a:schemeClr val="bg2">
                     <a:lumMod val="25000"/>
                   </a:schemeClr>
                 </a:solidFill>
+              </a:rPr>
+              <a:t>Corpus </a:t>
+            </a:r>
+            <a:r>
+              <a:rPr lang="fr-FR" sz="1200" b="1" spc="70" dirty="0">
+                <a:solidFill>
+                  <a:schemeClr val="bg2">
+                    <a:lumMod val="25000"/>
+                  </a:schemeClr>
+                </a:solidFill>
                 <a:cs typeface="Iskoola Pota" panose="020B0502040204020203" pitchFamily="34" charset="0"/>
               </a:rPr>
-              <a:t>Projets			Editeur de thésaurus			A propos</a:t>
+              <a:t>			Editeur de thésaurus			 Explorer</a:t>
             </a:r>
           </a:p>
         </p:txBody>
@@ -10729,7 +14429,16 @@
                 </a:solidFill>
                 <a:latin typeface="Gill Sans Nova Light" panose="020B0302020104020203" pitchFamily="34" charset="0"/>
               </a:rPr>
-              <a:t>Recherche</a:t>
+              <a:t>Recherche			   </a:t>
+            </a:r>
+            <a:r>
+              <a:rPr lang="fr-FR" sz="1200" dirty="0">
+                <a:solidFill>
+                  <a:srgbClr val="C00000"/>
+                </a:solidFill>
+                <a:latin typeface="Gill Sans Nova Light" panose="020B0302020104020203" pitchFamily="34" charset="0"/>
+              </a:rPr>
+              <a:t>Filtrer</a:t>
             </a:r>
           </a:p>
         </p:txBody>
@@ -13206,7 +16915,7 @@
 </p:sld>
 </file>
 
-<file path=ppt/slides/slide5.xml><?xml version="1.0" encoding="utf-8"?>
+<file path=ppt/slides/slide7.xml><?xml version="1.0" encoding="utf-8"?>
 <p:sld xmlns:a="http://schemas.openxmlformats.org/drawingml/2006/main" xmlns:r="http://schemas.openxmlformats.org/officeDocument/2006/relationships" xmlns:p="http://schemas.openxmlformats.org/presentationml/2006/main">
   <p:cSld>
     <p:spTree>
@@ -13499,15 +17208,25 @@
           </a:lstStyle>
           <a:p>
             <a:r>
-              <a:rPr lang="fr-FR" sz="1200" b="1" spc="70" dirty="0">
+              <a:rPr lang="fr-FR" sz="1200" b="1" dirty="0">
                 <a:solidFill>
                   <a:schemeClr val="bg2">
                     <a:lumMod val="25000"/>
                   </a:schemeClr>
                 </a:solidFill>
+              </a:rPr>
+              <a:t>Corpus </a:t>
+            </a:r>
+            <a:r>
+              <a:rPr lang="fr-FR" sz="1200" b="1" spc="70" dirty="0">
+                <a:solidFill>
+                  <a:schemeClr val="bg2">
+                    <a:lumMod val="25000"/>
+                  </a:schemeClr>
+                </a:solidFill>
                 <a:cs typeface="Iskoola Pota" panose="020B0502040204020203" pitchFamily="34" charset="0"/>
               </a:rPr>
-              <a:t>Projets			Editeur de thésaurus			A propos</a:t>
+              <a:t>			Editeur de thésaurus			 Explorer</a:t>
             </a:r>
           </a:p>
         </p:txBody>
@@ -13719,7 +17438,16 @@
                 </a:solidFill>
                 <a:latin typeface="Gill Sans Nova Light" panose="020B0302020104020203" pitchFamily="34" charset="0"/>
               </a:rPr>
-              <a:t>Recherche</a:t>
+              <a:t>Recherche			   </a:t>
+            </a:r>
+            <a:r>
+              <a:rPr lang="fr-FR" sz="1200" dirty="0">
+                <a:solidFill>
+                  <a:srgbClr val="C00000"/>
+                </a:solidFill>
+                <a:latin typeface="Gill Sans Nova Light" panose="020B0302020104020203" pitchFamily="34" charset="0"/>
+              </a:rPr>
+              <a:t>Filtrer</a:t>
             </a:r>
           </a:p>
         </p:txBody>
@@ -16408,7 +20136,7 @@
 </p:sld>
 </file>
 
-<file path=ppt/slides/slide6.xml><?xml version="1.0" encoding="utf-8"?>
+<file path=ppt/slides/slide8.xml><?xml version="1.0" encoding="utf-8"?>
 <p:sld xmlns:a="http://schemas.openxmlformats.org/drawingml/2006/main" xmlns:r="http://schemas.openxmlformats.org/officeDocument/2006/relationships" xmlns:p="http://schemas.openxmlformats.org/presentationml/2006/main">
   <p:cSld>
     <p:spTree>
@@ -16701,15 +20429,25 @@
           </a:lstStyle>
           <a:p>
             <a:r>
-              <a:rPr lang="fr-FR" sz="1200" b="1" spc="70" dirty="0">
+              <a:rPr lang="fr-FR" sz="1200" b="1" dirty="0">
                 <a:solidFill>
                   <a:schemeClr val="bg2">
                     <a:lumMod val="25000"/>
                   </a:schemeClr>
                 </a:solidFill>
+              </a:rPr>
+              <a:t>Corpus </a:t>
+            </a:r>
+            <a:r>
+              <a:rPr lang="fr-FR" sz="1200" b="1" spc="70" dirty="0">
+                <a:solidFill>
+                  <a:schemeClr val="bg2">
+                    <a:lumMod val="25000"/>
+                  </a:schemeClr>
+                </a:solidFill>
                 <a:cs typeface="Iskoola Pota" panose="020B0502040204020203" pitchFamily="34" charset="0"/>
               </a:rPr>
-              <a:t>Projets			Editeur de thésaurus			A propos</a:t>
+              <a:t>			Editeur de thésaurus			 Explorer</a:t>
             </a:r>
           </a:p>
         </p:txBody>
@@ -16921,7 +20659,16 @@
                 </a:solidFill>
                 <a:latin typeface="Gill Sans Nova Light" panose="020B0302020104020203" pitchFamily="34" charset="0"/>
               </a:rPr>
-              <a:t>Recherche</a:t>
+              <a:t>Recherche			   </a:t>
+            </a:r>
+            <a:r>
+              <a:rPr lang="fr-FR" sz="1200" dirty="0">
+                <a:solidFill>
+                  <a:srgbClr val="C00000"/>
+                </a:solidFill>
+                <a:latin typeface="Gill Sans Nova Light" panose="020B0302020104020203" pitchFamily="34" charset="0"/>
+              </a:rPr>
+              <a:t>Filtrer</a:t>
             </a:r>
           </a:p>
         </p:txBody>
@@ -19112,7 +22859,7 @@
 </p:sld>
 </file>
 
-<file path=ppt/slides/slide7.xml><?xml version="1.0" encoding="utf-8"?>
+<file path=ppt/slides/slide9.xml><?xml version="1.0" encoding="utf-8"?>
 <p:sld xmlns:a="http://schemas.openxmlformats.org/drawingml/2006/main" xmlns:r="http://schemas.openxmlformats.org/officeDocument/2006/relationships" xmlns:p="http://schemas.openxmlformats.org/presentationml/2006/main">
   <p:cSld>
     <p:spTree>
@@ -19620,15 +23367,25 @@
           </a:lstStyle>
           <a:p>
             <a:r>
-              <a:rPr lang="fr-FR" sz="1200" b="1" spc="70" dirty="0">
+              <a:rPr lang="fr-FR" sz="1200" b="1" dirty="0">
                 <a:solidFill>
                   <a:schemeClr val="bg2">
                     <a:lumMod val="25000"/>
                   </a:schemeClr>
                 </a:solidFill>
+              </a:rPr>
+              <a:t>Corpus </a:t>
+            </a:r>
+            <a:r>
+              <a:rPr lang="fr-FR" sz="1200" b="1" spc="70" dirty="0">
+                <a:solidFill>
+                  <a:schemeClr val="bg2">
+                    <a:lumMod val="25000"/>
+                  </a:schemeClr>
+                </a:solidFill>
                 <a:cs typeface="Iskoola Pota" panose="020B0502040204020203" pitchFamily="34" charset="0"/>
               </a:rPr>
-              <a:t>Projets			Editeur de thésaurus			A propos</a:t>
+              <a:t>			Editeur de thésaurus			 Explorer</a:t>
             </a:r>
           </a:p>
         </p:txBody>
@@ -19693,7 +23450,16 @@
                 </a:solidFill>
                 <a:latin typeface="Gill Sans Nova Light" panose="020B0302020104020203" pitchFamily="34" charset="0"/>
               </a:rPr>
-              <a:t>Recherche</a:t>
+              <a:t>Recherche			   </a:t>
+            </a:r>
+            <a:r>
+              <a:rPr lang="fr-FR" sz="1200" dirty="0">
+                <a:solidFill>
+                  <a:srgbClr val="C00000"/>
+                </a:solidFill>
+                <a:latin typeface="Gill Sans Nova Light" panose="020B0302020104020203" pitchFamily="34" charset="0"/>
+              </a:rPr>
+              <a:t>Filtrer</a:t>
             </a:r>
           </a:p>
         </p:txBody>
@@ -21772,1491 +25538,6 @@
     <p:extLst>
       <p:ext uri="{BB962C8B-B14F-4D97-AF65-F5344CB8AC3E}">
         <p14:creationId xmlns:p14="http://schemas.microsoft.com/office/powerpoint/2010/main" val="574114913"/>
-      </p:ext>
-    </p:extLst>
-  </p:cSld>
-  <p:clrMapOvr>
-    <a:masterClrMapping/>
-  </p:clrMapOvr>
-</p:sld>
-</file>
-
-<file path=ppt/slides/slide8.xml><?xml version="1.0" encoding="utf-8"?>
-<p:sld xmlns:a="http://schemas.openxmlformats.org/drawingml/2006/main" xmlns:r="http://schemas.openxmlformats.org/officeDocument/2006/relationships" xmlns:p="http://schemas.openxmlformats.org/presentationml/2006/main">
-  <p:cSld>
-    <p:spTree>
-      <p:nvGrpSpPr>
-        <p:cNvPr id="1" name=""/>
-        <p:cNvGrpSpPr/>
-        <p:nvPr/>
-      </p:nvGrpSpPr>
-      <p:grpSpPr>
-        <a:xfrm>
-          <a:off x="0" y="0"/>
-          <a:ext cx="0" cy="0"/>
-          <a:chOff x="0" y="0"/>
-          <a:chExt cx="0" cy="0"/>
-        </a:xfrm>
-      </p:grpSpPr>
-      <p:pic>
-        <p:nvPicPr>
-          <p:cNvPr id="21" name="Image 20">
-            <a:extLst>
-              <a:ext uri="{FF2B5EF4-FFF2-40B4-BE49-F238E27FC236}">
-                <a16:creationId xmlns:a16="http://schemas.microsoft.com/office/drawing/2014/main" id="{3736EEFF-71AB-4B81-BF71-ACED14F93918}"/>
-              </a:ext>
-            </a:extLst>
-          </p:cNvPr>
-          <p:cNvPicPr>
-            <a:picLocks noChangeAspect="1"/>
-          </p:cNvPicPr>
-          <p:nvPr/>
-        </p:nvPicPr>
-        <p:blipFill rotWithShape="1">
-          <a:blip r:embed="rId2">
-            <a:extLst>
-              <a:ext uri="{BEBA8EAE-BF5A-486C-A8C5-ECC9F3942E4B}">
-                <a14:imgProps xmlns:a14="http://schemas.microsoft.com/office/drawing/2010/main">
-                  <a14:imgLayer r:embed="rId3">
-                    <a14:imgEffect>
-                      <a14:saturation sat="0"/>
-                    </a14:imgEffect>
-                    <a14:imgEffect>
-                      <a14:brightnessContrast bright="20000" contrast="-20000"/>
-                    </a14:imgEffect>
-                  </a14:imgLayer>
-                </a14:imgProps>
-              </a:ext>
-              <a:ext uri="{28A0092B-C50C-407E-A947-70E740481C1C}">
-                <a14:useLocalDpi xmlns:a14="http://schemas.microsoft.com/office/drawing/2010/main" val="0"/>
-              </a:ext>
-            </a:extLst>
-          </a:blip>
-          <a:srcRect l="1692" t="7013" r="4436" b="77596"/>
-          <a:stretch/>
-        </p:blipFill>
-        <p:spPr>
-          <a:xfrm>
-            <a:off x="0" y="-18900"/>
-            <a:ext cx="12192000" cy="1537235"/>
-          </a:xfrm>
-          <a:prstGeom prst="rect">
-            <a:avLst/>
-          </a:prstGeom>
-          <a:gradFill flip="none" rotWithShape="1">
-            <a:gsLst>
-              <a:gs pos="0">
-                <a:schemeClr val="accent1">
-                  <a:shade val="30000"/>
-                  <a:satMod val="115000"/>
-                </a:schemeClr>
-              </a:gs>
-              <a:gs pos="50000">
-                <a:schemeClr val="accent1">
-                  <a:shade val="67500"/>
-                  <a:satMod val="115000"/>
-                </a:schemeClr>
-              </a:gs>
-              <a:gs pos="100000">
-                <a:schemeClr val="accent1">
-                  <a:shade val="100000"/>
-                  <a:satMod val="115000"/>
-                </a:schemeClr>
-              </a:gs>
-            </a:gsLst>
-            <a:lin ang="13500000" scaled="1"/>
-            <a:tileRect/>
-          </a:gradFill>
-          <a:effectLst>
-            <a:innerShdw blurRad="1270000" dist="2540000">
-              <a:prstClr val="black">
-                <a:alpha val="58000"/>
-              </a:prstClr>
-            </a:innerShdw>
-          </a:effectLst>
-        </p:spPr>
-      </p:pic>
-      <p:sp>
-        <p:nvSpPr>
-          <p:cNvPr id="29" name="Sous-titre 2">
-            <a:extLst>
-              <a:ext uri="{FF2B5EF4-FFF2-40B4-BE49-F238E27FC236}">
-                <a16:creationId xmlns:a16="http://schemas.microsoft.com/office/drawing/2014/main" id="{34DD89C6-6C25-4BEB-8CD4-BFB103026C35}"/>
-              </a:ext>
-            </a:extLst>
-          </p:cNvPr>
-          <p:cNvSpPr txBox="1">
-            <a:spLocks/>
-          </p:cNvSpPr>
-          <p:nvPr/>
-        </p:nvSpPr>
-        <p:spPr>
-          <a:xfrm>
-            <a:off x="0" y="1101664"/>
-            <a:ext cx="12192000" cy="298512"/>
-          </a:xfrm>
-          <a:prstGeom prst="rect">
-            <a:avLst/>
-          </a:prstGeom>
-          <a:solidFill>
-            <a:schemeClr val="bg1">
-              <a:lumMod val="95000"/>
-            </a:schemeClr>
-          </a:solidFill>
-        </p:spPr>
-        <p:txBody>
-          <a:bodyPr vert="horz" lIns="91440" tIns="45720" rIns="91440" bIns="45720" rtlCol="0" anchor="ctr">
-            <a:normAutofit/>
-          </a:bodyPr>
-          <a:lstStyle>
-            <a:lvl1pPr marL="0" indent="0" algn="ctr" defTabSz="914400" rtl="0" eaLnBrk="1" latinLnBrk="0" hangingPunct="1">
-              <a:lnSpc>
-                <a:spcPct val="90000"/>
-              </a:lnSpc>
-              <a:spcBef>
-                <a:spcPts val="1000"/>
-              </a:spcBef>
-              <a:buFont typeface="Arial" panose="020B0604020202020204" pitchFamily="34" charset="0"/>
-              <a:buNone/>
-              <a:defRPr sz="2400" kern="1200">
-                <a:solidFill>
-                  <a:schemeClr val="tx1"/>
-                </a:solidFill>
-                <a:latin typeface="+mn-lt"/>
-                <a:ea typeface="+mn-ea"/>
-                <a:cs typeface="+mn-cs"/>
-              </a:defRPr>
-            </a:lvl1pPr>
-            <a:lvl2pPr marL="457200" indent="0" algn="ctr" defTabSz="914400" rtl="0" eaLnBrk="1" latinLnBrk="0" hangingPunct="1">
-              <a:lnSpc>
-                <a:spcPct val="90000"/>
-              </a:lnSpc>
-              <a:spcBef>
-                <a:spcPts val="500"/>
-              </a:spcBef>
-              <a:buFont typeface="Arial" panose="020B0604020202020204" pitchFamily="34" charset="0"/>
-              <a:buNone/>
-              <a:defRPr sz="2000" kern="1200">
-                <a:solidFill>
-                  <a:schemeClr val="tx1"/>
-                </a:solidFill>
-                <a:latin typeface="+mn-lt"/>
-                <a:ea typeface="+mn-ea"/>
-                <a:cs typeface="+mn-cs"/>
-              </a:defRPr>
-            </a:lvl2pPr>
-            <a:lvl3pPr marL="914400" indent="0" algn="ctr" defTabSz="914400" rtl="0" eaLnBrk="1" latinLnBrk="0" hangingPunct="1">
-              <a:lnSpc>
-                <a:spcPct val="90000"/>
-              </a:lnSpc>
-              <a:spcBef>
-                <a:spcPts val="500"/>
-              </a:spcBef>
-              <a:buFont typeface="Arial" panose="020B0604020202020204" pitchFamily="34" charset="0"/>
-              <a:buNone/>
-              <a:defRPr sz="1800" kern="1200">
-                <a:solidFill>
-                  <a:schemeClr val="tx1"/>
-                </a:solidFill>
-                <a:latin typeface="+mn-lt"/>
-                <a:ea typeface="+mn-ea"/>
-                <a:cs typeface="+mn-cs"/>
-              </a:defRPr>
-            </a:lvl3pPr>
-            <a:lvl4pPr marL="1371600" indent="0" algn="ctr" defTabSz="914400" rtl="0" eaLnBrk="1" latinLnBrk="0" hangingPunct="1">
-              <a:lnSpc>
-                <a:spcPct val="90000"/>
-              </a:lnSpc>
-              <a:spcBef>
-                <a:spcPts val="500"/>
-              </a:spcBef>
-              <a:buFont typeface="Arial" panose="020B0604020202020204" pitchFamily="34" charset="0"/>
-              <a:buNone/>
-              <a:defRPr sz="1600" kern="1200">
-                <a:solidFill>
-                  <a:schemeClr val="tx1"/>
-                </a:solidFill>
-                <a:latin typeface="+mn-lt"/>
-                <a:ea typeface="+mn-ea"/>
-                <a:cs typeface="+mn-cs"/>
-              </a:defRPr>
-            </a:lvl4pPr>
-            <a:lvl5pPr marL="1828800" indent="0" algn="ctr" defTabSz="914400" rtl="0" eaLnBrk="1" latinLnBrk="0" hangingPunct="1">
-              <a:lnSpc>
-                <a:spcPct val="90000"/>
-              </a:lnSpc>
-              <a:spcBef>
-                <a:spcPts val="500"/>
-              </a:spcBef>
-              <a:buFont typeface="Arial" panose="020B0604020202020204" pitchFamily="34" charset="0"/>
-              <a:buNone/>
-              <a:defRPr sz="1600" kern="1200">
-                <a:solidFill>
-                  <a:schemeClr val="tx1"/>
-                </a:solidFill>
-                <a:latin typeface="+mn-lt"/>
-                <a:ea typeface="+mn-ea"/>
-                <a:cs typeface="+mn-cs"/>
-              </a:defRPr>
-            </a:lvl5pPr>
-            <a:lvl6pPr marL="2286000" indent="0" algn="ctr" defTabSz="914400" rtl="0" eaLnBrk="1" latinLnBrk="0" hangingPunct="1">
-              <a:lnSpc>
-                <a:spcPct val="90000"/>
-              </a:lnSpc>
-              <a:spcBef>
-                <a:spcPts val="500"/>
-              </a:spcBef>
-              <a:buFont typeface="Arial" panose="020B0604020202020204" pitchFamily="34" charset="0"/>
-              <a:buNone/>
-              <a:defRPr sz="1600" kern="1200">
-                <a:solidFill>
-                  <a:schemeClr val="tx1"/>
-                </a:solidFill>
-                <a:latin typeface="+mn-lt"/>
-                <a:ea typeface="+mn-ea"/>
-                <a:cs typeface="+mn-cs"/>
-              </a:defRPr>
-            </a:lvl6pPr>
-            <a:lvl7pPr marL="2743200" indent="0" algn="ctr" defTabSz="914400" rtl="0" eaLnBrk="1" latinLnBrk="0" hangingPunct="1">
-              <a:lnSpc>
-                <a:spcPct val="90000"/>
-              </a:lnSpc>
-              <a:spcBef>
-                <a:spcPts val="500"/>
-              </a:spcBef>
-              <a:buFont typeface="Arial" panose="020B0604020202020204" pitchFamily="34" charset="0"/>
-              <a:buNone/>
-              <a:defRPr sz="1600" kern="1200">
-                <a:solidFill>
-                  <a:schemeClr val="tx1"/>
-                </a:solidFill>
-                <a:latin typeface="+mn-lt"/>
-                <a:ea typeface="+mn-ea"/>
-                <a:cs typeface="+mn-cs"/>
-              </a:defRPr>
-            </a:lvl7pPr>
-            <a:lvl8pPr marL="3200400" indent="0" algn="ctr" defTabSz="914400" rtl="0" eaLnBrk="1" latinLnBrk="0" hangingPunct="1">
-              <a:lnSpc>
-                <a:spcPct val="90000"/>
-              </a:lnSpc>
-              <a:spcBef>
-                <a:spcPts val="500"/>
-              </a:spcBef>
-              <a:buFont typeface="Arial" panose="020B0604020202020204" pitchFamily="34" charset="0"/>
-              <a:buNone/>
-              <a:defRPr sz="1600" kern="1200">
-                <a:solidFill>
-                  <a:schemeClr val="tx1"/>
-                </a:solidFill>
-                <a:latin typeface="+mn-lt"/>
-                <a:ea typeface="+mn-ea"/>
-                <a:cs typeface="+mn-cs"/>
-              </a:defRPr>
-            </a:lvl8pPr>
-            <a:lvl9pPr marL="3657600" indent="0" algn="ctr" defTabSz="914400" rtl="0" eaLnBrk="1" latinLnBrk="0" hangingPunct="1">
-              <a:lnSpc>
-                <a:spcPct val="90000"/>
-              </a:lnSpc>
-              <a:spcBef>
-                <a:spcPts val="500"/>
-              </a:spcBef>
-              <a:buFont typeface="Arial" panose="020B0604020202020204" pitchFamily="34" charset="0"/>
-              <a:buNone/>
-              <a:defRPr sz="1600" kern="1200">
-                <a:solidFill>
-                  <a:schemeClr val="tx1"/>
-                </a:solidFill>
-                <a:latin typeface="+mn-lt"/>
-                <a:ea typeface="+mn-ea"/>
-                <a:cs typeface="+mn-cs"/>
-              </a:defRPr>
-            </a:lvl9pPr>
-          </a:lstStyle>
-          <a:p>
-            <a:r>
-              <a:rPr lang="fr-FR" sz="1200" b="1" spc="70" dirty="0">
-                <a:solidFill>
-                  <a:schemeClr val="bg2">
-                    <a:lumMod val="25000"/>
-                  </a:schemeClr>
-                </a:solidFill>
-                <a:cs typeface="Iskoola Pota" panose="020B0502040204020203" pitchFamily="34" charset="0"/>
-              </a:rPr>
-              <a:t>Projets			Editeur de thésaurus			A propos</a:t>
-            </a:r>
-          </a:p>
-        </p:txBody>
-      </p:sp>
-      <p:sp>
-        <p:nvSpPr>
-          <p:cNvPr id="35" name="Titre 1">
-            <a:extLst>
-              <a:ext uri="{FF2B5EF4-FFF2-40B4-BE49-F238E27FC236}">
-                <a16:creationId xmlns:a16="http://schemas.microsoft.com/office/drawing/2014/main" id="{5D8B8CAD-FD89-4390-847C-8C87FA481B0B}"/>
-              </a:ext>
-            </a:extLst>
-          </p:cNvPr>
-          <p:cNvSpPr txBox="1">
-            <a:spLocks/>
-          </p:cNvSpPr>
-          <p:nvPr/>
-        </p:nvSpPr>
-        <p:spPr>
-          <a:xfrm>
-            <a:off x="-2" y="-27801"/>
-            <a:ext cx="12192000" cy="1132804"/>
-          </a:xfrm>
-          <a:prstGeom prst="rect">
-            <a:avLst/>
-          </a:prstGeom>
-          <a:solidFill>
-            <a:srgbClr val="000000">
-              <a:alpha val="69804"/>
-            </a:srgbClr>
-          </a:solidFill>
-        </p:spPr>
-        <p:txBody>
-          <a:bodyPr vert="horz" lIns="91440" tIns="45720" rIns="91440" bIns="45720" rtlCol="0" anchor="ctr">
-            <a:normAutofit/>
-          </a:bodyPr>
-          <a:lstStyle>
-            <a:lvl1pPr algn="ctr" defTabSz="914400" rtl="0" eaLnBrk="1" latinLnBrk="0" hangingPunct="1">
-              <a:lnSpc>
-                <a:spcPct val="90000"/>
-              </a:lnSpc>
-              <a:spcBef>
-                <a:spcPct val="0"/>
-              </a:spcBef>
-              <a:buNone/>
-              <a:defRPr sz="6000" kern="1200">
-                <a:solidFill>
-                  <a:schemeClr val="tx1"/>
-                </a:solidFill>
-                <a:latin typeface="+mj-lt"/>
-                <a:ea typeface="+mj-ea"/>
-                <a:cs typeface="+mj-cs"/>
-              </a:defRPr>
-            </a:lvl1pPr>
-          </a:lstStyle>
-          <a:p>
-            <a:r>
-              <a:rPr lang="fr-FR" sz="2000" kern="0" spc="220" dirty="0">
-                <a:solidFill>
-                  <a:schemeClr val="bg1">
-                    <a:lumMod val="95000"/>
-                  </a:schemeClr>
-                </a:solidFill>
-                <a:latin typeface="Bembo" panose="02020502050201020203" pitchFamily="18" charset="0"/>
-                <a:cs typeface="Iskoola Pota" panose="020B0604020202020204" pitchFamily="34" charset="0"/>
-              </a:rPr>
-              <a:t>SHERLOCK</a:t>
-            </a:r>
-            <a:endParaRPr lang="fr-FR" sz="800" spc="220" dirty="0">
-              <a:solidFill>
-                <a:schemeClr val="bg1">
-                  <a:lumMod val="95000"/>
-                </a:schemeClr>
-              </a:solidFill>
-              <a:latin typeface="Bembo" panose="02020502050201020203" pitchFamily="18" charset="0"/>
-            </a:endParaRPr>
-          </a:p>
-        </p:txBody>
-      </p:sp>
-      <p:sp>
-        <p:nvSpPr>
-          <p:cNvPr id="36" name="Rectangle 35">
-            <a:extLst>
-              <a:ext uri="{FF2B5EF4-FFF2-40B4-BE49-F238E27FC236}">
-                <a16:creationId xmlns:a16="http://schemas.microsoft.com/office/drawing/2014/main" id="{681669B9-C446-4578-8880-6DB09F1C08ED}"/>
-              </a:ext>
-            </a:extLst>
-          </p:cNvPr>
-          <p:cNvSpPr/>
-          <p:nvPr/>
-        </p:nvSpPr>
-        <p:spPr>
-          <a:xfrm>
-            <a:off x="-1" y="1400176"/>
-            <a:ext cx="12191999" cy="5457825"/>
-          </a:xfrm>
-          <a:prstGeom prst="rect">
-            <a:avLst/>
-          </a:prstGeom>
-          <a:gradFill>
-            <a:gsLst>
-              <a:gs pos="0">
-                <a:schemeClr val="bg2">
-                  <a:lumMod val="10000"/>
-                </a:schemeClr>
-              </a:gs>
-              <a:gs pos="48000">
-                <a:schemeClr val="bg2">
-                  <a:lumMod val="25000"/>
-                </a:schemeClr>
-              </a:gs>
-              <a:gs pos="100000">
-                <a:schemeClr val="bg2">
-                  <a:lumMod val="25000"/>
-                </a:schemeClr>
-              </a:gs>
-            </a:gsLst>
-            <a:lin ang="13500000" scaled="1"/>
-          </a:gradFill>
-        </p:spPr>
-        <p:style>
-          <a:lnRef idx="2">
-            <a:schemeClr val="accent1">
-              <a:shade val="50000"/>
-            </a:schemeClr>
-          </a:lnRef>
-          <a:fillRef idx="1">
-            <a:schemeClr val="accent1"/>
-          </a:fillRef>
-          <a:effectRef idx="0">
-            <a:schemeClr val="accent1"/>
-          </a:effectRef>
-          <a:fontRef idx="minor">
-            <a:schemeClr val="lt1"/>
-          </a:fontRef>
-        </p:style>
-        <p:txBody>
-          <a:bodyPr rtlCol="0" anchor="ctr"/>
-          <a:lstStyle/>
-          <a:p>
-            <a:pPr algn="ctr"/>
-            <a:endParaRPr lang="fr-FR" dirty="0">
-              <a:solidFill>
-                <a:schemeClr val="bg2">
-                  <a:lumMod val="25000"/>
-                </a:schemeClr>
-              </a:solidFill>
-            </a:endParaRPr>
-          </a:p>
-        </p:txBody>
-      </p:sp>
-      <p:sp>
-        <p:nvSpPr>
-          <p:cNvPr id="38" name="Rectangle : coins arrondis 37">
-            <a:extLst>
-              <a:ext uri="{FF2B5EF4-FFF2-40B4-BE49-F238E27FC236}">
-                <a16:creationId xmlns:a16="http://schemas.microsoft.com/office/drawing/2014/main" id="{B0D1982E-6517-4E80-BDDE-AA4381BA74CE}"/>
-              </a:ext>
-            </a:extLst>
-          </p:cNvPr>
-          <p:cNvSpPr/>
-          <p:nvPr/>
-        </p:nvSpPr>
-        <p:spPr>
-          <a:xfrm>
-            <a:off x="6678005" y="1813508"/>
-            <a:ext cx="3441854" cy="209447"/>
-          </a:xfrm>
-          <a:prstGeom prst="roundRect">
-            <a:avLst/>
-          </a:prstGeom>
-          <a:solidFill>
-            <a:schemeClr val="bg1"/>
-          </a:solidFill>
-          <a:ln>
-            <a:solidFill>
-              <a:schemeClr val="bg1">
-                <a:lumMod val="95000"/>
-              </a:schemeClr>
-            </a:solidFill>
-          </a:ln>
-        </p:spPr>
-        <p:style>
-          <a:lnRef idx="2">
-            <a:schemeClr val="accent1">
-              <a:shade val="50000"/>
-            </a:schemeClr>
-          </a:lnRef>
-          <a:fillRef idx="1">
-            <a:schemeClr val="accent1"/>
-          </a:fillRef>
-          <a:effectRef idx="0">
-            <a:schemeClr val="accent1"/>
-          </a:effectRef>
-          <a:fontRef idx="minor">
-            <a:schemeClr val="lt1"/>
-          </a:fontRef>
-        </p:style>
-        <p:txBody>
-          <a:bodyPr rtlCol="0" anchor="ctr"/>
-          <a:lstStyle/>
-          <a:p>
-            <a:r>
-              <a:rPr lang="fr-FR" sz="1200" dirty="0">
-                <a:solidFill>
-                  <a:schemeClr val="bg1">
-                    <a:lumMod val="65000"/>
-                  </a:schemeClr>
-                </a:solidFill>
-                <a:latin typeface="Gill Sans Nova Light" panose="020B0302020104020203" pitchFamily="34" charset="0"/>
-              </a:rPr>
-              <a:t>Recherche</a:t>
-            </a:r>
-          </a:p>
-        </p:txBody>
-      </p:sp>
-      <p:sp>
-        <p:nvSpPr>
-          <p:cNvPr id="2" name="Rectangle 1">
-            <a:extLst>
-              <a:ext uri="{FF2B5EF4-FFF2-40B4-BE49-F238E27FC236}">
-                <a16:creationId xmlns:a16="http://schemas.microsoft.com/office/drawing/2014/main" id="{DCF09874-825E-4D73-B47F-89EA41C4AB58}"/>
-              </a:ext>
-            </a:extLst>
-          </p:cNvPr>
-          <p:cNvSpPr/>
-          <p:nvPr/>
-        </p:nvSpPr>
-        <p:spPr>
-          <a:xfrm>
-            <a:off x="1784350" y="1657935"/>
-            <a:ext cx="4400550" cy="520592"/>
-          </a:xfrm>
-          <a:prstGeom prst="rect">
-            <a:avLst/>
-          </a:prstGeom>
-          <a:noFill/>
-          <a:ln>
-            <a:noFill/>
-          </a:ln>
-        </p:spPr>
-        <p:style>
-          <a:lnRef idx="2">
-            <a:schemeClr val="accent1">
-              <a:shade val="50000"/>
-            </a:schemeClr>
-          </a:lnRef>
-          <a:fillRef idx="1">
-            <a:schemeClr val="accent1"/>
-          </a:fillRef>
-          <a:effectRef idx="0">
-            <a:schemeClr val="accent1"/>
-          </a:effectRef>
-          <a:fontRef idx="minor">
-            <a:schemeClr val="lt1"/>
-          </a:fontRef>
-        </p:style>
-        <p:txBody>
-          <a:bodyPr rtlCol="0" anchor="ctr"/>
-          <a:lstStyle/>
-          <a:p>
-            <a:r>
-              <a:rPr lang="fr-FR" dirty="0"/>
-              <a:t>Editeur critique de thésaurus</a:t>
-            </a:r>
-          </a:p>
-        </p:txBody>
-      </p:sp>
-      <p:sp>
-        <p:nvSpPr>
-          <p:cNvPr id="4" name="Rectangle : coins arrondis 3">
-            <a:extLst>
-              <a:ext uri="{FF2B5EF4-FFF2-40B4-BE49-F238E27FC236}">
-                <a16:creationId xmlns:a16="http://schemas.microsoft.com/office/drawing/2014/main" id="{36973AC9-62DE-443A-803A-401548AE53F7}"/>
-              </a:ext>
-            </a:extLst>
-          </p:cNvPr>
-          <p:cNvSpPr/>
-          <p:nvPr/>
-        </p:nvSpPr>
-        <p:spPr>
-          <a:xfrm>
-            <a:off x="778933" y="2552700"/>
-            <a:ext cx="10612967" cy="4927225"/>
-          </a:xfrm>
-          <a:prstGeom prst="roundRect">
-            <a:avLst>
-              <a:gd name="adj" fmla="val 6808"/>
-            </a:avLst>
-          </a:prstGeom>
-          <a:solidFill>
-            <a:srgbClr val="F5F5F5"/>
-          </a:solidFill>
-          <a:ln>
-            <a:noFill/>
-          </a:ln>
-        </p:spPr>
-        <p:style>
-          <a:lnRef idx="2">
-            <a:schemeClr val="accent1">
-              <a:shade val="50000"/>
-            </a:schemeClr>
-          </a:lnRef>
-          <a:fillRef idx="1">
-            <a:schemeClr val="accent1"/>
-          </a:fillRef>
-          <a:effectRef idx="0">
-            <a:schemeClr val="accent1"/>
-          </a:effectRef>
-          <a:fontRef idx="minor">
-            <a:schemeClr val="lt1"/>
-          </a:fontRef>
-        </p:style>
-        <p:txBody>
-          <a:bodyPr rtlCol="0" anchor="t"/>
-          <a:lstStyle/>
-          <a:p>
-            <a:pPr algn="just"/>
-            <a:r>
-              <a:rPr lang="fr-FR" dirty="0">
-                <a:solidFill>
-                  <a:schemeClr val="bg2">
-                    <a:lumMod val="25000"/>
-                  </a:schemeClr>
-                </a:solidFill>
-              </a:rPr>
-              <a:t>	</a:t>
-            </a:r>
-          </a:p>
-          <a:p>
-            <a:pPr algn="just"/>
-            <a:r>
-              <a:rPr lang="fr-FR" sz="1600" dirty="0">
-                <a:solidFill>
-                  <a:schemeClr val="bg2">
-                    <a:lumMod val="25000"/>
-                  </a:schemeClr>
-                </a:solidFill>
-              </a:rPr>
-              <a:t>	</a:t>
-            </a:r>
-            <a:r>
-              <a:rPr lang="fr-FR" sz="1600" b="1" dirty="0">
-                <a:solidFill>
-                  <a:schemeClr val="bg2">
-                    <a:lumMod val="25000"/>
-                  </a:schemeClr>
-                </a:solidFill>
-              </a:rPr>
-              <a:t>Créer un nouveau terme</a:t>
-            </a:r>
-            <a:endParaRPr lang="fr-FR" b="1" dirty="0">
-              <a:solidFill>
-                <a:schemeClr val="bg2">
-                  <a:lumMod val="25000"/>
-                </a:schemeClr>
-              </a:solidFill>
-            </a:endParaRPr>
-          </a:p>
-        </p:txBody>
-      </p:sp>
-      <p:sp>
-        <p:nvSpPr>
-          <p:cNvPr id="68" name="Rectangle 67">
-            <a:extLst>
-              <a:ext uri="{FF2B5EF4-FFF2-40B4-BE49-F238E27FC236}">
-                <a16:creationId xmlns:a16="http://schemas.microsoft.com/office/drawing/2014/main" id="{B2F56EBC-DDB7-4723-9A0D-51ED0524AD7D}"/>
-              </a:ext>
-            </a:extLst>
-          </p:cNvPr>
-          <p:cNvSpPr/>
-          <p:nvPr/>
-        </p:nvSpPr>
-        <p:spPr>
-          <a:xfrm>
-            <a:off x="5329003" y="1385143"/>
-            <a:ext cx="1533990" cy="370067"/>
-          </a:xfrm>
-          <a:prstGeom prst="rect">
-            <a:avLst/>
-          </a:prstGeom>
-          <a:solidFill>
-            <a:schemeClr val="bg1">
-              <a:lumMod val="95000"/>
-            </a:schemeClr>
-          </a:solidFill>
-          <a:ln>
-            <a:solidFill>
-              <a:schemeClr val="bg2">
-                <a:lumMod val="90000"/>
-              </a:schemeClr>
-            </a:solidFill>
-          </a:ln>
-        </p:spPr>
-        <p:style>
-          <a:lnRef idx="2">
-            <a:schemeClr val="accent1">
-              <a:shade val="50000"/>
-            </a:schemeClr>
-          </a:lnRef>
-          <a:fillRef idx="1">
-            <a:schemeClr val="accent1"/>
-          </a:fillRef>
-          <a:effectRef idx="0">
-            <a:schemeClr val="accent1"/>
-          </a:effectRef>
-          <a:fontRef idx="minor">
-            <a:schemeClr val="lt1"/>
-          </a:fontRef>
-        </p:style>
-        <p:txBody>
-          <a:bodyPr rtlCol="0" anchor="ctr"/>
-          <a:lstStyle/>
-          <a:p>
-            <a:pPr algn="ctr"/>
-            <a:r>
-              <a:rPr lang="fr-FR" sz="1200" b="1" dirty="0">
-                <a:solidFill>
-                  <a:schemeClr val="tx1"/>
-                </a:solidFill>
-                <a:cs typeface="Iskoola Pota" panose="020B0502040204020203" pitchFamily="34" charset="0"/>
-              </a:rPr>
-              <a:t>Les</a:t>
-            </a:r>
-            <a:r>
-              <a:rPr lang="fr-FR" sz="1200" b="1" dirty="0">
-                <a:solidFill>
-                  <a:srgbClr val="C00000"/>
-                </a:solidFill>
-                <a:cs typeface="Iskoola Pota" panose="020B0502040204020203" pitchFamily="34" charset="0"/>
-              </a:rPr>
-              <a:t> </a:t>
-            </a:r>
-            <a:r>
-              <a:rPr lang="fr-FR" sz="1200" b="1" dirty="0">
-                <a:solidFill>
-                  <a:schemeClr val="tx1"/>
-                </a:solidFill>
-                <a:cs typeface="Iskoola Pota" panose="020B0502040204020203" pitchFamily="34" charset="0"/>
-              </a:rPr>
-              <a:t>thésaurus</a:t>
-            </a:r>
-          </a:p>
-        </p:txBody>
-      </p:sp>
-      <p:sp>
-        <p:nvSpPr>
-          <p:cNvPr id="78" name="Rectangle 77">
-            <a:extLst>
-              <a:ext uri="{FF2B5EF4-FFF2-40B4-BE49-F238E27FC236}">
-                <a16:creationId xmlns:a16="http://schemas.microsoft.com/office/drawing/2014/main" id="{B16853EB-5408-4854-B56A-5F5F0E999DBF}"/>
-              </a:ext>
-            </a:extLst>
-          </p:cNvPr>
-          <p:cNvSpPr/>
-          <p:nvPr/>
-        </p:nvSpPr>
-        <p:spPr>
-          <a:xfrm>
-            <a:off x="5329003" y="1748945"/>
-            <a:ext cx="1533990" cy="400050"/>
-          </a:xfrm>
-          <a:prstGeom prst="rect">
-            <a:avLst/>
-          </a:prstGeom>
-          <a:solidFill>
-            <a:schemeClr val="bg1">
-              <a:lumMod val="85000"/>
-            </a:schemeClr>
-          </a:solidFill>
-          <a:ln>
-            <a:noFill/>
-          </a:ln>
-        </p:spPr>
-        <p:style>
-          <a:lnRef idx="2">
-            <a:schemeClr val="accent1">
-              <a:shade val="50000"/>
-            </a:schemeClr>
-          </a:lnRef>
-          <a:fillRef idx="1">
-            <a:schemeClr val="accent1"/>
-          </a:fillRef>
-          <a:effectRef idx="0">
-            <a:schemeClr val="accent1"/>
-          </a:effectRef>
-          <a:fontRef idx="minor">
-            <a:schemeClr val="lt1"/>
-          </a:fontRef>
-        </p:style>
-        <p:txBody>
-          <a:bodyPr rtlCol="0" anchor="ctr"/>
-          <a:lstStyle/>
-          <a:p>
-            <a:pPr algn="ctr"/>
-            <a:r>
-              <a:rPr lang="fr-FR" sz="1100" b="1" dirty="0">
-                <a:solidFill>
-                  <a:schemeClr val="accent4">
-                    <a:lumMod val="75000"/>
-                  </a:schemeClr>
-                </a:solidFill>
-                <a:cs typeface="Iskoola Pota" panose="020B0502040204020203" pitchFamily="34" charset="0"/>
-              </a:rPr>
-              <a:t>Créer un  nouveau terme</a:t>
-            </a:r>
-          </a:p>
-        </p:txBody>
-      </p:sp>
-      <p:sp>
-        <p:nvSpPr>
-          <p:cNvPr id="3" name="Rectangle 2">
-            <a:extLst>
-              <a:ext uri="{FF2B5EF4-FFF2-40B4-BE49-F238E27FC236}">
-                <a16:creationId xmlns:a16="http://schemas.microsoft.com/office/drawing/2014/main" id="{674249B7-F768-4E77-A610-DCFE105684F1}"/>
-              </a:ext>
-            </a:extLst>
-          </p:cNvPr>
-          <p:cNvSpPr/>
-          <p:nvPr/>
-        </p:nvSpPr>
-        <p:spPr>
-          <a:xfrm>
-            <a:off x="10792668" y="143154"/>
-            <a:ext cx="1038225" cy="231195"/>
-          </a:xfrm>
-          <a:prstGeom prst="rect">
-            <a:avLst/>
-          </a:prstGeom>
-          <a:noFill/>
-          <a:ln>
-            <a:noFill/>
-          </a:ln>
-        </p:spPr>
-        <p:style>
-          <a:lnRef idx="2">
-            <a:schemeClr val="accent1">
-              <a:shade val="50000"/>
-            </a:schemeClr>
-          </a:lnRef>
-          <a:fillRef idx="1">
-            <a:schemeClr val="accent1"/>
-          </a:fillRef>
-          <a:effectRef idx="0">
-            <a:schemeClr val="accent1"/>
-          </a:effectRef>
-          <a:fontRef idx="minor">
-            <a:schemeClr val="lt1"/>
-          </a:fontRef>
-        </p:style>
-        <p:txBody>
-          <a:bodyPr rtlCol="0" anchor="ctr"/>
-          <a:lstStyle/>
-          <a:p>
-            <a:pPr algn="ctr"/>
-            <a:r>
-              <a:rPr lang="fr-FR" sz="1100" spc="70" dirty="0" err="1">
-                <a:solidFill>
-                  <a:schemeClr val="accent4">
-                    <a:lumMod val="75000"/>
-                  </a:schemeClr>
-                </a:solidFill>
-              </a:rPr>
-              <a:t>Connecté-e</a:t>
-            </a:r>
-            <a:endParaRPr lang="fr-FR" sz="1100" spc="70" dirty="0">
-              <a:solidFill>
-                <a:schemeClr val="accent4">
-                  <a:lumMod val="75000"/>
-                </a:schemeClr>
-              </a:solidFill>
-            </a:endParaRPr>
-          </a:p>
-        </p:txBody>
-      </p:sp>
-      <p:pic>
-        <p:nvPicPr>
-          <p:cNvPr id="5" name="Image 4">
-            <a:extLst>
-              <a:ext uri="{FF2B5EF4-FFF2-40B4-BE49-F238E27FC236}">
-                <a16:creationId xmlns:a16="http://schemas.microsoft.com/office/drawing/2014/main" id="{9F7A4E04-DB3E-460C-A13A-615208ACD2A3}"/>
-              </a:ext>
-            </a:extLst>
-          </p:cNvPr>
-          <p:cNvPicPr>
-            <a:picLocks noChangeAspect="1"/>
-          </p:cNvPicPr>
-          <p:nvPr/>
-        </p:nvPicPr>
-        <p:blipFill>
-          <a:blip r:embed="rId4">
-            <a:duotone>
-              <a:schemeClr val="accent4">
-                <a:shade val="45000"/>
-                <a:satMod val="135000"/>
-              </a:schemeClr>
-              <a:prstClr val="white"/>
-            </a:duotone>
-            <a:extLst>
-              <a:ext uri="{28A0092B-C50C-407E-A947-70E740481C1C}">
-                <a14:useLocalDpi xmlns:a14="http://schemas.microsoft.com/office/drawing/2010/main" val="0"/>
-              </a:ext>
-            </a:extLst>
-          </a:blip>
-          <a:stretch>
-            <a:fillRect/>
-          </a:stretch>
-        </p:blipFill>
-        <p:spPr>
-          <a:xfrm>
-            <a:off x="11723897" y="151756"/>
-            <a:ext cx="213992" cy="213992"/>
-          </a:xfrm>
-          <a:prstGeom prst="rect">
-            <a:avLst/>
-          </a:prstGeom>
-        </p:spPr>
-      </p:pic>
-    </p:spTree>
-    <p:extLst>
-      <p:ext uri="{BB962C8B-B14F-4D97-AF65-F5344CB8AC3E}">
-        <p14:creationId xmlns:p14="http://schemas.microsoft.com/office/powerpoint/2010/main" val="933920683"/>
-      </p:ext>
-    </p:extLst>
-  </p:cSld>
-  <p:clrMapOvr>
-    <a:masterClrMapping/>
-  </p:clrMapOvr>
-</p:sld>
-</file>
-
-<file path=ppt/slides/slide9.xml><?xml version="1.0" encoding="utf-8"?>
-<p:sld xmlns:a="http://schemas.openxmlformats.org/drawingml/2006/main" xmlns:r="http://schemas.openxmlformats.org/officeDocument/2006/relationships" xmlns:p="http://schemas.openxmlformats.org/presentationml/2006/main">
-  <p:cSld>
-    <p:spTree>
-      <p:nvGrpSpPr>
-        <p:cNvPr id="1" name=""/>
-        <p:cNvGrpSpPr/>
-        <p:nvPr/>
-      </p:nvGrpSpPr>
-      <p:grpSpPr>
-        <a:xfrm>
-          <a:off x="0" y="0"/>
-          <a:ext cx="0" cy="0"/>
-          <a:chOff x="0" y="0"/>
-          <a:chExt cx="0" cy="0"/>
-        </a:xfrm>
-      </p:grpSpPr>
-      <p:pic>
-        <p:nvPicPr>
-          <p:cNvPr id="21" name="Image 20">
-            <a:extLst>
-              <a:ext uri="{FF2B5EF4-FFF2-40B4-BE49-F238E27FC236}">
-                <a16:creationId xmlns:a16="http://schemas.microsoft.com/office/drawing/2014/main" id="{3736EEFF-71AB-4B81-BF71-ACED14F93918}"/>
-              </a:ext>
-            </a:extLst>
-          </p:cNvPr>
-          <p:cNvPicPr>
-            <a:picLocks noChangeAspect="1"/>
-          </p:cNvPicPr>
-          <p:nvPr/>
-        </p:nvPicPr>
-        <p:blipFill rotWithShape="1">
-          <a:blip r:embed="rId2">
-            <a:extLst>
-              <a:ext uri="{BEBA8EAE-BF5A-486C-A8C5-ECC9F3942E4B}">
-                <a14:imgProps xmlns:a14="http://schemas.microsoft.com/office/drawing/2010/main">
-                  <a14:imgLayer r:embed="rId3">
-                    <a14:imgEffect>
-                      <a14:saturation sat="0"/>
-                    </a14:imgEffect>
-                    <a14:imgEffect>
-                      <a14:brightnessContrast bright="20000" contrast="-20000"/>
-                    </a14:imgEffect>
-                  </a14:imgLayer>
-                </a14:imgProps>
-              </a:ext>
-              <a:ext uri="{28A0092B-C50C-407E-A947-70E740481C1C}">
-                <a14:useLocalDpi xmlns:a14="http://schemas.microsoft.com/office/drawing/2010/main" val="0"/>
-              </a:ext>
-            </a:extLst>
-          </a:blip>
-          <a:srcRect l="1692" t="7013" r="4436" b="77596"/>
-          <a:stretch/>
-        </p:blipFill>
-        <p:spPr>
-          <a:xfrm>
-            <a:off x="0" y="-18900"/>
-            <a:ext cx="12192000" cy="1537235"/>
-          </a:xfrm>
-          <a:prstGeom prst="rect">
-            <a:avLst/>
-          </a:prstGeom>
-          <a:gradFill flip="none" rotWithShape="1">
-            <a:gsLst>
-              <a:gs pos="0">
-                <a:schemeClr val="accent1">
-                  <a:shade val="30000"/>
-                  <a:satMod val="115000"/>
-                </a:schemeClr>
-              </a:gs>
-              <a:gs pos="50000">
-                <a:schemeClr val="accent1">
-                  <a:shade val="67500"/>
-                  <a:satMod val="115000"/>
-                </a:schemeClr>
-              </a:gs>
-              <a:gs pos="100000">
-                <a:schemeClr val="accent1">
-                  <a:shade val="100000"/>
-                  <a:satMod val="115000"/>
-                </a:schemeClr>
-              </a:gs>
-            </a:gsLst>
-            <a:lin ang="13500000" scaled="1"/>
-            <a:tileRect/>
-          </a:gradFill>
-          <a:effectLst>
-            <a:innerShdw blurRad="1270000" dist="2540000">
-              <a:prstClr val="black">
-                <a:alpha val="58000"/>
-              </a:prstClr>
-            </a:innerShdw>
-          </a:effectLst>
-        </p:spPr>
-      </p:pic>
-      <p:sp>
-        <p:nvSpPr>
-          <p:cNvPr id="29" name="Sous-titre 2">
-            <a:extLst>
-              <a:ext uri="{FF2B5EF4-FFF2-40B4-BE49-F238E27FC236}">
-                <a16:creationId xmlns:a16="http://schemas.microsoft.com/office/drawing/2014/main" id="{34DD89C6-6C25-4BEB-8CD4-BFB103026C35}"/>
-              </a:ext>
-            </a:extLst>
-          </p:cNvPr>
-          <p:cNvSpPr txBox="1">
-            <a:spLocks/>
-          </p:cNvSpPr>
-          <p:nvPr/>
-        </p:nvSpPr>
-        <p:spPr>
-          <a:xfrm>
-            <a:off x="0" y="1101664"/>
-            <a:ext cx="12192000" cy="298512"/>
-          </a:xfrm>
-          <a:prstGeom prst="rect">
-            <a:avLst/>
-          </a:prstGeom>
-          <a:solidFill>
-            <a:schemeClr val="bg1">
-              <a:lumMod val="95000"/>
-            </a:schemeClr>
-          </a:solidFill>
-        </p:spPr>
-        <p:txBody>
-          <a:bodyPr vert="horz" lIns="91440" tIns="45720" rIns="91440" bIns="45720" rtlCol="0" anchor="ctr">
-            <a:normAutofit/>
-          </a:bodyPr>
-          <a:lstStyle>
-            <a:lvl1pPr marL="0" indent="0" algn="ctr" defTabSz="914400" rtl="0" eaLnBrk="1" latinLnBrk="0" hangingPunct="1">
-              <a:lnSpc>
-                <a:spcPct val="90000"/>
-              </a:lnSpc>
-              <a:spcBef>
-                <a:spcPts val="1000"/>
-              </a:spcBef>
-              <a:buFont typeface="Arial" panose="020B0604020202020204" pitchFamily="34" charset="0"/>
-              <a:buNone/>
-              <a:defRPr sz="2400" kern="1200">
-                <a:solidFill>
-                  <a:schemeClr val="tx1"/>
-                </a:solidFill>
-                <a:latin typeface="+mn-lt"/>
-                <a:ea typeface="+mn-ea"/>
-                <a:cs typeface="+mn-cs"/>
-              </a:defRPr>
-            </a:lvl1pPr>
-            <a:lvl2pPr marL="457200" indent="0" algn="ctr" defTabSz="914400" rtl="0" eaLnBrk="1" latinLnBrk="0" hangingPunct="1">
-              <a:lnSpc>
-                <a:spcPct val="90000"/>
-              </a:lnSpc>
-              <a:spcBef>
-                <a:spcPts val="500"/>
-              </a:spcBef>
-              <a:buFont typeface="Arial" panose="020B0604020202020204" pitchFamily="34" charset="0"/>
-              <a:buNone/>
-              <a:defRPr sz="2000" kern="1200">
-                <a:solidFill>
-                  <a:schemeClr val="tx1"/>
-                </a:solidFill>
-                <a:latin typeface="+mn-lt"/>
-                <a:ea typeface="+mn-ea"/>
-                <a:cs typeface="+mn-cs"/>
-              </a:defRPr>
-            </a:lvl2pPr>
-            <a:lvl3pPr marL="914400" indent="0" algn="ctr" defTabSz="914400" rtl="0" eaLnBrk="1" latinLnBrk="0" hangingPunct="1">
-              <a:lnSpc>
-                <a:spcPct val="90000"/>
-              </a:lnSpc>
-              <a:spcBef>
-                <a:spcPts val="500"/>
-              </a:spcBef>
-              <a:buFont typeface="Arial" panose="020B0604020202020204" pitchFamily="34" charset="0"/>
-              <a:buNone/>
-              <a:defRPr sz="1800" kern="1200">
-                <a:solidFill>
-                  <a:schemeClr val="tx1"/>
-                </a:solidFill>
-                <a:latin typeface="+mn-lt"/>
-                <a:ea typeface="+mn-ea"/>
-                <a:cs typeface="+mn-cs"/>
-              </a:defRPr>
-            </a:lvl3pPr>
-            <a:lvl4pPr marL="1371600" indent="0" algn="ctr" defTabSz="914400" rtl="0" eaLnBrk="1" latinLnBrk="0" hangingPunct="1">
-              <a:lnSpc>
-                <a:spcPct val="90000"/>
-              </a:lnSpc>
-              <a:spcBef>
-                <a:spcPts val="500"/>
-              </a:spcBef>
-              <a:buFont typeface="Arial" panose="020B0604020202020204" pitchFamily="34" charset="0"/>
-              <a:buNone/>
-              <a:defRPr sz="1600" kern="1200">
-                <a:solidFill>
-                  <a:schemeClr val="tx1"/>
-                </a:solidFill>
-                <a:latin typeface="+mn-lt"/>
-                <a:ea typeface="+mn-ea"/>
-                <a:cs typeface="+mn-cs"/>
-              </a:defRPr>
-            </a:lvl4pPr>
-            <a:lvl5pPr marL="1828800" indent="0" algn="ctr" defTabSz="914400" rtl="0" eaLnBrk="1" latinLnBrk="0" hangingPunct="1">
-              <a:lnSpc>
-                <a:spcPct val="90000"/>
-              </a:lnSpc>
-              <a:spcBef>
-                <a:spcPts val="500"/>
-              </a:spcBef>
-              <a:buFont typeface="Arial" panose="020B0604020202020204" pitchFamily="34" charset="0"/>
-              <a:buNone/>
-              <a:defRPr sz="1600" kern="1200">
-                <a:solidFill>
-                  <a:schemeClr val="tx1"/>
-                </a:solidFill>
-                <a:latin typeface="+mn-lt"/>
-                <a:ea typeface="+mn-ea"/>
-                <a:cs typeface="+mn-cs"/>
-              </a:defRPr>
-            </a:lvl5pPr>
-            <a:lvl6pPr marL="2286000" indent="0" algn="ctr" defTabSz="914400" rtl="0" eaLnBrk="1" latinLnBrk="0" hangingPunct="1">
-              <a:lnSpc>
-                <a:spcPct val="90000"/>
-              </a:lnSpc>
-              <a:spcBef>
-                <a:spcPts val="500"/>
-              </a:spcBef>
-              <a:buFont typeface="Arial" panose="020B0604020202020204" pitchFamily="34" charset="0"/>
-              <a:buNone/>
-              <a:defRPr sz="1600" kern="1200">
-                <a:solidFill>
-                  <a:schemeClr val="tx1"/>
-                </a:solidFill>
-                <a:latin typeface="+mn-lt"/>
-                <a:ea typeface="+mn-ea"/>
-                <a:cs typeface="+mn-cs"/>
-              </a:defRPr>
-            </a:lvl6pPr>
-            <a:lvl7pPr marL="2743200" indent="0" algn="ctr" defTabSz="914400" rtl="0" eaLnBrk="1" latinLnBrk="0" hangingPunct="1">
-              <a:lnSpc>
-                <a:spcPct val="90000"/>
-              </a:lnSpc>
-              <a:spcBef>
-                <a:spcPts val="500"/>
-              </a:spcBef>
-              <a:buFont typeface="Arial" panose="020B0604020202020204" pitchFamily="34" charset="0"/>
-              <a:buNone/>
-              <a:defRPr sz="1600" kern="1200">
-                <a:solidFill>
-                  <a:schemeClr val="tx1"/>
-                </a:solidFill>
-                <a:latin typeface="+mn-lt"/>
-                <a:ea typeface="+mn-ea"/>
-                <a:cs typeface="+mn-cs"/>
-              </a:defRPr>
-            </a:lvl7pPr>
-            <a:lvl8pPr marL="3200400" indent="0" algn="ctr" defTabSz="914400" rtl="0" eaLnBrk="1" latinLnBrk="0" hangingPunct="1">
-              <a:lnSpc>
-                <a:spcPct val="90000"/>
-              </a:lnSpc>
-              <a:spcBef>
-                <a:spcPts val="500"/>
-              </a:spcBef>
-              <a:buFont typeface="Arial" panose="020B0604020202020204" pitchFamily="34" charset="0"/>
-              <a:buNone/>
-              <a:defRPr sz="1600" kern="1200">
-                <a:solidFill>
-                  <a:schemeClr val="tx1"/>
-                </a:solidFill>
-                <a:latin typeface="+mn-lt"/>
-                <a:ea typeface="+mn-ea"/>
-                <a:cs typeface="+mn-cs"/>
-              </a:defRPr>
-            </a:lvl8pPr>
-            <a:lvl9pPr marL="3657600" indent="0" algn="ctr" defTabSz="914400" rtl="0" eaLnBrk="1" latinLnBrk="0" hangingPunct="1">
-              <a:lnSpc>
-                <a:spcPct val="90000"/>
-              </a:lnSpc>
-              <a:spcBef>
-                <a:spcPts val="500"/>
-              </a:spcBef>
-              <a:buFont typeface="Arial" panose="020B0604020202020204" pitchFamily="34" charset="0"/>
-              <a:buNone/>
-              <a:defRPr sz="1600" kern="1200">
-                <a:solidFill>
-                  <a:schemeClr val="tx1"/>
-                </a:solidFill>
-                <a:latin typeface="+mn-lt"/>
-                <a:ea typeface="+mn-ea"/>
-                <a:cs typeface="+mn-cs"/>
-              </a:defRPr>
-            </a:lvl9pPr>
-          </a:lstStyle>
-          <a:p>
-            <a:r>
-              <a:rPr lang="fr-FR" sz="1200" b="1" spc="70" dirty="0">
-                <a:solidFill>
-                  <a:schemeClr val="bg2">
-                    <a:lumMod val="25000"/>
-                  </a:schemeClr>
-                </a:solidFill>
-                <a:cs typeface="Iskoola Pota" panose="020B0502040204020203" pitchFamily="34" charset="0"/>
-              </a:rPr>
-              <a:t>Projets			Editeur de thésaurus			A propos</a:t>
-            </a:r>
-          </a:p>
-        </p:txBody>
-      </p:sp>
-      <p:sp>
-        <p:nvSpPr>
-          <p:cNvPr id="35" name="Titre 1">
-            <a:extLst>
-              <a:ext uri="{FF2B5EF4-FFF2-40B4-BE49-F238E27FC236}">
-                <a16:creationId xmlns:a16="http://schemas.microsoft.com/office/drawing/2014/main" id="{5D8B8CAD-FD89-4390-847C-8C87FA481B0B}"/>
-              </a:ext>
-            </a:extLst>
-          </p:cNvPr>
-          <p:cNvSpPr txBox="1">
-            <a:spLocks/>
-          </p:cNvSpPr>
-          <p:nvPr/>
-        </p:nvSpPr>
-        <p:spPr>
-          <a:xfrm>
-            <a:off x="-2" y="-27801"/>
-            <a:ext cx="12192000" cy="1132804"/>
-          </a:xfrm>
-          <a:prstGeom prst="rect">
-            <a:avLst/>
-          </a:prstGeom>
-          <a:solidFill>
-            <a:srgbClr val="000000">
-              <a:alpha val="69804"/>
-            </a:srgbClr>
-          </a:solidFill>
-        </p:spPr>
-        <p:txBody>
-          <a:bodyPr vert="horz" lIns="91440" tIns="45720" rIns="91440" bIns="45720" rtlCol="0" anchor="ctr">
-            <a:normAutofit/>
-          </a:bodyPr>
-          <a:lstStyle>
-            <a:lvl1pPr algn="ctr" defTabSz="914400" rtl="0" eaLnBrk="1" latinLnBrk="0" hangingPunct="1">
-              <a:lnSpc>
-                <a:spcPct val="90000"/>
-              </a:lnSpc>
-              <a:spcBef>
-                <a:spcPct val="0"/>
-              </a:spcBef>
-              <a:buNone/>
-              <a:defRPr sz="6000" kern="1200">
-                <a:solidFill>
-                  <a:schemeClr val="tx1"/>
-                </a:solidFill>
-                <a:latin typeface="+mj-lt"/>
-                <a:ea typeface="+mj-ea"/>
-                <a:cs typeface="+mj-cs"/>
-              </a:defRPr>
-            </a:lvl1pPr>
-          </a:lstStyle>
-          <a:p>
-            <a:r>
-              <a:rPr lang="fr-FR" sz="2000" kern="0" spc="220" dirty="0">
-                <a:solidFill>
-                  <a:schemeClr val="bg1">
-                    <a:lumMod val="95000"/>
-                  </a:schemeClr>
-                </a:solidFill>
-                <a:latin typeface="Bembo" panose="02020502050201020203" pitchFamily="18" charset="0"/>
-                <a:cs typeface="Iskoola Pota" panose="020B0604020202020204" pitchFamily="34" charset="0"/>
-              </a:rPr>
-              <a:t>SHERLOCK</a:t>
-            </a:r>
-            <a:endParaRPr lang="fr-FR" sz="800" spc="220" dirty="0">
-              <a:solidFill>
-                <a:schemeClr val="bg1">
-                  <a:lumMod val="95000"/>
-                </a:schemeClr>
-              </a:solidFill>
-              <a:latin typeface="Bembo" panose="02020502050201020203" pitchFamily="18" charset="0"/>
-            </a:endParaRPr>
-          </a:p>
-        </p:txBody>
-      </p:sp>
-      <p:sp>
-        <p:nvSpPr>
-          <p:cNvPr id="36" name="Rectangle 35">
-            <a:extLst>
-              <a:ext uri="{FF2B5EF4-FFF2-40B4-BE49-F238E27FC236}">
-                <a16:creationId xmlns:a16="http://schemas.microsoft.com/office/drawing/2014/main" id="{681669B9-C446-4578-8880-6DB09F1C08ED}"/>
-              </a:ext>
-            </a:extLst>
-          </p:cNvPr>
-          <p:cNvSpPr/>
-          <p:nvPr/>
-        </p:nvSpPr>
-        <p:spPr>
-          <a:xfrm>
-            <a:off x="-1" y="-27800"/>
-            <a:ext cx="12191999" cy="6885802"/>
-          </a:xfrm>
-          <a:prstGeom prst="rect">
-            <a:avLst/>
-          </a:prstGeom>
-          <a:gradFill>
-            <a:gsLst>
-              <a:gs pos="0">
-                <a:schemeClr val="bg2">
-                  <a:lumMod val="10000"/>
-                </a:schemeClr>
-              </a:gs>
-              <a:gs pos="48000">
-                <a:schemeClr val="bg2">
-                  <a:lumMod val="25000"/>
-                </a:schemeClr>
-              </a:gs>
-              <a:gs pos="100000">
-                <a:schemeClr val="bg2">
-                  <a:lumMod val="25000"/>
-                </a:schemeClr>
-              </a:gs>
-            </a:gsLst>
-            <a:lin ang="13500000" scaled="1"/>
-          </a:gradFill>
-        </p:spPr>
-        <p:style>
-          <a:lnRef idx="2">
-            <a:schemeClr val="accent1">
-              <a:shade val="50000"/>
-            </a:schemeClr>
-          </a:lnRef>
-          <a:fillRef idx="1">
-            <a:schemeClr val="accent1"/>
-          </a:fillRef>
-          <a:effectRef idx="0">
-            <a:schemeClr val="accent1"/>
-          </a:effectRef>
-          <a:fontRef idx="minor">
-            <a:schemeClr val="lt1"/>
-          </a:fontRef>
-        </p:style>
-        <p:txBody>
-          <a:bodyPr rtlCol="0" anchor="ctr"/>
-          <a:lstStyle/>
-          <a:p>
-            <a:pPr algn="ctr"/>
-            <a:endParaRPr lang="fr-FR" dirty="0">
-              <a:solidFill>
-                <a:schemeClr val="bg2">
-                  <a:lumMod val="25000"/>
-                </a:schemeClr>
-              </a:solidFill>
-            </a:endParaRPr>
-          </a:p>
-        </p:txBody>
-      </p:sp>
-      <p:sp>
-        <p:nvSpPr>
-          <p:cNvPr id="4" name="Rectangle : coins arrondis 3">
-            <a:extLst>
-              <a:ext uri="{FF2B5EF4-FFF2-40B4-BE49-F238E27FC236}">
-                <a16:creationId xmlns:a16="http://schemas.microsoft.com/office/drawing/2014/main" id="{36973AC9-62DE-443A-803A-401548AE53F7}"/>
-              </a:ext>
-            </a:extLst>
-          </p:cNvPr>
-          <p:cNvSpPr/>
-          <p:nvPr/>
-        </p:nvSpPr>
-        <p:spPr>
-          <a:xfrm>
-            <a:off x="778933" y="-552449"/>
-            <a:ext cx="10612967" cy="7219950"/>
-          </a:xfrm>
-          <a:prstGeom prst="roundRect">
-            <a:avLst>
-              <a:gd name="adj" fmla="val 6808"/>
-            </a:avLst>
-          </a:prstGeom>
-          <a:solidFill>
-            <a:srgbClr val="F5F5F5"/>
-          </a:solidFill>
-          <a:ln>
-            <a:noFill/>
-          </a:ln>
-        </p:spPr>
-        <p:style>
-          <a:lnRef idx="2">
-            <a:schemeClr val="accent1">
-              <a:shade val="50000"/>
-            </a:schemeClr>
-          </a:lnRef>
-          <a:fillRef idx="1">
-            <a:schemeClr val="accent1"/>
-          </a:fillRef>
-          <a:effectRef idx="0">
-            <a:schemeClr val="accent1"/>
-          </a:effectRef>
-          <a:fontRef idx="minor">
-            <a:schemeClr val="lt1"/>
-          </a:fontRef>
-        </p:style>
-        <p:txBody>
-          <a:bodyPr rtlCol="0" anchor="t"/>
-          <a:lstStyle/>
-          <a:p>
-            <a:pPr algn="just"/>
-            <a:r>
-              <a:rPr lang="fr-FR" dirty="0">
-                <a:solidFill>
-                  <a:schemeClr val="bg2">
-                    <a:lumMod val="25000"/>
-                  </a:schemeClr>
-                </a:solidFill>
-              </a:rPr>
-              <a:t>	</a:t>
-            </a:r>
-          </a:p>
-          <a:p>
-            <a:pPr algn="just"/>
-            <a:r>
-              <a:rPr lang="fr-FR" sz="1600" dirty="0">
-                <a:solidFill>
-                  <a:schemeClr val="bg2">
-                    <a:lumMod val="25000"/>
-                  </a:schemeClr>
-                </a:solidFill>
-              </a:rPr>
-              <a:t>	</a:t>
-            </a:r>
-          </a:p>
-          <a:p>
-            <a:pPr algn="just"/>
-            <a:endParaRPr lang="fr-FR" b="1" dirty="0">
-              <a:solidFill>
-                <a:schemeClr val="bg2">
-                  <a:lumMod val="25000"/>
-                </a:schemeClr>
-              </a:solidFill>
-            </a:endParaRPr>
-          </a:p>
-        </p:txBody>
-      </p:sp>
-    </p:spTree>
-    <p:extLst>
-      <p:ext uri="{BB962C8B-B14F-4D97-AF65-F5344CB8AC3E}">
-        <p14:creationId xmlns:p14="http://schemas.microsoft.com/office/powerpoint/2010/main" val="2042820568"/>
       </p:ext>
     </p:extLst>
   </p:cSld>

--- a/modélisation/mercure-galant-thésaurus-ancien-régime/Ecrans.pptx
+++ b/modélisation/mercure-galant-thésaurus-ancien-régime/Ecrans.pptx
@@ -5527,7 +5527,7 @@
                   </a:schemeClr>
                 </a:solidFill>
               </a:rPr>
-              <a:t>Noms de personnes</a:t>
+              <a:t>Personnes</a:t>
             </a:r>
           </a:p>
           <a:p>
@@ -11002,7 +11002,13 @@
           <p:cNvGraphicFramePr>
             <a:graphicFrameLocks noGrp="1"/>
           </p:cNvGraphicFramePr>
-          <p:nvPr/>
+          <p:nvPr>
+            <p:extLst>
+              <p:ext uri="{D42A27DB-BD31-4B8C-83A1-F6EECF244321}">
+                <p14:modId xmlns:p14="http://schemas.microsoft.com/office/powerpoint/2010/main" val="123377411"/>
+              </p:ext>
+            </p:extLst>
+          </p:nvPr>
         </p:nvGraphicFramePr>
         <p:xfrm>
           <a:off x="4724399" y="2867305"/>
@@ -11031,7 +11037,7 @@
                     <a:p>
                       <a:r>
                         <a:rPr lang="fr-FR" sz="1200" b="1" dirty="0"/>
-                        <a:t>Noms de personnes</a:t>
+                        <a:t>Personnes</a:t>
                       </a:r>
                     </a:p>
                   </a:txBody>
@@ -17987,7 +17993,7 @@
                   </a:schemeClr>
                 </a:solidFill>
               </a:rPr>
-              <a:t>Noms de personnes</a:t>
+              <a:t>Personnes</a:t>
             </a:r>
           </a:p>
           <a:p>
@@ -20778,7 +20784,7 @@
                   </a:schemeClr>
                 </a:solidFill>
               </a:rPr>
-              <a:t>Noms de personnes</a:t>
+              <a:t>Personnes</a:t>
             </a:r>
           </a:p>
           <a:p>
@@ -23777,7 +23783,7 @@
                   </a:schemeClr>
                 </a:solidFill>
               </a:rPr>
-              <a:t>Noms de personnes</a:t>
+              <a:t>Personnes</a:t>
             </a:r>
           </a:p>
           <a:p>
@@ -26787,7 +26793,7 @@
                   </a:schemeClr>
                 </a:solidFill>
               </a:rPr>
-              <a:t>Noms de personnes</a:t>
+              <a:t>Personnes</a:t>
             </a:r>
           </a:p>
           <a:p>
@@ -29951,7 +29957,7 @@
                   </a:schemeClr>
                 </a:solidFill>
               </a:rPr>
-              <a:t>Noms de personnes</a:t>
+              <a:t>Personnes</a:t>
             </a:r>
           </a:p>
           <a:p>
